--- a/PPT/機器人動起來 day3.pptx
+++ b/PPT/機器人動起來 day3.pptx
@@ -5,7 +5,7 @@
     <p:sldMasterId id="2147483678" r:id="rId1"/>
   </p:sldMasterIdLst>
   <p:notesMasterIdLst>
-    <p:notesMasterId r:id="rId53"/>
+    <p:notesMasterId r:id="rId60"/>
   </p:notesMasterIdLst>
   <p:sldIdLst>
     <p:sldId id="256" r:id="rId2"/>
@@ -13,7 +13,7 @@
     <p:sldId id="288" r:id="rId4"/>
     <p:sldId id="308" r:id="rId5"/>
     <p:sldId id="339" r:id="rId6"/>
-    <p:sldId id="346" r:id="rId7"/>
+    <p:sldId id="376" r:id="rId7"/>
     <p:sldId id="282" r:id="rId8"/>
     <p:sldId id="307" r:id="rId9"/>
     <p:sldId id="347" r:id="rId10"/>
@@ -38,27 +38,34 @@
     <p:sldId id="298" r:id="rId29"/>
     <p:sldId id="293" r:id="rId30"/>
     <p:sldId id="299" r:id="rId31"/>
-    <p:sldId id="281" r:id="rId32"/>
-    <p:sldId id="325" r:id="rId33"/>
-    <p:sldId id="294" r:id="rId34"/>
-    <p:sldId id="296" r:id="rId35"/>
-    <p:sldId id="297" r:id="rId36"/>
-    <p:sldId id="321" r:id="rId37"/>
-    <p:sldId id="300" r:id="rId38"/>
-    <p:sldId id="329" r:id="rId39"/>
-    <p:sldId id="328" r:id="rId40"/>
-    <p:sldId id="326" r:id="rId41"/>
-    <p:sldId id="327" r:id="rId42"/>
-    <p:sldId id="303" r:id="rId43"/>
-    <p:sldId id="334" r:id="rId44"/>
-    <p:sldId id="332" r:id="rId45"/>
-    <p:sldId id="333" r:id="rId46"/>
-    <p:sldId id="323" r:id="rId47"/>
-    <p:sldId id="324" r:id="rId48"/>
-    <p:sldId id="335" r:id="rId49"/>
-    <p:sldId id="343" r:id="rId50"/>
-    <p:sldId id="345" r:id="rId51"/>
-    <p:sldId id="375" r:id="rId52"/>
+    <p:sldId id="316" r:id="rId32"/>
+    <p:sldId id="317" r:id="rId33"/>
+    <p:sldId id="319" r:id="rId34"/>
+    <p:sldId id="281" r:id="rId35"/>
+    <p:sldId id="325" r:id="rId36"/>
+    <p:sldId id="294" r:id="rId37"/>
+    <p:sldId id="296" r:id="rId38"/>
+    <p:sldId id="297" r:id="rId39"/>
+    <p:sldId id="321" r:id="rId40"/>
+    <p:sldId id="320" r:id="rId41"/>
+    <p:sldId id="322" r:id="rId42"/>
+    <p:sldId id="300" r:id="rId43"/>
+    <p:sldId id="329" r:id="rId44"/>
+    <p:sldId id="328" r:id="rId45"/>
+    <p:sldId id="330" r:id="rId46"/>
+    <p:sldId id="344" r:id="rId47"/>
+    <p:sldId id="326" r:id="rId48"/>
+    <p:sldId id="327" r:id="rId49"/>
+    <p:sldId id="303" r:id="rId50"/>
+    <p:sldId id="334" r:id="rId51"/>
+    <p:sldId id="332" r:id="rId52"/>
+    <p:sldId id="333" r:id="rId53"/>
+    <p:sldId id="323" r:id="rId54"/>
+    <p:sldId id="324" r:id="rId55"/>
+    <p:sldId id="335" r:id="rId56"/>
+    <p:sldId id="343" r:id="rId57"/>
+    <p:sldId id="345" r:id="rId58"/>
+    <p:sldId id="375" r:id="rId59"/>
   </p:sldIdLst>
   <p:sldSz cx="12192000" cy="6858000"/>
   <p:notesSz cx="6858000" cy="9144000"/>
@@ -171,7 +178,7 @@
             <p14:sldId id="288"/>
             <p14:sldId id="308"/>
             <p14:sldId id="339"/>
-            <p14:sldId id="346"/>
+            <p14:sldId id="376"/>
             <p14:sldId id="282"/>
             <p14:sldId id="307"/>
             <p14:sldId id="347"/>
@@ -196,6 +203,9 @@
             <p14:sldId id="298"/>
             <p14:sldId id="293"/>
             <p14:sldId id="299"/>
+            <p14:sldId id="316"/>
+            <p14:sldId id="317"/>
+            <p14:sldId id="319"/>
           </p14:sldIdLst>
         </p14:section>
         <p14:section name="CH5" id="{FA3A010C-17A6-4571-829A-27AC77CBA94A}">
@@ -206,9 +216,13 @@
             <p14:sldId id="296"/>
             <p14:sldId id="297"/>
             <p14:sldId id="321"/>
+            <p14:sldId id="320"/>
+            <p14:sldId id="322"/>
             <p14:sldId id="300"/>
             <p14:sldId id="329"/>
             <p14:sldId id="328"/>
+            <p14:sldId id="330"/>
+            <p14:sldId id="344"/>
             <p14:sldId id="326"/>
             <p14:sldId id="327"/>
             <p14:sldId id="303"/>
@@ -326,7 +340,7 @@
           <a:p>
             <a:fld id="{F193C4BA-8DD1-4203-89FE-CCF2348BDE75}" type="datetimeFigureOut">
               <a:rPr lang="zh-TW" altLang="en-US" smtClean="0"/>
-              <a:t>2023/1/29</a:t>
+              <a:t>2023/2/1</a:t>
             </a:fld>
             <a:endParaRPr lang="zh-TW" altLang="en-US"/>
           </a:p>
@@ -637,10 +651,7 @@
           <a:bodyPr/>
           <a:lstStyle/>
           <a:p>
-            <a:r>
-              <a:rPr lang="zh-TW" altLang="en-US" dirty="0"/>
-              <a:t>今天很無聊，撐住啊你各位</a:t>
-            </a:r>
+            <a:endParaRPr lang="zh-TW" altLang="en-US" dirty="0"/>
           </a:p>
         </p:txBody>
       </p:sp>
@@ -724,10 +735,6 @@
           <a:bodyPr/>
           <a:lstStyle/>
           <a:p>
-            <a:r>
-              <a:rPr lang="en-US" altLang="zh-TW" dirty="0"/>
-              <a:t>5min practice</a:t>
-            </a:r>
             <a:endParaRPr lang="zh-TW" altLang="en-US" dirty="0"/>
           </a:p>
         </p:txBody>
@@ -812,10 +819,6 @@
           <a:bodyPr/>
           <a:lstStyle/>
           <a:p>
-            <a:r>
-              <a:rPr lang="en-US" altLang="zh-TW" dirty="0"/>
-              <a:t>5min</a:t>
-            </a:r>
             <a:endParaRPr lang="zh-TW" altLang="en-US" dirty="0"/>
           </a:p>
         </p:txBody>
@@ -900,10 +903,6 @@
           <a:bodyPr/>
           <a:lstStyle/>
           <a:p>
-            <a:r>
-              <a:rPr lang="en-US" altLang="zh-TW" dirty="0"/>
-              <a:t>5min</a:t>
-            </a:r>
             <a:endParaRPr lang="zh-TW" altLang="en-US" dirty="0"/>
           </a:p>
         </p:txBody>
@@ -988,10 +987,7 @@
           <a:bodyPr/>
           <a:lstStyle/>
           <a:p>
-            <a:r>
-              <a:rPr lang="zh-TW" altLang="en-US" dirty="0"/>
-              <a:t>每一秒出現一次</a:t>
-            </a:r>
+            <a:endParaRPr lang="zh-TW" altLang="en-US" dirty="0"/>
           </a:p>
         </p:txBody>
       </p:sp>
@@ -1159,10 +1155,7 @@
           <a:bodyPr/>
           <a:lstStyle/>
           <a:p>
-            <a:r>
-              <a:rPr lang="zh-TW" altLang="en-US" dirty="0"/>
-              <a:t>數值沒有名字，沒有固定的格式，不知道是字母 小數 整數 符號</a:t>
-            </a:r>
+            <a:endParaRPr lang="zh-TW" altLang="en-US" dirty="0"/>
           </a:p>
         </p:txBody>
       </p:sp>
@@ -1246,30 +1239,6 @@
           <a:bodyPr/>
           <a:lstStyle/>
           <a:p>
-            <a:r>
-              <a:rPr lang="zh-TW" altLang="en-US" dirty="0"/>
-              <a:t>簡單講</a:t>
-            </a:r>
-            <a:r>
-              <a:rPr lang="en-US" altLang="zh-TW" dirty="0"/>
-              <a:t>2</a:t>
-            </a:r>
-            <a:r>
-              <a:rPr lang="zh-TW" altLang="en-US" dirty="0"/>
-              <a:t>進制，不詳談</a:t>
-            </a:r>
-            <a:r>
-              <a:rPr lang="en-US" altLang="zh-TW" dirty="0"/>
-              <a:t>(1</a:t>
-            </a:r>
-            <a:r>
-              <a:rPr lang="zh-TW" altLang="en-US" dirty="0"/>
-              <a:t>位元</a:t>
-            </a:r>
-            <a:r>
-              <a:rPr lang="en-US" altLang="zh-TW" dirty="0"/>
-              <a:t>=1bit)</a:t>
-            </a:r>
             <a:endParaRPr lang="zh-TW" altLang="en-US" dirty="0"/>
           </a:p>
         </p:txBody>
@@ -1438,10 +1407,6 @@
           <a:bodyPr/>
           <a:lstStyle/>
           <a:p>
-            <a:r>
-              <a:rPr lang="en-US" altLang="zh-TW" dirty="0"/>
-              <a:t>10~15min</a:t>
-            </a:r>
             <a:endParaRPr lang="zh-TW" altLang="en-US" dirty="0"/>
           </a:p>
         </p:txBody>
@@ -1778,10 +1743,6 @@
           <a:bodyPr/>
           <a:lstStyle/>
           <a:p>
-            <a:r>
-              <a:rPr lang="en-US" altLang="zh-TW" dirty="0"/>
-              <a:t>10min</a:t>
-            </a:r>
             <a:endParaRPr lang="zh-TW" altLang="en-US" dirty="0"/>
           </a:p>
         </p:txBody>
@@ -1887,7 +1848,7 @@
           <a:p>
             <a:fld id="{3ABC29A3-9B47-4A73-BDC2-B335115DFECA}" type="slidenum">
               <a:rPr lang="zh-TW" altLang="en-US" smtClean="0"/>
-              <a:t>32</a:t>
+              <a:t>35</a:t>
             </a:fld>
             <a:endParaRPr lang="zh-TW" altLang="en-US"/>
           </a:p>
@@ -1950,10 +1911,7 @@
           <a:bodyPr/>
           <a:lstStyle/>
           <a:p>
-            <a:r>
-              <a:rPr lang="zh-TW" altLang="en-US" dirty="0"/>
-              <a:t>由小馬達傳動齒輪組來減速</a:t>
-            </a:r>
+            <a:endParaRPr lang="zh-TW" altLang="en-US" dirty="0"/>
           </a:p>
         </p:txBody>
       </p:sp>
@@ -1974,7 +1932,7 @@
           <a:p>
             <a:fld id="{3ABC29A3-9B47-4A73-BDC2-B335115DFECA}" type="slidenum">
               <a:rPr lang="zh-TW" altLang="en-US" smtClean="0"/>
-              <a:t>33</a:t>
+              <a:t>36</a:t>
             </a:fld>
             <a:endParaRPr lang="zh-TW" altLang="en-US"/>
           </a:p>
@@ -2037,39 +1995,7 @@
           <a:bodyPr/>
           <a:lstStyle/>
           <a:p>
-            <a:r>
-              <a:rPr lang="zh-TW" altLang="en-US" dirty="0"/>
-              <a:t>宣告</a:t>
-            </a:r>
-            <a:r>
-              <a:rPr lang="en-US" altLang="zh-TW" dirty="0"/>
-              <a:t>(</a:t>
-            </a:r>
-            <a:r>
-              <a:rPr lang="zh-TW" altLang="en-US" dirty="0"/>
-              <a:t>可對調</a:t>
-            </a:r>
-            <a:r>
-              <a:rPr lang="en-US" altLang="zh-TW" dirty="0"/>
-              <a:t>)</a:t>
-            </a:r>
-          </a:p>
-          <a:p>
-            <a:r>
-              <a:rPr lang="zh-TW" altLang="en-US" dirty="0"/>
-              <a:t>馬達</a:t>
-            </a:r>
             <a:endParaRPr lang="en-US" altLang="zh-TW" dirty="0"/>
-          </a:p>
-          <a:p>
-            <a:r>
-              <a:rPr lang="zh-TW" altLang="en-US" dirty="0"/>
-              <a:t>數值是</a:t>
-            </a:r>
-            <a:r>
-              <a:rPr lang="en-US" altLang="zh-TW" dirty="0"/>
-              <a:t>0~255</a:t>
-            </a:r>
           </a:p>
         </p:txBody>
       </p:sp>
@@ -2090,7 +2016,7 @@
           <a:p>
             <a:fld id="{3ABC29A3-9B47-4A73-BDC2-B335115DFECA}" type="slidenum">
               <a:rPr lang="zh-TW" altLang="en-US" smtClean="0"/>
-              <a:t>34</a:t>
+              <a:t>37</a:t>
             </a:fld>
             <a:endParaRPr lang="zh-TW" altLang="en-US"/>
           </a:p>
@@ -2153,10 +2079,6 @@
           <a:bodyPr/>
           <a:lstStyle/>
           <a:p>
-            <a:r>
-              <a:rPr lang="en-US" altLang="zh-TW" dirty="0"/>
-              <a:t>10min</a:t>
-            </a:r>
             <a:endParaRPr lang="zh-TW" altLang="en-US" dirty="0"/>
           </a:p>
         </p:txBody>
@@ -2178,7 +2100,7 @@
           <a:p>
             <a:fld id="{3ABC29A3-9B47-4A73-BDC2-B335115DFECA}" type="slidenum">
               <a:rPr lang="zh-TW" altLang="en-US" smtClean="0"/>
-              <a:t>36</a:t>
+              <a:t>39</a:t>
             </a:fld>
             <a:endParaRPr lang="zh-TW" altLang="en-US"/>
           </a:p>
@@ -2241,25 +2163,6 @@
           <a:bodyPr/>
           <a:lstStyle/>
           <a:p>
-            <a:r>
-              <a:rPr lang="zh-TW" altLang="en-US" dirty="0"/>
-              <a:t>開一個檔案存，一個檔案複寫，把副程式丟進</a:t>
-            </a:r>
-            <a:r>
-              <a:rPr lang="en-US" altLang="zh-TW" dirty="0"/>
-              <a:t>loop</a:t>
-            </a:r>
-            <a:r>
-              <a:rPr lang="zh-TW" altLang="en-US" dirty="0"/>
-              <a:t>裡做測試</a:t>
-            </a:r>
-            <a:endParaRPr lang="en-US" altLang="zh-TW" dirty="0"/>
-          </a:p>
-          <a:p>
-            <a:r>
-              <a:rPr lang="en-US" altLang="zh-TW" dirty="0"/>
-              <a:t>10min</a:t>
-            </a:r>
             <a:endParaRPr lang="zh-TW" altLang="en-US" dirty="0"/>
           </a:p>
         </p:txBody>
@@ -2281,7 +2184,7 @@
           <a:p>
             <a:fld id="{3ABC29A3-9B47-4A73-BDC2-B335115DFECA}" type="slidenum">
               <a:rPr lang="zh-TW" altLang="en-US" smtClean="0"/>
-              <a:t>39</a:t>
+              <a:t>44</a:t>
             </a:fld>
             <a:endParaRPr lang="zh-TW" altLang="en-US"/>
           </a:p>
@@ -2365,7 +2268,7 @@
           <a:p>
             <a:fld id="{3ABC29A3-9B47-4A73-BDC2-B335115DFECA}" type="slidenum">
               <a:rPr lang="zh-TW" altLang="en-US" smtClean="0"/>
-              <a:t>40</a:t>
+              <a:t>45</a:t>
             </a:fld>
             <a:endParaRPr lang="zh-TW" altLang="en-US"/>
           </a:p>
@@ -2374,7 +2277,7 @@
     </p:spTree>
     <p:extLst>
       <p:ext uri="{BB962C8B-B14F-4D97-AF65-F5344CB8AC3E}">
-        <p14:creationId xmlns:p14="http://schemas.microsoft.com/office/powerpoint/2010/main" val="2577233365"/>
+        <p14:creationId xmlns:p14="http://schemas.microsoft.com/office/powerpoint/2010/main" val="1242305044"/>
       </p:ext>
     </p:extLst>
   </p:cSld>
@@ -2428,33 +2331,7 @@
           <a:bodyPr/>
           <a:lstStyle/>
           <a:p>
-            <a:r>
-              <a:rPr lang="en-US" altLang="zh-TW" dirty="0"/>
-              <a:t>If</a:t>
-            </a:r>
-            <a:r>
-              <a:rPr lang="zh-TW" altLang="en-US" dirty="0"/>
-              <a:t> </a:t>
-            </a:r>
-            <a:r>
-              <a:rPr lang="en-US" altLang="zh-TW" dirty="0"/>
-              <a:t>else -&gt; </a:t>
-            </a:r>
-            <a:r>
-              <a:rPr lang="zh-TW" altLang="en-US" dirty="0"/>
-              <a:t>如果 否則</a:t>
-            </a:r>
-            <a:endParaRPr lang="en-US" altLang="zh-TW" dirty="0"/>
-          </a:p>
-          <a:p>
-            <a:r>
-              <a:rPr lang="en-US" altLang="zh-TW" dirty="0"/>
-              <a:t>Stitch -&gt; </a:t>
-            </a:r>
-            <a:r>
-              <a:rPr lang="zh-TW" altLang="en-US" dirty="0"/>
-              <a:t>選擇開關</a:t>
-            </a:r>
+            <a:endParaRPr lang="zh-TW" altLang="en-US" dirty="0"/>
           </a:p>
         </p:txBody>
       </p:sp>
@@ -2475,7 +2352,7 @@
           <a:p>
             <a:fld id="{3ABC29A3-9B47-4A73-BDC2-B335115DFECA}" type="slidenum">
               <a:rPr lang="zh-TW" altLang="en-US" smtClean="0"/>
-              <a:t>41</a:t>
+              <a:t>47</a:t>
             </a:fld>
             <a:endParaRPr lang="zh-TW" altLang="en-US"/>
           </a:p>
@@ -2484,7 +2361,7 @@
     </p:spTree>
     <p:extLst>
       <p:ext uri="{BB962C8B-B14F-4D97-AF65-F5344CB8AC3E}">
-        <p14:creationId xmlns:p14="http://schemas.microsoft.com/office/powerpoint/2010/main" val="2737635670"/>
+        <p14:creationId xmlns:p14="http://schemas.microsoft.com/office/powerpoint/2010/main" val="2577233365"/>
       </p:ext>
     </p:extLst>
   </p:cSld>
@@ -2538,10 +2415,7 @@
           <a:bodyPr/>
           <a:lstStyle/>
           <a:p>
-            <a:r>
-              <a:rPr lang="zh-TW" altLang="en-US" dirty="0"/>
-              <a:t>先乘除後加減</a:t>
-            </a:r>
+            <a:endParaRPr lang="zh-TW" altLang="en-US" dirty="0"/>
           </a:p>
         </p:txBody>
       </p:sp>
@@ -2562,7 +2436,7 @@
           <a:p>
             <a:fld id="{3ABC29A3-9B47-4A73-BDC2-B335115DFECA}" type="slidenum">
               <a:rPr lang="zh-TW" altLang="en-US" smtClean="0"/>
-              <a:t>43</a:t>
+              <a:t>48</a:t>
             </a:fld>
             <a:endParaRPr lang="zh-TW" altLang="en-US"/>
           </a:p>
@@ -2571,7 +2445,7 @@
     </p:spTree>
     <p:extLst>
       <p:ext uri="{BB962C8B-B14F-4D97-AF65-F5344CB8AC3E}">
-        <p14:creationId xmlns:p14="http://schemas.microsoft.com/office/powerpoint/2010/main" val="800383749"/>
+        <p14:creationId xmlns:p14="http://schemas.microsoft.com/office/powerpoint/2010/main" val="2737635670"/>
       </p:ext>
     </p:extLst>
   </p:cSld>
@@ -2709,16 +2583,6 @@
           <a:bodyPr/>
           <a:lstStyle/>
           <a:p>
-            <a:r>
-              <a:rPr lang="en-US" altLang="zh-TW" dirty="0"/>
-              <a:t>5min</a:t>
-            </a:r>
-          </a:p>
-          <a:p>
-            <a:r>
-              <a:rPr lang="en-US" altLang="zh-TW" dirty="0"/>
-              <a:t>ASCII code</a:t>
-            </a:r>
             <a:endParaRPr lang="zh-TW" altLang="en-US" dirty="0"/>
           </a:p>
         </p:txBody>
@@ -2740,7 +2604,7 @@
           <a:p>
             <a:fld id="{3ABC29A3-9B47-4A73-BDC2-B335115DFECA}" type="slidenum">
               <a:rPr lang="zh-TW" altLang="en-US" smtClean="0"/>
-              <a:t>46</a:t>
+              <a:t>50</a:t>
             </a:fld>
             <a:endParaRPr lang="zh-TW" altLang="en-US"/>
           </a:p>
@@ -2749,7 +2613,7 @@
     </p:spTree>
     <p:extLst>
       <p:ext uri="{BB962C8B-B14F-4D97-AF65-F5344CB8AC3E}">
-        <p14:creationId xmlns:p14="http://schemas.microsoft.com/office/powerpoint/2010/main" val="1841306938"/>
+        <p14:creationId xmlns:p14="http://schemas.microsoft.com/office/powerpoint/2010/main" val="800383749"/>
       </p:ext>
     </p:extLst>
   </p:cSld>
@@ -2803,10 +2667,6 @@
           <a:bodyPr/>
           <a:lstStyle/>
           <a:p>
-            <a:r>
-              <a:rPr lang="en-US" altLang="zh-TW" dirty="0"/>
-              <a:t>Break vs exit(0)</a:t>
-            </a:r>
             <a:endParaRPr lang="zh-TW" altLang="en-US" dirty="0"/>
           </a:p>
         </p:txBody>
@@ -2828,7 +2688,7 @@
           <a:p>
             <a:fld id="{3ABC29A3-9B47-4A73-BDC2-B335115DFECA}" type="slidenum">
               <a:rPr lang="zh-TW" altLang="en-US" smtClean="0"/>
-              <a:t>47</a:t>
+              <a:t>53</a:t>
             </a:fld>
             <a:endParaRPr lang="zh-TW" altLang="en-US"/>
           </a:p>
@@ -2837,7 +2697,7 @@
     </p:spTree>
     <p:extLst>
       <p:ext uri="{BB962C8B-B14F-4D97-AF65-F5344CB8AC3E}">
-        <p14:creationId xmlns:p14="http://schemas.microsoft.com/office/powerpoint/2010/main" val="3754974616"/>
+        <p14:creationId xmlns:p14="http://schemas.microsoft.com/office/powerpoint/2010/main" val="1841306938"/>
       </p:ext>
     </p:extLst>
   </p:cSld>
@@ -2891,10 +2751,6 @@
           <a:bodyPr/>
           <a:lstStyle/>
           <a:p>
-            <a:r>
-              <a:rPr lang="en-US" altLang="zh-TW" dirty="0"/>
-              <a:t>5min</a:t>
-            </a:r>
             <a:endParaRPr lang="zh-TW" altLang="en-US" dirty="0"/>
           </a:p>
         </p:txBody>
@@ -2916,7 +2772,7 @@
           <a:p>
             <a:fld id="{3ABC29A3-9B47-4A73-BDC2-B335115DFECA}" type="slidenum">
               <a:rPr lang="zh-TW" altLang="en-US" smtClean="0"/>
-              <a:t>48</a:t>
+              <a:t>54</a:t>
             </a:fld>
             <a:endParaRPr lang="zh-TW" altLang="en-US"/>
           </a:p>
@@ -2925,7 +2781,7 @@
     </p:spTree>
     <p:extLst>
       <p:ext uri="{BB962C8B-B14F-4D97-AF65-F5344CB8AC3E}">
-        <p14:creationId xmlns:p14="http://schemas.microsoft.com/office/powerpoint/2010/main" val="1626876952"/>
+        <p14:creationId xmlns:p14="http://schemas.microsoft.com/office/powerpoint/2010/main" val="3754974616"/>
       </p:ext>
     </p:extLst>
   </p:cSld>
@@ -2979,10 +2835,6 @@
           <a:bodyPr/>
           <a:lstStyle/>
           <a:p>
-            <a:r>
-              <a:rPr lang="en-US" altLang="zh-TW" dirty="0"/>
-              <a:t>10min</a:t>
-            </a:r>
             <a:endParaRPr lang="zh-TW" altLang="en-US" dirty="0"/>
           </a:p>
         </p:txBody>
@@ -3004,7 +2856,91 @@
           <a:p>
             <a:fld id="{3ABC29A3-9B47-4A73-BDC2-B335115DFECA}" type="slidenum">
               <a:rPr lang="zh-TW" altLang="en-US" smtClean="0"/>
-              <a:t>50</a:t>
+              <a:t>55</a:t>
+            </a:fld>
+            <a:endParaRPr lang="zh-TW" altLang="en-US"/>
+          </a:p>
+        </p:txBody>
+      </p:sp>
+    </p:spTree>
+    <p:extLst>
+      <p:ext uri="{BB962C8B-B14F-4D97-AF65-F5344CB8AC3E}">
+        <p14:creationId xmlns:p14="http://schemas.microsoft.com/office/powerpoint/2010/main" val="1626876952"/>
+      </p:ext>
+    </p:extLst>
+  </p:cSld>
+  <p:clrMapOvr>
+    <a:masterClrMapping/>
+  </p:clrMapOvr>
+</p:notes>
+</file>
+
+<file path=ppt/notesSlides/notesSlide34.xml><?xml version="1.0" encoding="utf-8"?>
+<p:notes xmlns:a="http://schemas.openxmlformats.org/drawingml/2006/main" xmlns:r="http://schemas.openxmlformats.org/officeDocument/2006/relationships" xmlns:p="http://schemas.openxmlformats.org/presentationml/2006/main">
+  <p:cSld>
+    <p:spTree>
+      <p:nvGrpSpPr>
+        <p:cNvPr id="1" name=""/>
+        <p:cNvGrpSpPr/>
+        <p:nvPr/>
+      </p:nvGrpSpPr>
+      <p:grpSpPr>
+        <a:xfrm>
+          <a:off x="0" y="0"/>
+          <a:ext cx="0" cy="0"/>
+          <a:chOff x="0" y="0"/>
+          <a:chExt cx="0" cy="0"/>
+        </a:xfrm>
+      </p:grpSpPr>
+      <p:sp>
+        <p:nvSpPr>
+          <p:cNvPr id="2" name="投影片影像版面配置區 1"/>
+          <p:cNvSpPr>
+            <a:spLocks noGrp="1" noRot="1" noChangeAspect="1"/>
+          </p:cNvSpPr>
+          <p:nvPr>
+            <p:ph type="sldImg"/>
+          </p:nvPr>
+        </p:nvSpPr>
+        <p:spPr/>
+      </p:sp>
+      <p:sp>
+        <p:nvSpPr>
+          <p:cNvPr id="3" name="備忘稿版面配置區 2"/>
+          <p:cNvSpPr>
+            <a:spLocks noGrp="1"/>
+          </p:cNvSpPr>
+          <p:nvPr>
+            <p:ph type="body" idx="1"/>
+          </p:nvPr>
+        </p:nvSpPr>
+        <p:spPr/>
+        <p:txBody>
+          <a:bodyPr/>
+          <a:lstStyle/>
+          <a:p>
+            <a:endParaRPr lang="zh-TW" altLang="en-US" dirty="0"/>
+          </a:p>
+        </p:txBody>
+      </p:sp>
+      <p:sp>
+        <p:nvSpPr>
+          <p:cNvPr id="4" name="投影片編號版面配置區 3"/>
+          <p:cNvSpPr>
+            <a:spLocks noGrp="1"/>
+          </p:cNvSpPr>
+          <p:nvPr>
+            <p:ph type="sldNum" sz="quarter" idx="5"/>
+          </p:nvPr>
+        </p:nvSpPr>
+        <p:spPr/>
+        <p:txBody>
+          <a:bodyPr/>
+          <a:lstStyle/>
+          <a:p>
+            <a:fld id="{3ABC29A3-9B47-4A73-BDC2-B335115DFECA}" type="slidenum">
+              <a:rPr lang="zh-TW" altLang="en-US" smtClean="0"/>
+              <a:t>57</a:t>
             </a:fld>
             <a:endParaRPr lang="zh-TW" altLang="en-US"/>
           </a:p>
@@ -3014,6 +2950,90 @@
     <p:extLst>
       <p:ext uri="{BB962C8B-B14F-4D97-AF65-F5344CB8AC3E}">
         <p14:creationId xmlns:p14="http://schemas.microsoft.com/office/powerpoint/2010/main" val="1071174478"/>
+      </p:ext>
+    </p:extLst>
+  </p:cSld>
+  <p:clrMapOvr>
+    <a:masterClrMapping/>
+  </p:clrMapOvr>
+</p:notes>
+</file>
+
+<file path=ppt/notesSlides/notesSlide35.xml><?xml version="1.0" encoding="utf-8"?>
+<p:notes xmlns:a="http://schemas.openxmlformats.org/drawingml/2006/main" xmlns:r="http://schemas.openxmlformats.org/officeDocument/2006/relationships" xmlns:p="http://schemas.openxmlformats.org/presentationml/2006/main">
+  <p:cSld>
+    <p:spTree>
+      <p:nvGrpSpPr>
+        <p:cNvPr id="1" name=""/>
+        <p:cNvGrpSpPr/>
+        <p:nvPr/>
+      </p:nvGrpSpPr>
+      <p:grpSpPr>
+        <a:xfrm>
+          <a:off x="0" y="0"/>
+          <a:ext cx="0" cy="0"/>
+          <a:chOff x="0" y="0"/>
+          <a:chExt cx="0" cy="0"/>
+        </a:xfrm>
+      </p:grpSpPr>
+      <p:sp>
+        <p:nvSpPr>
+          <p:cNvPr id="2" name="投影片影像版面配置區 1"/>
+          <p:cNvSpPr>
+            <a:spLocks noGrp="1" noRot="1" noChangeAspect="1"/>
+          </p:cNvSpPr>
+          <p:nvPr>
+            <p:ph type="sldImg"/>
+          </p:nvPr>
+        </p:nvSpPr>
+        <p:spPr/>
+      </p:sp>
+      <p:sp>
+        <p:nvSpPr>
+          <p:cNvPr id="3" name="備忘稿版面配置區 2"/>
+          <p:cNvSpPr>
+            <a:spLocks noGrp="1"/>
+          </p:cNvSpPr>
+          <p:nvPr>
+            <p:ph type="body" idx="1"/>
+          </p:nvPr>
+        </p:nvSpPr>
+        <p:spPr/>
+        <p:txBody>
+          <a:bodyPr/>
+          <a:lstStyle/>
+          <a:p>
+            <a:endParaRPr lang="zh-TW" altLang="en-US" dirty="0"/>
+          </a:p>
+        </p:txBody>
+      </p:sp>
+      <p:sp>
+        <p:nvSpPr>
+          <p:cNvPr id="4" name="投影片編號版面配置區 3"/>
+          <p:cNvSpPr>
+            <a:spLocks noGrp="1"/>
+          </p:cNvSpPr>
+          <p:nvPr>
+            <p:ph type="sldNum" sz="quarter" idx="5"/>
+          </p:nvPr>
+        </p:nvSpPr>
+        <p:spPr/>
+        <p:txBody>
+          <a:bodyPr/>
+          <a:lstStyle/>
+          <a:p>
+            <a:fld id="{3ABC29A3-9B47-4A73-BDC2-B335115DFECA}" type="slidenum">
+              <a:rPr lang="zh-TW" altLang="en-US" smtClean="0"/>
+              <a:t>58</a:t>
+            </a:fld>
+            <a:endParaRPr lang="zh-TW" altLang="en-US"/>
+          </a:p>
+        </p:txBody>
+      </p:sp>
+    </p:spTree>
+    <p:extLst>
+      <p:ext uri="{BB962C8B-B14F-4D97-AF65-F5344CB8AC3E}">
+        <p14:creationId xmlns:p14="http://schemas.microsoft.com/office/powerpoint/2010/main" val="3822044619"/>
       </p:ext>
     </p:extLst>
   </p:cSld>
@@ -3235,10 +3255,7 @@
           <a:bodyPr/>
           <a:lstStyle/>
           <a:p>
-            <a:r>
-              <a:rPr lang="zh-TW" altLang="en-US" dirty="0"/>
-              <a:t>硬體函式複雜且不易閱讀</a:t>
-            </a:r>
+            <a:endParaRPr lang="zh-TW" altLang="en-US" dirty="0"/>
           </a:p>
         </p:txBody>
       </p:sp>
@@ -3322,28 +3339,6 @@
           <a:bodyPr/>
           <a:lstStyle/>
           <a:p>
-            <a:r>
-              <a:rPr lang="en-US" altLang="zh-TW" dirty="0"/>
-              <a:t>Communication port</a:t>
-            </a:r>
-          </a:p>
-          <a:p>
-            <a:r>
-              <a:rPr lang="zh-TW" altLang="en-US" dirty="0"/>
-              <a:t>選板子上傳口就是在指定</a:t>
-            </a:r>
-            <a:r>
-              <a:rPr lang="en-US" altLang="zh-TW" dirty="0"/>
-              <a:t>COM</a:t>
-            </a:r>
-            <a:r>
-              <a:rPr lang="zh-TW" altLang="en-US" dirty="0"/>
-              <a:t> </a:t>
-            </a:r>
-            <a:r>
-              <a:rPr lang="en-US" altLang="zh-TW" dirty="0"/>
-              <a:t>port</a:t>
-            </a:r>
             <a:endParaRPr lang="zh-TW" altLang="en-US" dirty="0"/>
           </a:p>
         </p:txBody>
@@ -3428,29 +3423,6 @@
           <a:bodyPr/>
           <a:lstStyle/>
           <a:p>
-            <a:r>
-              <a:rPr lang="en-US" altLang="zh-TW" dirty="0"/>
-              <a:t>Serial</a:t>
-            </a:r>
-            <a:r>
-              <a:rPr lang="zh-TW" altLang="en-US" dirty="0"/>
-              <a:t>是預設在</a:t>
-            </a:r>
-            <a:r>
-              <a:rPr lang="en-US" altLang="zh-TW" dirty="0"/>
-              <a:t>Arduino</a:t>
-            </a:r>
-            <a:r>
-              <a:rPr lang="zh-TW" altLang="en-US" dirty="0"/>
-              <a:t>下的函式</a:t>
-            </a:r>
-            <a:endParaRPr lang="en-US" altLang="zh-TW" dirty="0"/>
-          </a:p>
-          <a:p>
-            <a:r>
-              <a:rPr lang="zh-TW" altLang="en-US" dirty="0"/>
-              <a:t>分號是句點的意思</a:t>
-            </a:r>
             <a:endParaRPr lang="en-US" altLang="zh-TW" dirty="0"/>
           </a:p>
         </p:txBody>
@@ -3535,70 +3507,7 @@
           <a:bodyPr/>
           <a:lstStyle/>
           <a:p>
-            <a:r>
-              <a:rPr lang="zh-TW" altLang="en-US" dirty="0"/>
-              <a:t>首先在 </a:t>
-            </a:r>
-            <a:r>
-              <a:rPr lang="en-US" altLang="zh-TW" dirty="0"/>
-              <a:t>setup() </a:t>
-            </a:r>
-            <a:r>
-              <a:rPr lang="zh-TW" altLang="en-US" dirty="0"/>
-              <a:t>當中，我們要使用指令 </a:t>
-            </a:r>
-            <a:r>
-              <a:rPr lang="en-US" altLang="zh-TW" dirty="0" err="1"/>
-              <a:t>Serial.begin</a:t>
-            </a:r>
-            <a:r>
-              <a:rPr lang="en-US" altLang="zh-TW" dirty="0"/>
-              <a:t>(9600); </a:t>
-            </a:r>
-            <a:r>
-              <a:rPr lang="zh-TW" altLang="en-US" dirty="0"/>
-              <a:t>來開啟 </a:t>
-            </a:r>
-            <a:r>
-              <a:rPr lang="en-US" altLang="zh-TW" dirty="0"/>
-              <a:t>Arduino </a:t>
-            </a:r>
-            <a:r>
-              <a:rPr lang="zh-TW" altLang="en-US" dirty="0"/>
-              <a:t>與電腦之間的溝通模式，「</a:t>
-            </a:r>
-            <a:r>
-              <a:rPr lang="en-US" altLang="zh-TW" dirty="0"/>
-              <a:t>Baud rate </a:t>
-            </a:r>
-            <a:r>
-              <a:rPr lang="zh-TW" altLang="en-US" dirty="0"/>
-              <a:t>鮑率」，是一種資料傳輸的速率單位。簡單來說，設定 </a:t>
-            </a:r>
-            <a:r>
-              <a:rPr lang="en-US" altLang="zh-TW" dirty="0"/>
-              <a:t>9600</a:t>
-            </a:r>
-            <a:r>
-              <a:rPr lang="zh-TW" altLang="en-US" dirty="0"/>
-              <a:t>，就代表 </a:t>
-            </a:r>
-            <a:r>
-              <a:rPr lang="en-US" altLang="zh-TW" dirty="0"/>
-              <a:t>Arduino </a:t>
-            </a:r>
-            <a:r>
-              <a:rPr lang="zh-TW" altLang="en-US" dirty="0"/>
-              <a:t>與電腦之間，每一秒鐘能傳輸 </a:t>
-            </a:r>
-            <a:r>
-              <a:rPr lang="en-US" altLang="zh-TW" dirty="0"/>
-              <a:t>9600</a:t>
-            </a:r>
-            <a:r>
-              <a:rPr lang="zh-TW" altLang="en-US" dirty="0"/>
-              <a:t>個位元的資料。</a:t>
-            </a:r>
+            <a:endParaRPr lang="zh-TW" altLang="en-US" dirty="0"/>
           </a:p>
         </p:txBody>
       </p:sp>
@@ -38367,14 +38276,8 @@
                 <a:latin typeface="微軟正黑體" panose="020B0604030504040204" pitchFamily="34" charset="-120"/>
                 <a:ea typeface="微軟正黑體" panose="020B0604030504040204" pitchFamily="34" charset="-120"/>
               </a:rPr>
-              <a:t>組成，目標是讓我們能用易懂的函式來進行編寫。</a:t>
+              <a:t>組成，目標是讓我們能用易懂的函式來進行編寫</a:t>
             </a:r>
-            <a:endParaRPr lang="en-US" altLang="zh-TW" sz="3200" dirty="0">
-              <a:latin typeface="微軟正黑體" panose="020B0604030504040204" pitchFamily="34" charset="-120"/>
-              <a:ea typeface="微軟正黑體" panose="020B0604030504040204" pitchFamily="34" charset="-120"/>
-            </a:endParaRPr>
-          </a:p>
-          <a:p>
             <a:endParaRPr lang="en-US" altLang="zh-TW" sz="3200" dirty="0">
               <a:latin typeface="微軟正黑體" panose="020B0604030504040204" pitchFamily="34" charset="-120"/>
               <a:ea typeface="微軟正黑體" panose="020B0604030504040204" pitchFamily="34" charset="-120"/>
@@ -39122,6 +39025,963 @@
       </p:grpSpPr>
       <p:sp>
         <p:nvSpPr>
+          <p:cNvPr id="4" name="標題 3">
+            <a:extLst>
+              <a:ext uri="{FF2B5EF4-FFF2-40B4-BE49-F238E27FC236}">
+                <a16:creationId xmlns:a16="http://schemas.microsoft.com/office/drawing/2014/main" id="{3C618BD0-7357-4F85-A56C-747DCD526A29}"/>
+              </a:ext>
+            </a:extLst>
+          </p:cNvPr>
+          <p:cNvSpPr>
+            <a:spLocks noGrp="1"/>
+          </p:cNvSpPr>
+          <p:nvPr>
+            <p:ph type="title"/>
+          </p:nvPr>
+        </p:nvSpPr>
+        <p:spPr>
+          <a:xfrm>
+            <a:off x="444500" y="542925"/>
+            <a:ext cx="11214100" cy="923330"/>
+          </a:xfrm>
+        </p:spPr>
+        <p:txBody>
+          <a:bodyPr/>
+          <a:lstStyle/>
+          <a:p>
+            <a:r>
+              <a:rPr lang="en-US" altLang="zh-TW" sz="6000" dirty="0"/>
+              <a:t>Ans1</a:t>
+            </a:r>
+            <a:endParaRPr lang="zh-TW" altLang="en-US" sz="6000" dirty="0"/>
+          </a:p>
+        </p:txBody>
+      </p:sp>
+      <p:sp>
+        <p:nvSpPr>
+          <p:cNvPr id="5" name="內容版面配置區 4">
+            <a:extLst>
+              <a:ext uri="{FF2B5EF4-FFF2-40B4-BE49-F238E27FC236}">
+                <a16:creationId xmlns:a16="http://schemas.microsoft.com/office/drawing/2014/main" id="{A431B4DC-7FF3-4C42-928F-8F2FAA26F988}"/>
+              </a:ext>
+            </a:extLst>
+          </p:cNvPr>
+          <p:cNvSpPr>
+            <a:spLocks noGrp="1"/>
+          </p:cNvSpPr>
+          <p:nvPr>
+            <p:ph idx="1"/>
+          </p:nvPr>
+        </p:nvSpPr>
+        <p:spPr/>
+        <p:txBody>
+          <a:bodyPr>
+            <a:normAutofit/>
+          </a:bodyPr>
+          <a:lstStyle/>
+          <a:p>
+            <a:pPr marL="514350" indent="-514350">
+              <a:buFont typeface="+mj-lt"/>
+              <a:buAutoNum type="arabicPeriod"/>
+            </a:pPr>
+            <a:endParaRPr lang="en-US" altLang="zh-TW" sz="3200" dirty="0">
+              <a:latin typeface="+mj-lt"/>
+              <a:ea typeface="標楷體" panose="03000509000000000000" pitchFamily="65" charset="-120"/>
+            </a:endParaRPr>
+          </a:p>
+        </p:txBody>
+      </p:sp>
+      <p:grpSp>
+        <p:nvGrpSpPr>
+          <p:cNvPr id="6" name="群組 5">
+            <a:extLst>
+              <a:ext uri="{FF2B5EF4-FFF2-40B4-BE49-F238E27FC236}">
+                <a16:creationId xmlns:a16="http://schemas.microsoft.com/office/drawing/2014/main" id="{1DB03A09-EFA9-446E-B14E-714605BE7F02}"/>
+              </a:ext>
+            </a:extLst>
+          </p:cNvPr>
+          <p:cNvGrpSpPr/>
+          <p:nvPr/>
+        </p:nvGrpSpPr>
+        <p:grpSpPr>
+          <a:xfrm>
+            <a:off x="0" y="6176963"/>
+            <a:ext cx="12192000" cy="703140"/>
+            <a:chOff x="0" y="6192732"/>
+            <a:chExt cx="12192000" cy="703140"/>
+          </a:xfrm>
+        </p:grpSpPr>
+        <p:sp>
+          <p:nvSpPr>
+            <p:cNvPr id="7" name="矩形 6">
+              <a:extLst>
+                <a:ext uri="{FF2B5EF4-FFF2-40B4-BE49-F238E27FC236}">
+                  <a16:creationId xmlns:a16="http://schemas.microsoft.com/office/drawing/2014/main" id="{30DA9C63-756D-4B37-9F80-D982634B6A42}"/>
+                </a:ext>
+              </a:extLst>
+            </p:cNvPr>
+            <p:cNvSpPr/>
+            <p:nvPr/>
+          </p:nvSpPr>
+          <p:spPr>
+            <a:xfrm>
+              <a:off x="0" y="6212114"/>
+              <a:ext cx="12192000" cy="683758"/>
+            </a:xfrm>
+            <a:prstGeom prst="rect">
+              <a:avLst/>
+            </a:prstGeom>
+            <a:solidFill>
+              <a:srgbClr val="0065A4"/>
+            </a:solidFill>
+            <a:ln>
+              <a:noFill/>
+            </a:ln>
+          </p:spPr>
+          <p:style>
+            <a:lnRef idx="2">
+              <a:schemeClr val="accent5">
+                <a:shade val="50000"/>
+              </a:schemeClr>
+            </a:lnRef>
+            <a:fillRef idx="1">
+              <a:schemeClr val="accent5"/>
+            </a:fillRef>
+            <a:effectRef idx="0">
+              <a:schemeClr val="accent5"/>
+            </a:effectRef>
+            <a:fontRef idx="minor">
+              <a:schemeClr val="lt1"/>
+            </a:fontRef>
+          </p:style>
+          <p:txBody>
+            <a:bodyPr rtlCol="0" anchor="ctr"/>
+            <a:lstStyle/>
+            <a:p>
+              <a:pPr algn="ctr"/>
+              <a:endParaRPr lang="zh-TW" altLang="en-US" dirty="0">
+                <a:highlight>
+                  <a:srgbClr val="00FFFF"/>
+                </a:highlight>
+              </a:endParaRPr>
+            </a:p>
+          </p:txBody>
+        </p:sp>
+        <p:sp>
+          <p:nvSpPr>
+            <p:cNvPr id="8" name="文字方塊 7">
+              <a:extLst>
+                <a:ext uri="{FF2B5EF4-FFF2-40B4-BE49-F238E27FC236}">
+                  <a16:creationId xmlns:a16="http://schemas.microsoft.com/office/drawing/2014/main" id="{A617ED4E-876A-4C6A-B2FD-ABFA65439411}"/>
+                </a:ext>
+              </a:extLst>
+            </p:cNvPr>
+            <p:cNvSpPr txBox="1"/>
+            <p:nvPr/>
+          </p:nvSpPr>
+          <p:spPr>
+            <a:xfrm flipH="1">
+              <a:off x="3186974" y="6211669"/>
+              <a:ext cx="5818052" cy="646331"/>
+            </a:xfrm>
+            <a:prstGeom prst="rect">
+              <a:avLst/>
+            </a:prstGeom>
+            <a:noFill/>
+          </p:spPr>
+          <p:txBody>
+            <a:bodyPr wrap="square" rtlCol="0">
+              <a:spAutoFit/>
+            </a:bodyPr>
+            <a:lstStyle/>
+            <a:p>
+              <a:pPr algn="dist"/>
+              <a:r>
+                <a:rPr lang="zh-TW" altLang="en-US" sz="3600" dirty="0">
+                  <a:solidFill>
+                    <a:schemeClr val="bg1"/>
+                  </a:solidFill>
+                  <a:latin typeface="標楷體" panose="03000509000000000000" pitchFamily="65" charset="-120"/>
+                  <a:ea typeface="標楷體" panose="03000509000000000000" pitchFamily="65" charset="-120"/>
+                </a:rPr>
+                <a:t>電機事務所</a:t>
+              </a:r>
+            </a:p>
+          </p:txBody>
+        </p:sp>
+        <p:pic>
+          <p:nvPicPr>
+            <p:cNvPr id="9" name="圖片 8">
+              <a:extLst>
+                <a:ext uri="{FF2B5EF4-FFF2-40B4-BE49-F238E27FC236}">
+                  <a16:creationId xmlns:a16="http://schemas.microsoft.com/office/drawing/2014/main" id="{20FE69CC-E546-459D-9C4E-D47BE26B4B2E}"/>
+                </a:ext>
+              </a:extLst>
+            </p:cNvPr>
+            <p:cNvPicPr>
+              <a:picLocks noChangeAspect="1"/>
+            </p:cNvPicPr>
+            <p:nvPr/>
+          </p:nvPicPr>
+          <p:blipFill>
+            <a:blip r:embed="rId2">
+              <a:extLst>
+                <a:ext uri="{28A0092B-C50C-407E-A947-70E740481C1C}">
+                  <a14:useLocalDpi xmlns:a14="http://schemas.microsoft.com/office/drawing/2010/main" val="0"/>
+                </a:ext>
+              </a:extLst>
+            </a:blip>
+            <a:stretch>
+              <a:fillRect/>
+            </a:stretch>
+          </p:blipFill>
+          <p:spPr>
+            <a:xfrm>
+              <a:off x="10330269" y="6244819"/>
+              <a:ext cx="580027" cy="580027"/>
+            </a:xfrm>
+            <a:prstGeom prst="rect">
+              <a:avLst/>
+            </a:prstGeom>
+          </p:spPr>
+        </p:pic>
+        <p:pic>
+          <p:nvPicPr>
+            <p:cNvPr id="10" name="圖片 9">
+              <a:extLst>
+                <a:ext uri="{FF2B5EF4-FFF2-40B4-BE49-F238E27FC236}">
+                  <a16:creationId xmlns:a16="http://schemas.microsoft.com/office/drawing/2014/main" id="{05D3740C-3C2F-49BC-B8F4-176998CD17A5}"/>
+                </a:ext>
+              </a:extLst>
+            </p:cNvPr>
+            <p:cNvPicPr>
+              <a:picLocks noChangeAspect="1"/>
+            </p:cNvPicPr>
+            <p:nvPr/>
+          </p:nvPicPr>
+          <p:blipFill>
+            <a:blip r:embed="rId3">
+              <a:extLst>
+                <a:ext uri="{28A0092B-C50C-407E-A947-70E740481C1C}">
+                  <a14:useLocalDpi xmlns:a14="http://schemas.microsoft.com/office/drawing/2010/main" val="0"/>
+                </a:ext>
+              </a:extLst>
+            </a:blip>
+            <a:stretch>
+              <a:fillRect/>
+            </a:stretch>
+          </p:blipFill>
+          <p:spPr>
+            <a:xfrm>
+              <a:off x="1343227" y="6192732"/>
+              <a:ext cx="684203" cy="684203"/>
+            </a:xfrm>
+            <a:prstGeom prst="rect">
+              <a:avLst/>
+            </a:prstGeom>
+          </p:spPr>
+        </p:pic>
+      </p:grpSp>
+      <p:pic>
+        <p:nvPicPr>
+          <p:cNvPr id="3" name="圖片 2">
+            <a:extLst>
+              <a:ext uri="{FF2B5EF4-FFF2-40B4-BE49-F238E27FC236}">
+                <a16:creationId xmlns:a16="http://schemas.microsoft.com/office/drawing/2014/main" id="{70AEBCA0-4617-4D8B-ACC0-C1D78BC32833}"/>
+              </a:ext>
+            </a:extLst>
+          </p:cNvPr>
+          <p:cNvPicPr>
+            <a:picLocks noChangeAspect="1"/>
+          </p:cNvPicPr>
+          <p:nvPr/>
+        </p:nvPicPr>
+        <p:blipFill>
+          <a:blip r:embed="rId4"/>
+          <a:stretch>
+            <a:fillRect/>
+          </a:stretch>
+        </p:blipFill>
+        <p:spPr>
+          <a:xfrm>
+            <a:off x="2471347" y="1372533"/>
+            <a:ext cx="7249306" cy="5360760"/>
+          </a:xfrm>
+          <a:prstGeom prst="rect">
+            <a:avLst/>
+          </a:prstGeom>
+        </p:spPr>
+      </p:pic>
+    </p:spTree>
+    <p:extLst>
+      <p:ext uri="{BB962C8B-B14F-4D97-AF65-F5344CB8AC3E}">
+        <p14:creationId xmlns:p14="http://schemas.microsoft.com/office/powerpoint/2010/main" val="1338927069"/>
+      </p:ext>
+    </p:extLst>
+  </p:cSld>
+  <p:clrMapOvr>
+    <a:masterClrMapping/>
+  </p:clrMapOvr>
+</p:sld>
+</file>
+
+<file path=ppt/slides/slide32.xml><?xml version="1.0" encoding="utf-8"?>
+<p:sld xmlns:a="http://schemas.openxmlformats.org/drawingml/2006/main" xmlns:r="http://schemas.openxmlformats.org/officeDocument/2006/relationships" xmlns:p="http://schemas.openxmlformats.org/presentationml/2006/main">
+  <p:cSld>
+    <p:spTree>
+      <p:nvGrpSpPr>
+        <p:cNvPr id="1" name=""/>
+        <p:cNvGrpSpPr/>
+        <p:nvPr/>
+      </p:nvGrpSpPr>
+      <p:grpSpPr>
+        <a:xfrm>
+          <a:off x="0" y="0"/>
+          <a:ext cx="0" cy="0"/>
+          <a:chOff x="0" y="0"/>
+          <a:chExt cx="0" cy="0"/>
+        </a:xfrm>
+      </p:grpSpPr>
+      <p:sp>
+        <p:nvSpPr>
+          <p:cNvPr id="4" name="標題 3">
+            <a:extLst>
+              <a:ext uri="{FF2B5EF4-FFF2-40B4-BE49-F238E27FC236}">
+                <a16:creationId xmlns:a16="http://schemas.microsoft.com/office/drawing/2014/main" id="{3C618BD0-7357-4F85-A56C-747DCD526A29}"/>
+              </a:ext>
+            </a:extLst>
+          </p:cNvPr>
+          <p:cNvSpPr>
+            <a:spLocks noGrp="1"/>
+          </p:cNvSpPr>
+          <p:nvPr>
+            <p:ph type="title"/>
+          </p:nvPr>
+        </p:nvSpPr>
+        <p:spPr>
+          <a:xfrm>
+            <a:off x="444500" y="542925"/>
+            <a:ext cx="11214100" cy="923330"/>
+          </a:xfrm>
+        </p:spPr>
+        <p:txBody>
+          <a:bodyPr/>
+          <a:lstStyle/>
+          <a:p>
+            <a:r>
+              <a:rPr lang="en-US" altLang="zh-TW" sz="6000" dirty="0"/>
+              <a:t>Ans2</a:t>
+            </a:r>
+            <a:endParaRPr lang="zh-TW" altLang="en-US" sz="6000" dirty="0"/>
+          </a:p>
+        </p:txBody>
+      </p:sp>
+      <p:sp>
+        <p:nvSpPr>
+          <p:cNvPr id="5" name="內容版面配置區 4">
+            <a:extLst>
+              <a:ext uri="{FF2B5EF4-FFF2-40B4-BE49-F238E27FC236}">
+                <a16:creationId xmlns:a16="http://schemas.microsoft.com/office/drawing/2014/main" id="{A431B4DC-7FF3-4C42-928F-8F2FAA26F988}"/>
+              </a:ext>
+            </a:extLst>
+          </p:cNvPr>
+          <p:cNvSpPr>
+            <a:spLocks noGrp="1"/>
+          </p:cNvSpPr>
+          <p:nvPr>
+            <p:ph idx="1"/>
+          </p:nvPr>
+        </p:nvSpPr>
+        <p:spPr/>
+        <p:txBody>
+          <a:bodyPr>
+            <a:normAutofit/>
+          </a:bodyPr>
+          <a:lstStyle/>
+          <a:p>
+            <a:pPr marL="514350" indent="-514350">
+              <a:buFont typeface="+mj-lt"/>
+              <a:buAutoNum type="arabicPeriod"/>
+            </a:pPr>
+            <a:endParaRPr lang="en-US" altLang="zh-TW" sz="3200" dirty="0">
+              <a:latin typeface="+mj-lt"/>
+              <a:ea typeface="標楷體" panose="03000509000000000000" pitchFamily="65" charset="-120"/>
+            </a:endParaRPr>
+          </a:p>
+        </p:txBody>
+      </p:sp>
+      <p:grpSp>
+        <p:nvGrpSpPr>
+          <p:cNvPr id="6" name="群組 5">
+            <a:extLst>
+              <a:ext uri="{FF2B5EF4-FFF2-40B4-BE49-F238E27FC236}">
+                <a16:creationId xmlns:a16="http://schemas.microsoft.com/office/drawing/2014/main" id="{1DB03A09-EFA9-446E-B14E-714605BE7F02}"/>
+              </a:ext>
+            </a:extLst>
+          </p:cNvPr>
+          <p:cNvGrpSpPr/>
+          <p:nvPr/>
+        </p:nvGrpSpPr>
+        <p:grpSpPr>
+          <a:xfrm>
+            <a:off x="0" y="6176963"/>
+            <a:ext cx="12192000" cy="703140"/>
+            <a:chOff x="0" y="6192732"/>
+            <a:chExt cx="12192000" cy="703140"/>
+          </a:xfrm>
+        </p:grpSpPr>
+        <p:sp>
+          <p:nvSpPr>
+            <p:cNvPr id="7" name="矩形 6">
+              <a:extLst>
+                <a:ext uri="{FF2B5EF4-FFF2-40B4-BE49-F238E27FC236}">
+                  <a16:creationId xmlns:a16="http://schemas.microsoft.com/office/drawing/2014/main" id="{30DA9C63-756D-4B37-9F80-D982634B6A42}"/>
+                </a:ext>
+              </a:extLst>
+            </p:cNvPr>
+            <p:cNvSpPr/>
+            <p:nvPr/>
+          </p:nvSpPr>
+          <p:spPr>
+            <a:xfrm>
+              <a:off x="0" y="6212114"/>
+              <a:ext cx="12192000" cy="683758"/>
+            </a:xfrm>
+            <a:prstGeom prst="rect">
+              <a:avLst/>
+            </a:prstGeom>
+            <a:solidFill>
+              <a:srgbClr val="0065A4"/>
+            </a:solidFill>
+            <a:ln>
+              <a:noFill/>
+            </a:ln>
+          </p:spPr>
+          <p:style>
+            <a:lnRef idx="2">
+              <a:schemeClr val="accent5">
+                <a:shade val="50000"/>
+              </a:schemeClr>
+            </a:lnRef>
+            <a:fillRef idx="1">
+              <a:schemeClr val="accent5"/>
+            </a:fillRef>
+            <a:effectRef idx="0">
+              <a:schemeClr val="accent5"/>
+            </a:effectRef>
+            <a:fontRef idx="minor">
+              <a:schemeClr val="lt1"/>
+            </a:fontRef>
+          </p:style>
+          <p:txBody>
+            <a:bodyPr rtlCol="0" anchor="ctr"/>
+            <a:lstStyle/>
+            <a:p>
+              <a:pPr algn="ctr"/>
+              <a:endParaRPr lang="zh-TW" altLang="en-US" dirty="0">
+                <a:highlight>
+                  <a:srgbClr val="00FFFF"/>
+                </a:highlight>
+              </a:endParaRPr>
+            </a:p>
+          </p:txBody>
+        </p:sp>
+        <p:sp>
+          <p:nvSpPr>
+            <p:cNvPr id="8" name="文字方塊 7">
+              <a:extLst>
+                <a:ext uri="{FF2B5EF4-FFF2-40B4-BE49-F238E27FC236}">
+                  <a16:creationId xmlns:a16="http://schemas.microsoft.com/office/drawing/2014/main" id="{A617ED4E-876A-4C6A-B2FD-ABFA65439411}"/>
+                </a:ext>
+              </a:extLst>
+            </p:cNvPr>
+            <p:cNvSpPr txBox="1"/>
+            <p:nvPr/>
+          </p:nvSpPr>
+          <p:spPr>
+            <a:xfrm flipH="1">
+              <a:off x="3186974" y="6211669"/>
+              <a:ext cx="5818052" cy="646331"/>
+            </a:xfrm>
+            <a:prstGeom prst="rect">
+              <a:avLst/>
+            </a:prstGeom>
+            <a:noFill/>
+          </p:spPr>
+          <p:txBody>
+            <a:bodyPr wrap="square" rtlCol="0">
+              <a:spAutoFit/>
+            </a:bodyPr>
+            <a:lstStyle/>
+            <a:p>
+              <a:pPr algn="dist"/>
+              <a:r>
+                <a:rPr lang="zh-TW" altLang="en-US" sz="3600" dirty="0">
+                  <a:solidFill>
+                    <a:schemeClr val="bg1"/>
+                  </a:solidFill>
+                  <a:latin typeface="標楷體" panose="03000509000000000000" pitchFamily="65" charset="-120"/>
+                  <a:ea typeface="標楷體" panose="03000509000000000000" pitchFamily="65" charset="-120"/>
+                </a:rPr>
+                <a:t>電機事務所</a:t>
+              </a:r>
+            </a:p>
+          </p:txBody>
+        </p:sp>
+        <p:pic>
+          <p:nvPicPr>
+            <p:cNvPr id="9" name="圖片 8">
+              <a:extLst>
+                <a:ext uri="{FF2B5EF4-FFF2-40B4-BE49-F238E27FC236}">
+                  <a16:creationId xmlns:a16="http://schemas.microsoft.com/office/drawing/2014/main" id="{20FE69CC-E546-459D-9C4E-D47BE26B4B2E}"/>
+                </a:ext>
+              </a:extLst>
+            </p:cNvPr>
+            <p:cNvPicPr>
+              <a:picLocks noChangeAspect="1"/>
+            </p:cNvPicPr>
+            <p:nvPr/>
+          </p:nvPicPr>
+          <p:blipFill>
+            <a:blip r:embed="rId2">
+              <a:extLst>
+                <a:ext uri="{28A0092B-C50C-407E-A947-70E740481C1C}">
+                  <a14:useLocalDpi xmlns:a14="http://schemas.microsoft.com/office/drawing/2010/main" val="0"/>
+                </a:ext>
+              </a:extLst>
+            </a:blip>
+            <a:stretch>
+              <a:fillRect/>
+            </a:stretch>
+          </p:blipFill>
+          <p:spPr>
+            <a:xfrm>
+              <a:off x="10330269" y="6244819"/>
+              <a:ext cx="580027" cy="580027"/>
+            </a:xfrm>
+            <a:prstGeom prst="rect">
+              <a:avLst/>
+            </a:prstGeom>
+          </p:spPr>
+        </p:pic>
+        <p:pic>
+          <p:nvPicPr>
+            <p:cNvPr id="10" name="圖片 9">
+              <a:extLst>
+                <a:ext uri="{FF2B5EF4-FFF2-40B4-BE49-F238E27FC236}">
+                  <a16:creationId xmlns:a16="http://schemas.microsoft.com/office/drawing/2014/main" id="{05D3740C-3C2F-49BC-B8F4-176998CD17A5}"/>
+                </a:ext>
+              </a:extLst>
+            </p:cNvPr>
+            <p:cNvPicPr>
+              <a:picLocks noChangeAspect="1"/>
+            </p:cNvPicPr>
+            <p:nvPr/>
+          </p:nvPicPr>
+          <p:blipFill>
+            <a:blip r:embed="rId3">
+              <a:extLst>
+                <a:ext uri="{28A0092B-C50C-407E-A947-70E740481C1C}">
+                  <a14:useLocalDpi xmlns:a14="http://schemas.microsoft.com/office/drawing/2010/main" val="0"/>
+                </a:ext>
+              </a:extLst>
+            </a:blip>
+            <a:stretch>
+              <a:fillRect/>
+            </a:stretch>
+          </p:blipFill>
+          <p:spPr>
+            <a:xfrm>
+              <a:off x="1343227" y="6192732"/>
+              <a:ext cx="684203" cy="684203"/>
+            </a:xfrm>
+            <a:prstGeom prst="rect">
+              <a:avLst/>
+            </a:prstGeom>
+          </p:spPr>
+        </p:pic>
+      </p:grpSp>
+      <p:pic>
+        <p:nvPicPr>
+          <p:cNvPr id="11" name="圖片 10">
+            <a:extLst>
+              <a:ext uri="{FF2B5EF4-FFF2-40B4-BE49-F238E27FC236}">
+                <a16:creationId xmlns:a16="http://schemas.microsoft.com/office/drawing/2014/main" id="{986C1414-7C8A-4812-98B5-49B0DDCA9195}"/>
+              </a:ext>
+            </a:extLst>
+          </p:cNvPr>
+          <p:cNvPicPr>
+            <a:picLocks noChangeAspect="1"/>
+          </p:cNvPicPr>
+          <p:nvPr/>
+        </p:nvPicPr>
+        <p:blipFill>
+          <a:blip r:embed="rId4"/>
+          <a:stretch>
+            <a:fillRect/>
+          </a:stretch>
+        </p:blipFill>
+        <p:spPr>
+          <a:xfrm>
+            <a:off x="2128331" y="1441742"/>
+            <a:ext cx="7935338" cy="4716286"/>
+          </a:xfrm>
+          <a:prstGeom prst="rect">
+            <a:avLst/>
+          </a:prstGeom>
+        </p:spPr>
+      </p:pic>
+    </p:spTree>
+    <p:extLst>
+      <p:ext uri="{BB962C8B-B14F-4D97-AF65-F5344CB8AC3E}">
+        <p14:creationId xmlns:p14="http://schemas.microsoft.com/office/powerpoint/2010/main" val="1542390502"/>
+      </p:ext>
+    </p:extLst>
+  </p:cSld>
+  <p:clrMapOvr>
+    <a:masterClrMapping/>
+  </p:clrMapOvr>
+</p:sld>
+</file>
+
+<file path=ppt/slides/slide33.xml><?xml version="1.0" encoding="utf-8"?>
+<p:sld xmlns:a="http://schemas.openxmlformats.org/drawingml/2006/main" xmlns:r="http://schemas.openxmlformats.org/officeDocument/2006/relationships" xmlns:p="http://schemas.openxmlformats.org/presentationml/2006/main">
+  <p:cSld>
+    <p:spTree>
+      <p:nvGrpSpPr>
+        <p:cNvPr id="1" name=""/>
+        <p:cNvGrpSpPr/>
+        <p:nvPr/>
+      </p:nvGrpSpPr>
+      <p:grpSpPr>
+        <a:xfrm>
+          <a:off x="0" y="0"/>
+          <a:ext cx="0" cy="0"/>
+          <a:chOff x="0" y="0"/>
+          <a:chExt cx="0" cy="0"/>
+        </a:xfrm>
+      </p:grpSpPr>
+      <p:sp>
+        <p:nvSpPr>
+          <p:cNvPr id="4" name="標題 3">
+            <a:extLst>
+              <a:ext uri="{FF2B5EF4-FFF2-40B4-BE49-F238E27FC236}">
+                <a16:creationId xmlns:a16="http://schemas.microsoft.com/office/drawing/2014/main" id="{3C618BD0-7357-4F85-A56C-747DCD526A29}"/>
+              </a:ext>
+            </a:extLst>
+          </p:cNvPr>
+          <p:cNvSpPr>
+            <a:spLocks noGrp="1"/>
+          </p:cNvSpPr>
+          <p:nvPr>
+            <p:ph type="title"/>
+          </p:nvPr>
+        </p:nvSpPr>
+        <p:spPr>
+          <a:xfrm>
+            <a:off x="444500" y="542925"/>
+            <a:ext cx="11214100" cy="923330"/>
+          </a:xfrm>
+        </p:spPr>
+        <p:txBody>
+          <a:bodyPr/>
+          <a:lstStyle/>
+          <a:p>
+            <a:r>
+              <a:rPr lang="en-US" altLang="zh-TW" sz="6000" dirty="0"/>
+              <a:t>Ans3</a:t>
+            </a:r>
+            <a:endParaRPr lang="zh-TW" altLang="en-US" sz="6000" dirty="0"/>
+          </a:p>
+        </p:txBody>
+      </p:sp>
+      <p:sp>
+        <p:nvSpPr>
+          <p:cNvPr id="5" name="內容版面配置區 4">
+            <a:extLst>
+              <a:ext uri="{FF2B5EF4-FFF2-40B4-BE49-F238E27FC236}">
+                <a16:creationId xmlns:a16="http://schemas.microsoft.com/office/drawing/2014/main" id="{A431B4DC-7FF3-4C42-928F-8F2FAA26F988}"/>
+              </a:ext>
+            </a:extLst>
+          </p:cNvPr>
+          <p:cNvSpPr>
+            <a:spLocks noGrp="1"/>
+          </p:cNvSpPr>
+          <p:nvPr>
+            <p:ph idx="1"/>
+          </p:nvPr>
+        </p:nvSpPr>
+        <p:spPr/>
+        <p:txBody>
+          <a:bodyPr>
+            <a:normAutofit/>
+          </a:bodyPr>
+          <a:lstStyle/>
+          <a:p>
+            <a:pPr marL="514350" indent="-514350">
+              <a:buFont typeface="+mj-lt"/>
+              <a:buAutoNum type="arabicPeriod"/>
+            </a:pPr>
+            <a:endParaRPr lang="en-US" altLang="zh-TW" sz="3200" dirty="0">
+              <a:latin typeface="+mj-lt"/>
+              <a:ea typeface="標楷體" panose="03000509000000000000" pitchFamily="65" charset="-120"/>
+            </a:endParaRPr>
+          </a:p>
+        </p:txBody>
+      </p:sp>
+      <p:grpSp>
+        <p:nvGrpSpPr>
+          <p:cNvPr id="6" name="群組 5">
+            <a:extLst>
+              <a:ext uri="{FF2B5EF4-FFF2-40B4-BE49-F238E27FC236}">
+                <a16:creationId xmlns:a16="http://schemas.microsoft.com/office/drawing/2014/main" id="{1DB03A09-EFA9-446E-B14E-714605BE7F02}"/>
+              </a:ext>
+            </a:extLst>
+          </p:cNvPr>
+          <p:cNvGrpSpPr/>
+          <p:nvPr/>
+        </p:nvGrpSpPr>
+        <p:grpSpPr>
+          <a:xfrm>
+            <a:off x="0" y="6176963"/>
+            <a:ext cx="12192000" cy="703140"/>
+            <a:chOff x="0" y="6192732"/>
+            <a:chExt cx="12192000" cy="703140"/>
+          </a:xfrm>
+        </p:grpSpPr>
+        <p:sp>
+          <p:nvSpPr>
+            <p:cNvPr id="7" name="矩形 6">
+              <a:extLst>
+                <a:ext uri="{FF2B5EF4-FFF2-40B4-BE49-F238E27FC236}">
+                  <a16:creationId xmlns:a16="http://schemas.microsoft.com/office/drawing/2014/main" id="{30DA9C63-756D-4B37-9F80-D982634B6A42}"/>
+                </a:ext>
+              </a:extLst>
+            </p:cNvPr>
+            <p:cNvSpPr/>
+            <p:nvPr/>
+          </p:nvSpPr>
+          <p:spPr>
+            <a:xfrm>
+              <a:off x="0" y="6212114"/>
+              <a:ext cx="12192000" cy="683758"/>
+            </a:xfrm>
+            <a:prstGeom prst="rect">
+              <a:avLst/>
+            </a:prstGeom>
+            <a:solidFill>
+              <a:srgbClr val="0065A4"/>
+            </a:solidFill>
+            <a:ln>
+              <a:noFill/>
+            </a:ln>
+          </p:spPr>
+          <p:style>
+            <a:lnRef idx="2">
+              <a:schemeClr val="accent5">
+                <a:shade val="50000"/>
+              </a:schemeClr>
+            </a:lnRef>
+            <a:fillRef idx="1">
+              <a:schemeClr val="accent5"/>
+            </a:fillRef>
+            <a:effectRef idx="0">
+              <a:schemeClr val="accent5"/>
+            </a:effectRef>
+            <a:fontRef idx="minor">
+              <a:schemeClr val="lt1"/>
+            </a:fontRef>
+          </p:style>
+          <p:txBody>
+            <a:bodyPr rtlCol="0" anchor="ctr"/>
+            <a:lstStyle/>
+            <a:p>
+              <a:pPr algn="ctr"/>
+              <a:endParaRPr lang="zh-TW" altLang="en-US" dirty="0">
+                <a:highlight>
+                  <a:srgbClr val="00FFFF"/>
+                </a:highlight>
+              </a:endParaRPr>
+            </a:p>
+          </p:txBody>
+        </p:sp>
+        <p:sp>
+          <p:nvSpPr>
+            <p:cNvPr id="8" name="文字方塊 7">
+              <a:extLst>
+                <a:ext uri="{FF2B5EF4-FFF2-40B4-BE49-F238E27FC236}">
+                  <a16:creationId xmlns:a16="http://schemas.microsoft.com/office/drawing/2014/main" id="{A617ED4E-876A-4C6A-B2FD-ABFA65439411}"/>
+                </a:ext>
+              </a:extLst>
+            </p:cNvPr>
+            <p:cNvSpPr txBox="1"/>
+            <p:nvPr/>
+          </p:nvSpPr>
+          <p:spPr>
+            <a:xfrm flipH="1">
+              <a:off x="3186974" y="6211669"/>
+              <a:ext cx="5818052" cy="646331"/>
+            </a:xfrm>
+            <a:prstGeom prst="rect">
+              <a:avLst/>
+            </a:prstGeom>
+            <a:noFill/>
+          </p:spPr>
+          <p:txBody>
+            <a:bodyPr wrap="square" rtlCol="0">
+              <a:spAutoFit/>
+            </a:bodyPr>
+            <a:lstStyle/>
+            <a:p>
+              <a:pPr algn="dist"/>
+              <a:r>
+                <a:rPr lang="zh-TW" altLang="en-US" sz="3600" dirty="0">
+                  <a:solidFill>
+                    <a:schemeClr val="bg1"/>
+                  </a:solidFill>
+                  <a:latin typeface="標楷體" panose="03000509000000000000" pitchFamily="65" charset="-120"/>
+                  <a:ea typeface="標楷體" panose="03000509000000000000" pitchFamily="65" charset="-120"/>
+                </a:rPr>
+                <a:t>電機事務所</a:t>
+              </a:r>
+            </a:p>
+          </p:txBody>
+        </p:sp>
+        <p:pic>
+          <p:nvPicPr>
+            <p:cNvPr id="9" name="圖片 8">
+              <a:extLst>
+                <a:ext uri="{FF2B5EF4-FFF2-40B4-BE49-F238E27FC236}">
+                  <a16:creationId xmlns:a16="http://schemas.microsoft.com/office/drawing/2014/main" id="{20FE69CC-E546-459D-9C4E-D47BE26B4B2E}"/>
+                </a:ext>
+              </a:extLst>
+            </p:cNvPr>
+            <p:cNvPicPr>
+              <a:picLocks noChangeAspect="1"/>
+            </p:cNvPicPr>
+            <p:nvPr/>
+          </p:nvPicPr>
+          <p:blipFill>
+            <a:blip r:embed="rId2">
+              <a:extLst>
+                <a:ext uri="{28A0092B-C50C-407E-A947-70E740481C1C}">
+                  <a14:useLocalDpi xmlns:a14="http://schemas.microsoft.com/office/drawing/2010/main" val="0"/>
+                </a:ext>
+              </a:extLst>
+            </a:blip>
+            <a:stretch>
+              <a:fillRect/>
+            </a:stretch>
+          </p:blipFill>
+          <p:spPr>
+            <a:xfrm>
+              <a:off x="10330269" y="6244819"/>
+              <a:ext cx="580027" cy="580027"/>
+            </a:xfrm>
+            <a:prstGeom prst="rect">
+              <a:avLst/>
+            </a:prstGeom>
+          </p:spPr>
+        </p:pic>
+        <p:pic>
+          <p:nvPicPr>
+            <p:cNvPr id="10" name="圖片 9">
+              <a:extLst>
+                <a:ext uri="{FF2B5EF4-FFF2-40B4-BE49-F238E27FC236}">
+                  <a16:creationId xmlns:a16="http://schemas.microsoft.com/office/drawing/2014/main" id="{05D3740C-3C2F-49BC-B8F4-176998CD17A5}"/>
+                </a:ext>
+              </a:extLst>
+            </p:cNvPr>
+            <p:cNvPicPr>
+              <a:picLocks noChangeAspect="1"/>
+            </p:cNvPicPr>
+            <p:nvPr/>
+          </p:nvPicPr>
+          <p:blipFill>
+            <a:blip r:embed="rId3">
+              <a:extLst>
+                <a:ext uri="{28A0092B-C50C-407E-A947-70E740481C1C}">
+                  <a14:useLocalDpi xmlns:a14="http://schemas.microsoft.com/office/drawing/2010/main" val="0"/>
+                </a:ext>
+              </a:extLst>
+            </a:blip>
+            <a:stretch>
+              <a:fillRect/>
+            </a:stretch>
+          </p:blipFill>
+          <p:spPr>
+            <a:xfrm>
+              <a:off x="1343227" y="6192732"/>
+              <a:ext cx="684203" cy="684203"/>
+            </a:xfrm>
+            <a:prstGeom prst="rect">
+              <a:avLst/>
+            </a:prstGeom>
+          </p:spPr>
+        </p:pic>
+      </p:grpSp>
+      <p:pic>
+        <p:nvPicPr>
+          <p:cNvPr id="3" name="圖片 2">
+            <a:extLst>
+              <a:ext uri="{FF2B5EF4-FFF2-40B4-BE49-F238E27FC236}">
+                <a16:creationId xmlns:a16="http://schemas.microsoft.com/office/drawing/2014/main" id="{DC79B7B5-9F6E-40EC-9DB4-E65EC6326946}"/>
+              </a:ext>
+            </a:extLst>
+          </p:cNvPr>
+          <p:cNvPicPr>
+            <a:picLocks noChangeAspect="1"/>
+          </p:cNvPicPr>
+          <p:nvPr/>
+        </p:nvPicPr>
+        <p:blipFill>
+          <a:blip r:embed="rId4"/>
+          <a:stretch>
+            <a:fillRect/>
+          </a:stretch>
+        </p:blipFill>
+        <p:spPr>
+          <a:xfrm>
+            <a:off x="2907376" y="1485192"/>
+            <a:ext cx="6377247" cy="5262640"/>
+          </a:xfrm>
+          <a:prstGeom prst="rect">
+            <a:avLst/>
+          </a:prstGeom>
+        </p:spPr>
+      </p:pic>
+    </p:spTree>
+    <p:extLst>
+      <p:ext uri="{BB962C8B-B14F-4D97-AF65-F5344CB8AC3E}">
+        <p14:creationId xmlns:p14="http://schemas.microsoft.com/office/powerpoint/2010/main" val="254523437"/>
+      </p:ext>
+    </p:extLst>
+  </p:cSld>
+  <p:clrMapOvr>
+    <a:masterClrMapping/>
+  </p:clrMapOvr>
+</p:sld>
+</file>
+
+<file path=ppt/slides/slide34.xml><?xml version="1.0" encoding="utf-8"?>
+<p:sld xmlns:a="http://schemas.openxmlformats.org/drawingml/2006/main" xmlns:r="http://schemas.openxmlformats.org/officeDocument/2006/relationships" xmlns:p="http://schemas.openxmlformats.org/presentationml/2006/main">
+  <p:cSld>
+    <p:spTree>
+      <p:nvGrpSpPr>
+        <p:cNvPr id="1" name=""/>
+        <p:cNvGrpSpPr/>
+        <p:nvPr/>
+      </p:nvGrpSpPr>
+      <p:grpSpPr>
+        <a:xfrm>
+          <a:off x="0" y="0"/>
+          <a:ext cx="0" cy="0"/>
+          <a:chOff x="0" y="0"/>
+          <a:chExt cx="0" cy="0"/>
+        </a:xfrm>
+      </p:grpSpPr>
+      <p:sp>
+        <p:nvSpPr>
           <p:cNvPr id="5" name="內容版面配置區 4">
             <a:extLst>
               <a:ext uri="{FF2B5EF4-FFF2-40B4-BE49-F238E27FC236}">
@@ -39384,7 +40244,7 @@
 </p:sld>
 </file>
 
-<file path=ppt/slides/slide32.xml><?xml version="1.0" encoding="utf-8"?>
+<file path=ppt/slides/slide35.xml><?xml version="1.0" encoding="utf-8"?>
 <p:sld xmlns:a="http://schemas.openxmlformats.org/drawingml/2006/main" xmlns:r="http://schemas.openxmlformats.org/officeDocument/2006/relationships" xmlns:p="http://schemas.openxmlformats.org/presentationml/2006/main">
   <p:cSld>
     <p:spTree>
@@ -39666,7 +40526,7 @@
 </p:sld>
 </file>
 
-<file path=ppt/slides/slide33.xml><?xml version="1.0" encoding="utf-8"?>
+<file path=ppt/slides/slide36.xml><?xml version="1.0" encoding="utf-8"?>
 <p:sld xmlns:a="http://schemas.openxmlformats.org/drawingml/2006/main" xmlns:r="http://schemas.openxmlformats.org/officeDocument/2006/relationships" xmlns:p="http://schemas.openxmlformats.org/presentationml/2006/main">
   <p:cSld>
     <p:spTree>
@@ -40066,7 +40926,7 @@
 </p:sld>
 </file>
 
-<file path=ppt/slides/slide34.xml><?xml version="1.0" encoding="utf-8"?>
+<file path=ppt/slides/slide37.xml><?xml version="1.0" encoding="utf-8"?>
 <p:sld xmlns:a="http://schemas.openxmlformats.org/drawingml/2006/main" xmlns:r="http://schemas.openxmlformats.org/officeDocument/2006/relationships" xmlns:p="http://schemas.openxmlformats.org/presentationml/2006/main">
   <p:cSld>
     <p:spTree>
@@ -41058,7 +41918,7 @@
 </p:sld>
 </file>
 
-<file path=ppt/slides/slide35.xml><?xml version="1.0" encoding="utf-8"?>
+<file path=ppt/slides/slide38.xml><?xml version="1.0" encoding="utf-8"?>
 <p:sld xmlns:a="http://schemas.openxmlformats.org/drawingml/2006/main" xmlns:r="http://schemas.openxmlformats.org/officeDocument/2006/relationships" xmlns:p="http://schemas.openxmlformats.org/presentationml/2006/main">
   <p:cSld>
     <p:spTree>
@@ -41557,7 +42417,7 @@
 </p:sld>
 </file>
 
-<file path=ppt/slides/slide36.xml><?xml version="1.0" encoding="utf-8"?>
+<file path=ppt/slides/slide39.xml><?xml version="1.0" encoding="utf-8"?>
 <p:sld xmlns:a="http://schemas.openxmlformats.org/drawingml/2006/main" xmlns:r="http://schemas.openxmlformats.org/officeDocument/2006/relationships" xmlns:p="http://schemas.openxmlformats.org/presentationml/2006/main">
   <p:cSld>
     <p:spTree>
@@ -42042,7 +42902,900 @@
 </p:sld>
 </file>
 
-<file path=ppt/slides/slide37.xml><?xml version="1.0" encoding="utf-8"?>
+<file path=ppt/slides/slide4.xml><?xml version="1.0" encoding="utf-8"?>
+<p:sld xmlns:a="http://schemas.openxmlformats.org/drawingml/2006/main" xmlns:r="http://schemas.openxmlformats.org/officeDocument/2006/relationships" xmlns:p="http://schemas.openxmlformats.org/presentationml/2006/main">
+  <p:cSld>
+    <p:spTree>
+      <p:nvGrpSpPr>
+        <p:cNvPr id="1" name=""/>
+        <p:cNvGrpSpPr/>
+        <p:nvPr/>
+      </p:nvGrpSpPr>
+      <p:grpSpPr>
+        <a:xfrm>
+          <a:off x="0" y="0"/>
+          <a:ext cx="0" cy="0"/>
+          <a:chOff x="0" y="0"/>
+          <a:chExt cx="0" cy="0"/>
+        </a:xfrm>
+      </p:grpSpPr>
+      <p:sp>
+        <p:nvSpPr>
+          <p:cNvPr id="2" name="標題 1">
+            <a:extLst>
+              <a:ext uri="{FF2B5EF4-FFF2-40B4-BE49-F238E27FC236}">
+                <a16:creationId xmlns:a16="http://schemas.microsoft.com/office/drawing/2014/main" id="{91055CA2-9151-4700-A514-8177F91F5454}"/>
+              </a:ext>
+            </a:extLst>
+          </p:cNvPr>
+          <p:cNvSpPr>
+            <a:spLocks noGrp="1"/>
+          </p:cNvSpPr>
+          <p:nvPr>
+            <p:ph type="title"/>
+          </p:nvPr>
+        </p:nvSpPr>
+        <p:spPr>
+          <a:xfrm>
+            <a:off x="832103" y="3886200"/>
+            <a:ext cx="8872335" cy="859055"/>
+          </a:xfrm>
+        </p:spPr>
+        <p:txBody>
+          <a:bodyPr>
+            <a:normAutofit/>
+          </a:bodyPr>
+          <a:lstStyle/>
+          <a:p>
+            <a:r>
+              <a:rPr lang="en-US" altLang="zh-TW" dirty="0"/>
+              <a:t>CH4-1 First Program</a:t>
+            </a:r>
+            <a:endParaRPr lang="zh-TW" altLang="en-US" dirty="0"/>
+          </a:p>
+        </p:txBody>
+      </p:sp>
+      <p:sp>
+        <p:nvSpPr>
+          <p:cNvPr id="8" name="文字版面配置區 7">
+            <a:extLst>
+              <a:ext uri="{FF2B5EF4-FFF2-40B4-BE49-F238E27FC236}">
+                <a16:creationId xmlns:a16="http://schemas.microsoft.com/office/drawing/2014/main" id="{2FBA4162-9C94-4F0C-ABD1-41DD5CA22EB1}"/>
+              </a:ext>
+            </a:extLst>
+          </p:cNvPr>
+          <p:cNvSpPr>
+            <a:spLocks noGrp="1"/>
+          </p:cNvSpPr>
+          <p:nvPr>
+            <p:ph type="body" idx="1"/>
+          </p:nvPr>
+        </p:nvSpPr>
+        <p:spPr/>
+        <p:txBody>
+          <a:bodyPr/>
+          <a:lstStyle/>
+          <a:p>
+            <a:endParaRPr lang="zh-TW" altLang="en-US" dirty="0"/>
+          </a:p>
+        </p:txBody>
+      </p:sp>
+      <p:grpSp>
+        <p:nvGrpSpPr>
+          <p:cNvPr id="6" name="群組 5">
+            <a:extLst>
+              <a:ext uri="{FF2B5EF4-FFF2-40B4-BE49-F238E27FC236}">
+                <a16:creationId xmlns:a16="http://schemas.microsoft.com/office/drawing/2014/main" id="{5332CB9B-6EC6-4D67-9F1B-4593DEEE5AEF}"/>
+              </a:ext>
+            </a:extLst>
+          </p:cNvPr>
+          <p:cNvGrpSpPr/>
+          <p:nvPr/>
+        </p:nvGrpSpPr>
+        <p:grpSpPr>
+          <a:xfrm>
+            <a:off x="0" y="6192732"/>
+            <a:ext cx="12192000" cy="684203"/>
+            <a:chOff x="0" y="6192732"/>
+            <a:chExt cx="12192000" cy="684203"/>
+          </a:xfrm>
+        </p:grpSpPr>
+        <p:sp>
+          <p:nvSpPr>
+            <p:cNvPr id="4" name="矩形 3">
+              <a:extLst>
+                <a:ext uri="{FF2B5EF4-FFF2-40B4-BE49-F238E27FC236}">
+                  <a16:creationId xmlns:a16="http://schemas.microsoft.com/office/drawing/2014/main" id="{6C8234D0-73A2-4990-9FCA-1006BFAE283E}"/>
+                </a:ext>
+              </a:extLst>
+            </p:cNvPr>
+            <p:cNvSpPr/>
+            <p:nvPr/>
+          </p:nvSpPr>
+          <p:spPr>
+            <a:xfrm>
+              <a:off x="0" y="6212114"/>
+              <a:ext cx="12192000" cy="645886"/>
+            </a:xfrm>
+            <a:prstGeom prst="rect">
+              <a:avLst/>
+            </a:prstGeom>
+            <a:solidFill>
+              <a:srgbClr val="0065A4"/>
+            </a:solidFill>
+            <a:ln>
+              <a:noFill/>
+            </a:ln>
+          </p:spPr>
+          <p:style>
+            <a:lnRef idx="2">
+              <a:schemeClr val="accent5">
+                <a:shade val="50000"/>
+              </a:schemeClr>
+            </a:lnRef>
+            <a:fillRef idx="1">
+              <a:schemeClr val="accent5"/>
+            </a:fillRef>
+            <a:effectRef idx="0">
+              <a:schemeClr val="accent5"/>
+            </a:effectRef>
+            <a:fontRef idx="minor">
+              <a:schemeClr val="lt1"/>
+            </a:fontRef>
+          </p:style>
+          <p:txBody>
+            <a:bodyPr rtlCol="0" anchor="ctr"/>
+            <a:lstStyle/>
+            <a:p>
+              <a:pPr algn="ctr"/>
+              <a:endParaRPr lang="zh-TW" altLang="en-US" dirty="0">
+                <a:highlight>
+                  <a:srgbClr val="00FFFF"/>
+                </a:highlight>
+              </a:endParaRPr>
+            </a:p>
+          </p:txBody>
+        </p:sp>
+        <p:sp>
+          <p:nvSpPr>
+            <p:cNvPr id="5" name="文字方塊 4">
+              <a:extLst>
+                <a:ext uri="{FF2B5EF4-FFF2-40B4-BE49-F238E27FC236}">
+                  <a16:creationId xmlns:a16="http://schemas.microsoft.com/office/drawing/2014/main" id="{E210E545-7413-4E61-BDBD-429550CC7824}"/>
+                </a:ext>
+              </a:extLst>
+            </p:cNvPr>
+            <p:cNvSpPr txBox="1"/>
+            <p:nvPr/>
+          </p:nvSpPr>
+          <p:spPr>
+            <a:xfrm flipH="1">
+              <a:off x="3186974" y="6211669"/>
+              <a:ext cx="5818052" cy="646331"/>
+            </a:xfrm>
+            <a:prstGeom prst="rect">
+              <a:avLst/>
+            </a:prstGeom>
+            <a:noFill/>
+          </p:spPr>
+          <p:txBody>
+            <a:bodyPr wrap="square" rtlCol="0">
+              <a:spAutoFit/>
+            </a:bodyPr>
+            <a:lstStyle/>
+            <a:p>
+              <a:pPr algn="dist"/>
+              <a:r>
+                <a:rPr lang="zh-TW" altLang="en-US" sz="3600" dirty="0">
+                  <a:solidFill>
+                    <a:schemeClr val="bg1"/>
+                  </a:solidFill>
+                  <a:latin typeface="標楷體" panose="03000509000000000000" pitchFamily="65" charset="-120"/>
+                  <a:ea typeface="標楷體" panose="03000509000000000000" pitchFamily="65" charset="-120"/>
+                </a:rPr>
+                <a:t>電機事務所</a:t>
+              </a:r>
+            </a:p>
+          </p:txBody>
+        </p:sp>
+        <p:pic>
+          <p:nvPicPr>
+            <p:cNvPr id="7" name="圖片 6">
+              <a:extLst>
+                <a:ext uri="{FF2B5EF4-FFF2-40B4-BE49-F238E27FC236}">
+                  <a16:creationId xmlns:a16="http://schemas.microsoft.com/office/drawing/2014/main" id="{8C621DAE-2C66-4122-B88B-CBA1A3C4024A}"/>
+                </a:ext>
+              </a:extLst>
+            </p:cNvPr>
+            <p:cNvPicPr>
+              <a:picLocks noChangeAspect="1"/>
+            </p:cNvPicPr>
+            <p:nvPr/>
+          </p:nvPicPr>
+          <p:blipFill>
+            <a:blip r:embed="rId3">
+              <a:extLst>
+                <a:ext uri="{28A0092B-C50C-407E-A947-70E740481C1C}">
+                  <a14:useLocalDpi xmlns:a14="http://schemas.microsoft.com/office/drawing/2010/main" val="0"/>
+                </a:ext>
+              </a:extLst>
+            </a:blip>
+            <a:stretch>
+              <a:fillRect/>
+            </a:stretch>
+          </p:blipFill>
+          <p:spPr>
+            <a:xfrm>
+              <a:off x="10330269" y="6244819"/>
+              <a:ext cx="580027" cy="580027"/>
+            </a:xfrm>
+            <a:prstGeom prst="rect">
+              <a:avLst/>
+            </a:prstGeom>
+          </p:spPr>
+        </p:pic>
+        <p:pic>
+          <p:nvPicPr>
+            <p:cNvPr id="9" name="圖片 8">
+              <a:extLst>
+                <a:ext uri="{FF2B5EF4-FFF2-40B4-BE49-F238E27FC236}">
+                  <a16:creationId xmlns:a16="http://schemas.microsoft.com/office/drawing/2014/main" id="{5255F4DD-0635-4B14-A1FF-7BC0A0799ACF}"/>
+                </a:ext>
+              </a:extLst>
+            </p:cNvPr>
+            <p:cNvPicPr>
+              <a:picLocks noChangeAspect="1"/>
+            </p:cNvPicPr>
+            <p:nvPr/>
+          </p:nvPicPr>
+          <p:blipFill>
+            <a:blip r:embed="rId4">
+              <a:extLst>
+                <a:ext uri="{28A0092B-C50C-407E-A947-70E740481C1C}">
+                  <a14:useLocalDpi xmlns:a14="http://schemas.microsoft.com/office/drawing/2010/main" val="0"/>
+                </a:ext>
+              </a:extLst>
+            </a:blip>
+            <a:stretch>
+              <a:fillRect/>
+            </a:stretch>
+          </p:blipFill>
+          <p:spPr>
+            <a:xfrm>
+              <a:off x="1343227" y="6192732"/>
+              <a:ext cx="684203" cy="684203"/>
+            </a:xfrm>
+            <a:prstGeom prst="rect">
+              <a:avLst/>
+            </a:prstGeom>
+          </p:spPr>
+        </p:pic>
+      </p:grpSp>
+    </p:spTree>
+    <p:extLst>
+      <p:ext uri="{BB962C8B-B14F-4D97-AF65-F5344CB8AC3E}">
+        <p14:creationId xmlns:p14="http://schemas.microsoft.com/office/powerpoint/2010/main" val="3666876543"/>
+      </p:ext>
+    </p:extLst>
+  </p:cSld>
+  <p:clrMapOvr>
+    <a:masterClrMapping/>
+  </p:clrMapOvr>
+</p:sld>
+</file>
+
+<file path=ppt/slides/slide40.xml><?xml version="1.0" encoding="utf-8"?>
+<p:sld xmlns:a="http://schemas.openxmlformats.org/drawingml/2006/main" xmlns:r="http://schemas.openxmlformats.org/officeDocument/2006/relationships" xmlns:p="http://schemas.openxmlformats.org/presentationml/2006/main">
+  <p:cSld>
+    <p:spTree>
+      <p:nvGrpSpPr>
+        <p:cNvPr id="1" name=""/>
+        <p:cNvGrpSpPr/>
+        <p:nvPr/>
+      </p:nvGrpSpPr>
+      <p:grpSpPr>
+        <a:xfrm>
+          <a:off x="0" y="0"/>
+          <a:ext cx="0" cy="0"/>
+          <a:chOff x="0" y="0"/>
+          <a:chExt cx="0" cy="0"/>
+        </a:xfrm>
+      </p:grpSpPr>
+      <p:sp>
+        <p:nvSpPr>
+          <p:cNvPr id="4" name="標題 3">
+            <a:extLst>
+              <a:ext uri="{FF2B5EF4-FFF2-40B4-BE49-F238E27FC236}">
+                <a16:creationId xmlns:a16="http://schemas.microsoft.com/office/drawing/2014/main" id="{3C618BD0-7357-4F85-A56C-747DCD526A29}"/>
+              </a:ext>
+            </a:extLst>
+          </p:cNvPr>
+          <p:cNvSpPr>
+            <a:spLocks noGrp="1"/>
+          </p:cNvSpPr>
+          <p:nvPr>
+            <p:ph type="title"/>
+          </p:nvPr>
+        </p:nvSpPr>
+        <p:spPr>
+          <a:xfrm>
+            <a:off x="444500" y="542925"/>
+            <a:ext cx="11214100" cy="923330"/>
+          </a:xfrm>
+        </p:spPr>
+        <p:txBody>
+          <a:bodyPr/>
+          <a:lstStyle/>
+          <a:p>
+            <a:r>
+              <a:rPr lang="en-US" altLang="zh-TW" sz="6000" dirty="0"/>
+              <a:t>Practice - </a:t>
+            </a:r>
+            <a:r>
+              <a:rPr lang="en-US" altLang="zh-TW" sz="6000" dirty="0" err="1"/>
+              <a:t>ans</a:t>
+            </a:r>
+            <a:endParaRPr lang="zh-TW" altLang="en-US" sz="6000" dirty="0"/>
+          </a:p>
+        </p:txBody>
+      </p:sp>
+      <p:grpSp>
+        <p:nvGrpSpPr>
+          <p:cNvPr id="6" name="群組 5">
+            <a:extLst>
+              <a:ext uri="{FF2B5EF4-FFF2-40B4-BE49-F238E27FC236}">
+                <a16:creationId xmlns:a16="http://schemas.microsoft.com/office/drawing/2014/main" id="{1DB03A09-EFA9-446E-B14E-714605BE7F02}"/>
+              </a:ext>
+            </a:extLst>
+          </p:cNvPr>
+          <p:cNvGrpSpPr/>
+          <p:nvPr/>
+        </p:nvGrpSpPr>
+        <p:grpSpPr>
+          <a:xfrm>
+            <a:off x="0" y="6176963"/>
+            <a:ext cx="12192000" cy="703140"/>
+            <a:chOff x="0" y="6192732"/>
+            <a:chExt cx="12192000" cy="703140"/>
+          </a:xfrm>
+        </p:grpSpPr>
+        <p:sp>
+          <p:nvSpPr>
+            <p:cNvPr id="7" name="矩形 6">
+              <a:extLst>
+                <a:ext uri="{FF2B5EF4-FFF2-40B4-BE49-F238E27FC236}">
+                  <a16:creationId xmlns:a16="http://schemas.microsoft.com/office/drawing/2014/main" id="{30DA9C63-756D-4B37-9F80-D982634B6A42}"/>
+                </a:ext>
+              </a:extLst>
+            </p:cNvPr>
+            <p:cNvSpPr/>
+            <p:nvPr/>
+          </p:nvSpPr>
+          <p:spPr>
+            <a:xfrm>
+              <a:off x="0" y="6212114"/>
+              <a:ext cx="12192000" cy="683758"/>
+            </a:xfrm>
+            <a:prstGeom prst="rect">
+              <a:avLst/>
+            </a:prstGeom>
+            <a:solidFill>
+              <a:srgbClr val="0065A4"/>
+            </a:solidFill>
+            <a:ln>
+              <a:noFill/>
+            </a:ln>
+          </p:spPr>
+          <p:style>
+            <a:lnRef idx="2">
+              <a:schemeClr val="accent5">
+                <a:shade val="50000"/>
+              </a:schemeClr>
+            </a:lnRef>
+            <a:fillRef idx="1">
+              <a:schemeClr val="accent5"/>
+            </a:fillRef>
+            <a:effectRef idx="0">
+              <a:schemeClr val="accent5"/>
+            </a:effectRef>
+            <a:fontRef idx="minor">
+              <a:schemeClr val="lt1"/>
+            </a:fontRef>
+          </p:style>
+          <p:txBody>
+            <a:bodyPr rtlCol="0" anchor="ctr"/>
+            <a:lstStyle/>
+            <a:p>
+              <a:pPr algn="ctr"/>
+              <a:endParaRPr lang="zh-TW" altLang="en-US" dirty="0">
+                <a:highlight>
+                  <a:srgbClr val="00FFFF"/>
+                </a:highlight>
+              </a:endParaRPr>
+            </a:p>
+          </p:txBody>
+        </p:sp>
+        <p:sp>
+          <p:nvSpPr>
+            <p:cNvPr id="8" name="文字方塊 7">
+              <a:extLst>
+                <a:ext uri="{FF2B5EF4-FFF2-40B4-BE49-F238E27FC236}">
+                  <a16:creationId xmlns:a16="http://schemas.microsoft.com/office/drawing/2014/main" id="{A617ED4E-876A-4C6A-B2FD-ABFA65439411}"/>
+                </a:ext>
+              </a:extLst>
+            </p:cNvPr>
+            <p:cNvSpPr txBox="1"/>
+            <p:nvPr/>
+          </p:nvSpPr>
+          <p:spPr>
+            <a:xfrm flipH="1">
+              <a:off x="3186974" y="6211669"/>
+              <a:ext cx="5818052" cy="646331"/>
+            </a:xfrm>
+            <a:prstGeom prst="rect">
+              <a:avLst/>
+            </a:prstGeom>
+            <a:noFill/>
+          </p:spPr>
+          <p:txBody>
+            <a:bodyPr wrap="square" rtlCol="0">
+              <a:spAutoFit/>
+            </a:bodyPr>
+            <a:lstStyle/>
+            <a:p>
+              <a:pPr algn="dist"/>
+              <a:r>
+                <a:rPr lang="zh-TW" altLang="en-US" sz="3600" dirty="0">
+                  <a:solidFill>
+                    <a:schemeClr val="bg1"/>
+                  </a:solidFill>
+                  <a:latin typeface="標楷體" panose="03000509000000000000" pitchFamily="65" charset="-120"/>
+                  <a:ea typeface="標楷體" panose="03000509000000000000" pitchFamily="65" charset="-120"/>
+                </a:rPr>
+                <a:t>電機事務所</a:t>
+              </a:r>
+            </a:p>
+          </p:txBody>
+        </p:sp>
+        <p:pic>
+          <p:nvPicPr>
+            <p:cNvPr id="9" name="圖片 8">
+              <a:extLst>
+                <a:ext uri="{FF2B5EF4-FFF2-40B4-BE49-F238E27FC236}">
+                  <a16:creationId xmlns:a16="http://schemas.microsoft.com/office/drawing/2014/main" id="{20FE69CC-E546-459D-9C4E-D47BE26B4B2E}"/>
+                </a:ext>
+              </a:extLst>
+            </p:cNvPr>
+            <p:cNvPicPr>
+              <a:picLocks noChangeAspect="1"/>
+            </p:cNvPicPr>
+            <p:nvPr/>
+          </p:nvPicPr>
+          <p:blipFill>
+            <a:blip r:embed="rId2">
+              <a:extLst>
+                <a:ext uri="{28A0092B-C50C-407E-A947-70E740481C1C}">
+                  <a14:useLocalDpi xmlns:a14="http://schemas.microsoft.com/office/drawing/2010/main" val="0"/>
+                </a:ext>
+              </a:extLst>
+            </a:blip>
+            <a:stretch>
+              <a:fillRect/>
+            </a:stretch>
+          </p:blipFill>
+          <p:spPr>
+            <a:xfrm>
+              <a:off x="10330269" y="6244819"/>
+              <a:ext cx="580027" cy="580027"/>
+            </a:xfrm>
+            <a:prstGeom prst="rect">
+              <a:avLst/>
+            </a:prstGeom>
+          </p:spPr>
+        </p:pic>
+        <p:pic>
+          <p:nvPicPr>
+            <p:cNvPr id="10" name="圖片 9">
+              <a:extLst>
+                <a:ext uri="{FF2B5EF4-FFF2-40B4-BE49-F238E27FC236}">
+                  <a16:creationId xmlns:a16="http://schemas.microsoft.com/office/drawing/2014/main" id="{05D3740C-3C2F-49BC-B8F4-176998CD17A5}"/>
+                </a:ext>
+              </a:extLst>
+            </p:cNvPr>
+            <p:cNvPicPr>
+              <a:picLocks noChangeAspect="1"/>
+            </p:cNvPicPr>
+            <p:nvPr/>
+          </p:nvPicPr>
+          <p:blipFill>
+            <a:blip r:embed="rId3">
+              <a:extLst>
+                <a:ext uri="{28A0092B-C50C-407E-A947-70E740481C1C}">
+                  <a14:useLocalDpi xmlns:a14="http://schemas.microsoft.com/office/drawing/2010/main" val="0"/>
+                </a:ext>
+              </a:extLst>
+            </a:blip>
+            <a:stretch>
+              <a:fillRect/>
+            </a:stretch>
+          </p:blipFill>
+          <p:spPr>
+            <a:xfrm>
+              <a:off x="1343227" y="6192732"/>
+              <a:ext cx="684203" cy="684203"/>
+            </a:xfrm>
+            <a:prstGeom prst="rect">
+              <a:avLst/>
+            </a:prstGeom>
+          </p:spPr>
+        </p:pic>
+      </p:grpSp>
+      <p:sp>
+        <p:nvSpPr>
+          <p:cNvPr id="11" name="內容版面配置區 10">
+            <a:extLst>
+              <a:ext uri="{FF2B5EF4-FFF2-40B4-BE49-F238E27FC236}">
+                <a16:creationId xmlns:a16="http://schemas.microsoft.com/office/drawing/2014/main" id="{44E46F62-84CF-421A-9A1C-80F5325EC4C5}"/>
+              </a:ext>
+            </a:extLst>
+          </p:cNvPr>
+          <p:cNvSpPr>
+            <a:spLocks noGrp="1"/>
+          </p:cNvSpPr>
+          <p:nvPr>
+            <p:ph idx="1"/>
+          </p:nvPr>
+        </p:nvSpPr>
+        <p:spPr/>
+        <p:txBody>
+          <a:bodyPr/>
+          <a:lstStyle/>
+          <a:p>
+            <a:endParaRPr lang="zh-TW" altLang="en-US" dirty="0"/>
+          </a:p>
+        </p:txBody>
+      </p:sp>
+      <p:pic>
+        <p:nvPicPr>
+          <p:cNvPr id="3" name="圖片 2">
+            <a:extLst>
+              <a:ext uri="{FF2B5EF4-FFF2-40B4-BE49-F238E27FC236}">
+                <a16:creationId xmlns:a16="http://schemas.microsoft.com/office/drawing/2014/main" id="{8EE790E2-1145-4CD9-8437-27BBC11D5C9A}"/>
+              </a:ext>
+            </a:extLst>
+          </p:cNvPr>
+          <p:cNvPicPr>
+            <a:picLocks noChangeAspect="1"/>
+          </p:cNvPicPr>
+          <p:nvPr/>
+        </p:nvPicPr>
+        <p:blipFill>
+          <a:blip r:embed="rId4"/>
+          <a:stretch>
+            <a:fillRect/>
+          </a:stretch>
+        </p:blipFill>
+        <p:spPr>
+          <a:xfrm>
+            <a:off x="3026070" y="1580772"/>
+            <a:ext cx="6139860" cy="4841044"/>
+          </a:xfrm>
+          <a:prstGeom prst="rect">
+            <a:avLst/>
+          </a:prstGeom>
+        </p:spPr>
+      </p:pic>
+    </p:spTree>
+    <p:extLst>
+      <p:ext uri="{BB962C8B-B14F-4D97-AF65-F5344CB8AC3E}">
+        <p14:creationId xmlns:p14="http://schemas.microsoft.com/office/powerpoint/2010/main" val="545062942"/>
+      </p:ext>
+    </p:extLst>
+  </p:cSld>
+  <p:clrMapOvr>
+    <a:masterClrMapping/>
+  </p:clrMapOvr>
+</p:sld>
+</file>
+
+<file path=ppt/slides/slide41.xml><?xml version="1.0" encoding="utf-8"?>
+<p:sld xmlns:a="http://schemas.openxmlformats.org/drawingml/2006/main" xmlns:r="http://schemas.openxmlformats.org/officeDocument/2006/relationships" xmlns:p="http://schemas.openxmlformats.org/presentationml/2006/main">
+  <p:cSld>
+    <p:spTree>
+      <p:nvGrpSpPr>
+        <p:cNvPr id="1" name=""/>
+        <p:cNvGrpSpPr/>
+        <p:nvPr/>
+      </p:nvGrpSpPr>
+      <p:grpSpPr>
+        <a:xfrm>
+          <a:off x="0" y="0"/>
+          <a:ext cx="0" cy="0"/>
+          <a:chOff x="0" y="0"/>
+          <a:chExt cx="0" cy="0"/>
+        </a:xfrm>
+      </p:grpSpPr>
+      <p:sp>
+        <p:nvSpPr>
+          <p:cNvPr id="4" name="標題 3">
+            <a:extLst>
+              <a:ext uri="{FF2B5EF4-FFF2-40B4-BE49-F238E27FC236}">
+                <a16:creationId xmlns:a16="http://schemas.microsoft.com/office/drawing/2014/main" id="{3C618BD0-7357-4F85-A56C-747DCD526A29}"/>
+              </a:ext>
+            </a:extLst>
+          </p:cNvPr>
+          <p:cNvSpPr>
+            <a:spLocks noGrp="1"/>
+          </p:cNvSpPr>
+          <p:nvPr>
+            <p:ph type="title"/>
+          </p:nvPr>
+        </p:nvSpPr>
+        <p:spPr>
+          <a:xfrm>
+            <a:off x="444500" y="542925"/>
+            <a:ext cx="11214100" cy="923330"/>
+          </a:xfrm>
+        </p:spPr>
+        <p:txBody>
+          <a:bodyPr/>
+          <a:lstStyle/>
+          <a:p>
+            <a:r>
+              <a:rPr lang="en-US" altLang="zh-TW" sz="6000" dirty="0"/>
+              <a:t>Practice2</a:t>
+            </a:r>
+            <a:r>
+              <a:rPr lang="zh-TW" altLang="en-US" sz="6000" dirty="0"/>
+              <a:t> </a:t>
+            </a:r>
+            <a:r>
+              <a:rPr lang="en-US" altLang="zh-TW" sz="6000" dirty="0"/>
+              <a:t>- </a:t>
+            </a:r>
+            <a:r>
+              <a:rPr lang="en-US" altLang="zh-TW" sz="6000" dirty="0" err="1"/>
+              <a:t>ans</a:t>
+            </a:r>
+            <a:endParaRPr lang="zh-TW" altLang="en-US" sz="6000" dirty="0"/>
+          </a:p>
+        </p:txBody>
+      </p:sp>
+      <p:grpSp>
+        <p:nvGrpSpPr>
+          <p:cNvPr id="6" name="群組 5">
+            <a:extLst>
+              <a:ext uri="{FF2B5EF4-FFF2-40B4-BE49-F238E27FC236}">
+                <a16:creationId xmlns:a16="http://schemas.microsoft.com/office/drawing/2014/main" id="{1DB03A09-EFA9-446E-B14E-714605BE7F02}"/>
+              </a:ext>
+            </a:extLst>
+          </p:cNvPr>
+          <p:cNvGrpSpPr/>
+          <p:nvPr/>
+        </p:nvGrpSpPr>
+        <p:grpSpPr>
+          <a:xfrm>
+            <a:off x="0" y="6176963"/>
+            <a:ext cx="12192000" cy="703140"/>
+            <a:chOff x="0" y="6192732"/>
+            <a:chExt cx="12192000" cy="703140"/>
+          </a:xfrm>
+        </p:grpSpPr>
+        <p:sp>
+          <p:nvSpPr>
+            <p:cNvPr id="7" name="矩形 6">
+              <a:extLst>
+                <a:ext uri="{FF2B5EF4-FFF2-40B4-BE49-F238E27FC236}">
+                  <a16:creationId xmlns:a16="http://schemas.microsoft.com/office/drawing/2014/main" id="{30DA9C63-756D-4B37-9F80-D982634B6A42}"/>
+                </a:ext>
+              </a:extLst>
+            </p:cNvPr>
+            <p:cNvSpPr/>
+            <p:nvPr/>
+          </p:nvSpPr>
+          <p:spPr>
+            <a:xfrm>
+              <a:off x="0" y="6212114"/>
+              <a:ext cx="12192000" cy="683758"/>
+            </a:xfrm>
+            <a:prstGeom prst="rect">
+              <a:avLst/>
+            </a:prstGeom>
+            <a:solidFill>
+              <a:srgbClr val="0065A4"/>
+            </a:solidFill>
+            <a:ln>
+              <a:noFill/>
+            </a:ln>
+          </p:spPr>
+          <p:style>
+            <a:lnRef idx="2">
+              <a:schemeClr val="accent5">
+                <a:shade val="50000"/>
+              </a:schemeClr>
+            </a:lnRef>
+            <a:fillRef idx="1">
+              <a:schemeClr val="accent5"/>
+            </a:fillRef>
+            <a:effectRef idx="0">
+              <a:schemeClr val="accent5"/>
+            </a:effectRef>
+            <a:fontRef idx="minor">
+              <a:schemeClr val="lt1"/>
+            </a:fontRef>
+          </p:style>
+          <p:txBody>
+            <a:bodyPr rtlCol="0" anchor="ctr"/>
+            <a:lstStyle/>
+            <a:p>
+              <a:pPr algn="ctr"/>
+              <a:endParaRPr lang="zh-TW" altLang="en-US" dirty="0">
+                <a:highlight>
+                  <a:srgbClr val="00FFFF"/>
+                </a:highlight>
+              </a:endParaRPr>
+            </a:p>
+          </p:txBody>
+        </p:sp>
+        <p:sp>
+          <p:nvSpPr>
+            <p:cNvPr id="8" name="文字方塊 7">
+              <a:extLst>
+                <a:ext uri="{FF2B5EF4-FFF2-40B4-BE49-F238E27FC236}">
+                  <a16:creationId xmlns:a16="http://schemas.microsoft.com/office/drawing/2014/main" id="{A617ED4E-876A-4C6A-B2FD-ABFA65439411}"/>
+                </a:ext>
+              </a:extLst>
+            </p:cNvPr>
+            <p:cNvSpPr txBox="1"/>
+            <p:nvPr/>
+          </p:nvSpPr>
+          <p:spPr>
+            <a:xfrm flipH="1">
+              <a:off x="3186974" y="6211669"/>
+              <a:ext cx="5818052" cy="646331"/>
+            </a:xfrm>
+            <a:prstGeom prst="rect">
+              <a:avLst/>
+            </a:prstGeom>
+            <a:noFill/>
+          </p:spPr>
+          <p:txBody>
+            <a:bodyPr wrap="square" rtlCol="0">
+              <a:spAutoFit/>
+            </a:bodyPr>
+            <a:lstStyle/>
+            <a:p>
+              <a:pPr algn="dist"/>
+              <a:r>
+                <a:rPr lang="zh-TW" altLang="en-US" sz="3600" dirty="0">
+                  <a:solidFill>
+                    <a:schemeClr val="bg1"/>
+                  </a:solidFill>
+                  <a:latin typeface="標楷體" panose="03000509000000000000" pitchFamily="65" charset="-120"/>
+                  <a:ea typeface="標楷體" panose="03000509000000000000" pitchFamily="65" charset="-120"/>
+                </a:rPr>
+                <a:t>電機事務所</a:t>
+              </a:r>
+            </a:p>
+          </p:txBody>
+        </p:sp>
+        <p:pic>
+          <p:nvPicPr>
+            <p:cNvPr id="9" name="圖片 8">
+              <a:extLst>
+                <a:ext uri="{FF2B5EF4-FFF2-40B4-BE49-F238E27FC236}">
+                  <a16:creationId xmlns:a16="http://schemas.microsoft.com/office/drawing/2014/main" id="{20FE69CC-E546-459D-9C4E-D47BE26B4B2E}"/>
+                </a:ext>
+              </a:extLst>
+            </p:cNvPr>
+            <p:cNvPicPr>
+              <a:picLocks noChangeAspect="1"/>
+            </p:cNvPicPr>
+            <p:nvPr/>
+          </p:nvPicPr>
+          <p:blipFill>
+            <a:blip r:embed="rId2">
+              <a:extLst>
+                <a:ext uri="{28A0092B-C50C-407E-A947-70E740481C1C}">
+                  <a14:useLocalDpi xmlns:a14="http://schemas.microsoft.com/office/drawing/2010/main" val="0"/>
+                </a:ext>
+              </a:extLst>
+            </a:blip>
+            <a:stretch>
+              <a:fillRect/>
+            </a:stretch>
+          </p:blipFill>
+          <p:spPr>
+            <a:xfrm>
+              <a:off x="10330269" y="6244819"/>
+              <a:ext cx="580027" cy="580027"/>
+            </a:xfrm>
+            <a:prstGeom prst="rect">
+              <a:avLst/>
+            </a:prstGeom>
+          </p:spPr>
+        </p:pic>
+        <p:pic>
+          <p:nvPicPr>
+            <p:cNvPr id="10" name="圖片 9">
+              <a:extLst>
+                <a:ext uri="{FF2B5EF4-FFF2-40B4-BE49-F238E27FC236}">
+                  <a16:creationId xmlns:a16="http://schemas.microsoft.com/office/drawing/2014/main" id="{05D3740C-3C2F-49BC-B8F4-176998CD17A5}"/>
+                </a:ext>
+              </a:extLst>
+            </p:cNvPr>
+            <p:cNvPicPr>
+              <a:picLocks noChangeAspect="1"/>
+            </p:cNvPicPr>
+            <p:nvPr/>
+          </p:nvPicPr>
+          <p:blipFill>
+            <a:blip r:embed="rId3">
+              <a:extLst>
+                <a:ext uri="{28A0092B-C50C-407E-A947-70E740481C1C}">
+                  <a14:useLocalDpi xmlns:a14="http://schemas.microsoft.com/office/drawing/2010/main" val="0"/>
+                </a:ext>
+              </a:extLst>
+            </a:blip>
+            <a:stretch>
+              <a:fillRect/>
+            </a:stretch>
+          </p:blipFill>
+          <p:spPr>
+            <a:xfrm>
+              <a:off x="1343227" y="6192732"/>
+              <a:ext cx="684203" cy="684203"/>
+            </a:xfrm>
+            <a:prstGeom prst="rect">
+              <a:avLst/>
+            </a:prstGeom>
+          </p:spPr>
+        </p:pic>
+      </p:grpSp>
+      <p:pic>
+        <p:nvPicPr>
+          <p:cNvPr id="11" name="圖片 10">
+            <a:extLst>
+              <a:ext uri="{FF2B5EF4-FFF2-40B4-BE49-F238E27FC236}">
+                <a16:creationId xmlns:a16="http://schemas.microsoft.com/office/drawing/2014/main" id="{B86D6334-6A7D-4C87-9857-71B3FFE6DE39}"/>
+              </a:ext>
+            </a:extLst>
+          </p:cNvPr>
+          <p:cNvPicPr>
+            <a:picLocks noChangeAspect="1"/>
+          </p:cNvPicPr>
+          <p:nvPr/>
+        </p:nvPicPr>
+        <p:blipFill>
+          <a:blip r:embed="rId4"/>
+          <a:stretch>
+            <a:fillRect/>
+          </a:stretch>
+        </p:blipFill>
+        <p:spPr>
+          <a:xfrm>
+            <a:off x="2318598" y="2818151"/>
+            <a:ext cx="7554803" cy="2760937"/>
+          </a:xfrm>
+          <a:prstGeom prst="rect">
+            <a:avLst/>
+          </a:prstGeom>
+        </p:spPr>
+      </p:pic>
+    </p:spTree>
+    <p:extLst>
+      <p:ext uri="{BB962C8B-B14F-4D97-AF65-F5344CB8AC3E}">
+        <p14:creationId xmlns:p14="http://schemas.microsoft.com/office/powerpoint/2010/main" val="4019256527"/>
+      </p:ext>
+    </p:extLst>
+  </p:cSld>
+  <p:clrMapOvr>
+    <a:masterClrMapping/>
+  </p:clrMapOvr>
+</p:sld>
+</file>
+
+<file path=ppt/slides/slide42.xml><?xml version="1.0" encoding="utf-8"?>
 <p:sld xmlns:a="http://schemas.openxmlformats.org/drawingml/2006/main" xmlns:r="http://schemas.openxmlformats.org/officeDocument/2006/relationships" xmlns:p="http://schemas.openxmlformats.org/presentationml/2006/main">
   <p:cSld>
     <p:spTree>
@@ -42353,7 +44106,7 @@
 </p:sld>
 </file>
 
-<file path=ppt/slides/slide38.xml><?xml version="1.0" encoding="utf-8"?>
+<file path=ppt/slides/slide43.xml><?xml version="1.0" encoding="utf-8"?>
 <p:sld xmlns:a="http://schemas.openxmlformats.org/drawingml/2006/main" xmlns:r="http://schemas.openxmlformats.org/officeDocument/2006/relationships" xmlns:p="http://schemas.openxmlformats.org/presentationml/2006/main">
   <p:cSld>
     <p:spTree>
@@ -42636,7 +44389,7 @@
 </p:sld>
 </file>
 
-<file path=ppt/slides/slide39.xml><?xml version="1.0" encoding="utf-8"?>
+<file path=ppt/slides/slide44.xml><?xml version="1.0" encoding="utf-8"?>
 <p:sld xmlns:a="http://schemas.openxmlformats.org/drawingml/2006/main" xmlns:r="http://schemas.openxmlformats.org/officeDocument/2006/relationships" xmlns:p="http://schemas.openxmlformats.org/presentationml/2006/main">
   <p:cSld>
     <p:spTree>
@@ -43210,7 +44963,7 @@
 </p:sld>
 </file>
 
-<file path=ppt/slides/slide4.xml><?xml version="1.0" encoding="utf-8"?>
+<file path=ppt/slides/slide45.xml><?xml version="1.0" encoding="utf-8"?>
 <p:sld xmlns:a="http://schemas.openxmlformats.org/drawingml/2006/main" xmlns:r="http://schemas.openxmlformats.org/officeDocument/2006/relationships" xmlns:p="http://schemas.openxmlformats.org/presentationml/2006/main">
   <p:cSld>
     <p:spTree>
@@ -43229,10 +44982,10 @@
       </p:grpSpPr>
       <p:sp>
         <p:nvSpPr>
-          <p:cNvPr id="2" name="標題 1">
+          <p:cNvPr id="4" name="標題 3">
             <a:extLst>
               <a:ext uri="{FF2B5EF4-FFF2-40B4-BE49-F238E27FC236}">
-                <a16:creationId xmlns:a16="http://schemas.microsoft.com/office/drawing/2014/main" id="{91055CA2-9151-4700-A514-8177F91F5454}"/>
+                <a16:creationId xmlns:a16="http://schemas.microsoft.com/office/drawing/2014/main" id="{3C618BD0-7357-4F85-A56C-747DCD526A29}"/>
               </a:ext>
             </a:extLst>
           </p:cNvPr>
@@ -43245,55 +44998,61 @@
         </p:nvSpPr>
         <p:spPr>
           <a:xfrm>
-            <a:off x="832103" y="3886200"/>
-            <a:ext cx="8872335" cy="859055"/>
+            <a:off x="444500" y="542925"/>
+            <a:ext cx="11214100" cy="923330"/>
           </a:xfrm>
         </p:spPr>
-        <p:txBody>
-          <a:bodyPr>
-            <a:normAutofit/>
-          </a:bodyPr>
-          <a:lstStyle/>
-          <a:p>
-            <a:r>
-              <a:rPr lang="en-US" altLang="zh-TW" dirty="0"/>
-              <a:t>CH4-1 First Program</a:t>
-            </a:r>
-            <a:endParaRPr lang="zh-TW" altLang="en-US" dirty="0"/>
-          </a:p>
-        </p:txBody>
-      </p:sp>
-      <p:sp>
-        <p:nvSpPr>
-          <p:cNvPr id="8" name="文字版面配置區 7">
-            <a:extLst>
-              <a:ext uri="{FF2B5EF4-FFF2-40B4-BE49-F238E27FC236}">
-                <a16:creationId xmlns:a16="http://schemas.microsoft.com/office/drawing/2014/main" id="{2FBA4162-9C94-4F0C-ABD1-41DD5CA22EB1}"/>
-              </a:ext>
-            </a:extLst>
-          </p:cNvPr>
-          <p:cNvSpPr>
-            <a:spLocks noGrp="1"/>
-          </p:cNvSpPr>
-          <p:nvPr>
-            <p:ph type="body" idx="1"/>
-          </p:nvPr>
-        </p:nvSpPr>
-        <p:spPr/>
         <p:txBody>
           <a:bodyPr/>
           <a:lstStyle/>
           <a:p>
-            <a:endParaRPr lang="zh-TW" altLang="en-US" dirty="0"/>
+            <a:r>
+              <a:rPr lang="en-US" altLang="zh-TW" sz="6000" dirty="0"/>
+              <a:t>Practice3 - </a:t>
+            </a:r>
+            <a:r>
+              <a:rPr lang="en-US" altLang="zh-TW" sz="6000" dirty="0" err="1"/>
+              <a:t>ans</a:t>
+            </a:r>
+            <a:endParaRPr lang="zh-TW" altLang="en-US" sz="6000" dirty="0"/>
           </a:p>
         </p:txBody>
       </p:sp>
+      <p:pic>
+        <p:nvPicPr>
+          <p:cNvPr id="15" name="內容版面配置區 14">
+            <a:extLst>
+              <a:ext uri="{FF2B5EF4-FFF2-40B4-BE49-F238E27FC236}">
+                <a16:creationId xmlns:a16="http://schemas.microsoft.com/office/drawing/2014/main" id="{CE2B5035-8DB8-40C2-AF65-5111FEFEDF09}"/>
+              </a:ext>
+            </a:extLst>
+          </p:cNvPr>
+          <p:cNvPicPr>
+            <a:picLocks noGrp="1" noChangeAspect="1"/>
+          </p:cNvPicPr>
+          <p:nvPr>
+            <p:ph idx="1"/>
+          </p:nvPr>
+        </p:nvPicPr>
+        <p:blipFill>
+          <a:blip r:embed="rId3"/>
+          <a:stretch>
+            <a:fillRect/>
+          </a:stretch>
+        </p:blipFill>
+        <p:spPr>
+          <a:xfrm>
+            <a:off x="6122846" y="2032174"/>
+            <a:ext cx="5535754" cy="3785417"/>
+          </a:xfrm>
+        </p:spPr>
+      </p:pic>
       <p:grpSp>
         <p:nvGrpSpPr>
           <p:cNvPr id="6" name="群組 5">
             <a:extLst>
               <a:ext uri="{FF2B5EF4-FFF2-40B4-BE49-F238E27FC236}">
-                <a16:creationId xmlns:a16="http://schemas.microsoft.com/office/drawing/2014/main" id="{5332CB9B-6EC6-4D67-9F1B-4593DEEE5AEF}"/>
+                <a16:creationId xmlns:a16="http://schemas.microsoft.com/office/drawing/2014/main" id="{1DB03A09-EFA9-446E-B14E-714605BE7F02}"/>
               </a:ext>
             </a:extLst>
           </p:cNvPr>
@@ -43302,18 +45061,18 @@
         </p:nvGrpSpPr>
         <p:grpSpPr>
           <a:xfrm>
-            <a:off x="0" y="6192732"/>
-            <a:ext cx="12192000" cy="684203"/>
+            <a:off x="0" y="6176963"/>
+            <a:ext cx="12192000" cy="703140"/>
             <a:chOff x="0" y="6192732"/>
-            <a:chExt cx="12192000" cy="684203"/>
+            <a:chExt cx="12192000" cy="703140"/>
           </a:xfrm>
         </p:grpSpPr>
         <p:sp>
           <p:nvSpPr>
-            <p:cNvPr id="4" name="矩形 3">
+            <p:cNvPr id="7" name="矩形 6">
               <a:extLst>
                 <a:ext uri="{FF2B5EF4-FFF2-40B4-BE49-F238E27FC236}">
-                  <a16:creationId xmlns:a16="http://schemas.microsoft.com/office/drawing/2014/main" id="{6C8234D0-73A2-4990-9FCA-1006BFAE283E}"/>
+                  <a16:creationId xmlns:a16="http://schemas.microsoft.com/office/drawing/2014/main" id="{30DA9C63-756D-4B37-9F80-D982634B6A42}"/>
                 </a:ext>
               </a:extLst>
             </p:cNvPr>
@@ -43323,7 +45082,7 @@
           <p:spPr>
             <a:xfrm>
               <a:off x="0" y="6212114"/>
-              <a:ext cx="12192000" cy="645886"/>
+              <a:ext cx="12192000" cy="683758"/>
             </a:xfrm>
             <a:prstGeom prst="rect">
               <a:avLst/>
@@ -43366,10 +45125,10 @@
         </p:sp>
         <p:sp>
           <p:nvSpPr>
-            <p:cNvPr id="5" name="文字方塊 4">
+            <p:cNvPr id="8" name="文字方塊 7">
               <a:extLst>
                 <a:ext uri="{FF2B5EF4-FFF2-40B4-BE49-F238E27FC236}">
-                  <a16:creationId xmlns:a16="http://schemas.microsoft.com/office/drawing/2014/main" id="{E210E545-7413-4E61-BDBD-429550CC7824}"/>
+                  <a16:creationId xmlns:a16="http://schemas.microsoft.com/office/drawing/2014/main" id="{A617ED4E-876A-4C6A-B2FD-ABFA65439411}"/>
                 </a:ext>
               </a:extLst>
             </p:cNvPr>
@@ -43408,10 +45167,335 @@
         </p:sp>
         <p:pic>
           <p:nvPicPr>
-            <p:cNvPr id="7" name="圖片 6">
+            <p:cNvPr id="9" name="圖片 8">
               <a:extLst>
                 <a:ext uri="{FF2B5EF4-FFF2-40B4-BE49-F238E27FC236}">
-                  <a16:creationId xmlns:a16="http://schemas.microsoft.com/office/drawing/2014/main" id="{8C621DAE-2C66-4122-B88B-CBA1A3C4024A}"/>
+                  <a16:creationId xmlns:a16="http://schemas.microsoft.com/office/drawing/2014/main" id="{20FE69CC-E546-459D-9C4E-D47BE26B4B2E}"/>
+                </a:ext>
+              </a:extLst>
+            </p:cNvPr>
+            <p:cNvPicPr>
+              <a:picLocks noChangeAspect="1"/>
+            </p:cNvPicPr>
+            <p:nvPr/>
+          </p:nvPicPr>
+          <p:blipFill>
+            <a:blip r:embed="rId4">
+              <a:extLst>
+                <a:ext uri="{28A0092B-C50C-407E-A947-70E740481C1C}">
+                  <a14:useLocalDpi xmlns:a14="http://schemas.microsoft.com/office/drawing/2010/main" val="0"/>
+                </a:ext>
+              </a:extLst>
+            </a:blip>
+            <a:stretch>
+              <a:fillRect/>
+            </a:stretch>
+          </p:blipFill>
+          <p:spPr>
+            <a:xfrm>
+              <a:off x="10330269" y="6244819"/>
+              <a:ext cx="580027" cy="580027"/>
+            </a:xfrm>
+            <a:prstGeom prst="rect">
+              <a:avLst/>
+            </a:prstGeom>
+          </p:spPr>
+        </p:pic>
+        <p:pic>
+          <p:nvPicPr>
+            <p:cNvPr id="10" name="圖片 9">
+              <a:extLst>
+                <a:ext uri="{FF2B5EF4-FFF2-40B4-BE49-F238E27FC236}">
+                  <a16:creationId xmlns:a16="http://schemas.microsoft.com/office/drawing/2014/main" id="{05D3740C-3C2F-49BC-B8F4-176998CD17A5}"/>
+                </a:ext>
+              </a:extLst>
+            </p:cNvPr>
+            <p:cNvPicPr>
+              <a:picLocks noChangeAspect="1"/>
+            </p:cNvPicPr>
+            <p:nvPr/>
+          </p:nvPicPr>
+          <p:blipFill>
+            <a:blip r:embed="rId5">
+              <a:extLst>
+                <a:ext uri="{28A0092B-C50C-407E-A947-70E740481C1C}">
+                  <a14:useLocalDpi xmlns:a14="http://schemas.microsoft.com/office/drawing/2010/main" val="0"/>
+                </a:ext>
+              </a:extLst>
+            </a:blip>
+            <a:stretch>
+              <a:fillRect/>
+            </a:stretch>
+          </p:blipFill>
+          <p:spPr>
+            <a:xfrm>
+              <a:off x="1343227" y="6192732"/>
+              <a:ext cx="684203" cy="684203"/>
+            </a:xfrm>
+            <a:prstGeom prst="rect">
+              <a:avLst/>
+            </a:prstGeom>
+          </p:spPr>
+        </p:pic>
+      </p:grpSp>
+      <p:pic>
+        <p:nvPicPr>
+          <p:cNvPr id="3" name="圖片 2">
+            <a:extLst>
+              <a:ext uri="{FF2B5EF4-FFF2-40B4-BE49-F238E27FC236}">
+                <a16:creationId xmlns:a16="http://schemas.microsoft.com/office/drawing/2014/main" id="{6031A15C-2FB0-47A4-92B3-969E15E2C792}"/>
+              </a:ext>
+            </a:extLst>
+          </p:cNvPr>
+          <p:cNvPicPr>
+            <a:picLocks noChangeAspect="1"/>
+          </p:cNvPicPr>
+          <p:nvPr/>
+        </p:nvPicPr>
+        <p:blipFill>
+          <a:blip r:embed="rId6"/>
+          <a:stretch>
+            <a:fillRect/>
+          </a:stretch>
+        </p:blipFill>
+        <p:spPr>
+          <a:xfrm>
+            <a:off x="443365" y="2032175"/>
+            <a:ext cx="5240075" cy="3785417"/>
+          </a:xfrm>
+          <a:prstGeom prst="rect">
+            <a:avLst/>
+          </a:prstGeom>
+        </p:spPr>
+      </p:pic>
+    </p:spTree>
+    <p:extLst>
+      <p:ext uri="{BB962C8B-B14F-4D97-AF65-F5344CB8AC3E}">
+        <p14:creationId xmlns:p14="http://schemas.microsoft.com/office/powerpoint/2010/main" val="162978049"/>
+      </p:ext>
+    </p:extLst>
+  </p:cSld>
+  <p:clrMapOvr>
+    <a:masterClrMapping/>
+  </p:clrMapOvr>
+</p:sld>
+</file>
+
+<file path=ppt/slides/slide46.xml><?xml version="1.0" encoding="utf-8"?>
+<p:sld xmlns:a="http://schemas.openxmlformats.org/drawingml/2006/main" xmlns:r="http://schemas.openxmlformats.org/officeDocument/2006/relationships" xmlns:p="http://schemas.openxmlformats.org/presentationml/2006/main">
+  <p:cSld>
+    <p:spTree>
+      <p:nvGrpSpPr>
+        <p:cNvPr id="1" name=""/>
+        <p:cNvGrpSpPr/>
+        <p:nvPr/>
+      </p:nvGrpSpPr>
+      <p:grpSpPr>
+        <a:xfrm>
+          <a:off x="0" y="0"/>
+          <a:ext cx="0" cy="0"/>
+          <a:chOff x="0" y="0"/>
+          <a:chExt cx="0" cy="0"/>
+        </a:xfrm>
+      </p:grpSpPr>
+      <p:sp>
+        <p:nvSpPr>
+          <p:cNvPr id="4" name="標題 3">
+            <a:extLst>
+              <a:ext uri="{FF2B5EF4-FFF2-40B4-BE49-F238E27FC236}">
+                <a16:creationId xmlns:a16="http://schemas.microsoft.com/office/drawing/2014/main" id="{3C618BD0-7357-4F85-A56C-747DCD526A29}"/>
+              </a:ext>
+            </a:extLst>
+          </p:cNvPr>
+          <p:cNvSpPr>
+            <a:spLocks noGrp="1"/>
+          </p:cNvSpPr>
+          <p:nvPr>
+            <p:ph type="title"/>
+          </p:nvPr>
+        </p:nvSpPr>
+        <p:spPr>
+          <a:xfrm>
+            <a:off x="444500" y="542925"/>
+            <a:ext cx="11214100" cy="923330"/>
+          </a:xfrm>
+        </p:spPr>
+        <p:txBody>
+          <a:bodyPr/>
+          <a:lstStyle/>
+          <a:p>
+            <a:r>
+              <a:rPr lang="en-US" altLang="zh-TW" sz="6000" dirty="0"/>
+              <a:t>Practice3 - </a:t>
+            </a:r>
+            <a:r>
+              <a:rPr lang="en-US" altLang="zh-TW" sz="6000" dirty="0" err="1"/>
+              <a:t>ans</a:t>
+            </a:r>
+            <a:endParaRPr lang="zh-TW" altLang="en-US" sz="6000" dirty="0"/>
+          </a:p>
+        </p:txBody>
+      </p:sp>
+      <p:grpSp>
+        <p:nvGrpSpPr>
+          <p:cNvPr id="6" name="群組 5">
+            <a:extLst>
+              <a:ext uri="{FF2B5EF4-FFF2-40B4-BE49-F238E27FC236}">
+                <a16:creationId xmlns:a16="http://schemas.microsoft.com/office/drawing/2014/main" id="{1DB03A09-EFA9-446E-B14E-714605BE7F02}"/>
+              </a:ext>
+            </a:extLst>
+          </p:cNvPr>
+          <p:cNvGrpSpPr/>
+          <p:nvPr/>
+        </p:nvGrpSpPr>
+        <p:grpSpPr>
+          <a:xfrm>
+            <a:off x="0" y="6176963"/>
+            <a:ext cx="12192000" cy="703140"/>
+            <a:chOff x="0" y="6192732"/>
+            <a:chExt cx="12192000" cy="703140"/>
+          </a:xfrm>
+        </p:grpSpPr>
+        <p:sp>
+          <p:nvSpPr>
+            <p:cNvPr id="7" name="矩形 6">
+              <a:extLst>
+                <a:ext uri="{FF2B5EF4-FFF2-40B4-BE49-F238E27FC236}">
+                  <a16:creationId xmlns:a16="http://schemas.microsoft.com/office/drawing/2014/main" id="{30DA9C63-756D-4B37-9F80-D982634B6A42}"/>
+                </a:ext>
+              </a:extLst>
+            </p:cNvPr>
+            <p:cNvSpPr/>
+            <p:nvPr/>
+          </p:nvSpPr>
+          <p:spPr>
+            <a:xfrm>
+              <a:off x="0" y="6212114"/>
+              <a:ext cx="12192000" cy="683758"/>
+            </a:xfrm>
+            <a:prstGeom prst="rect">
+              <a:avLst/>
+            </a:prstGeom>
+            <a:solidFill>
+              <a:srgbClr val="0065A4"/>
+            </a:solidFill>
+            <a:ln>
+              <a:noFill/>
+            </a:ln>
+          </p:spPr>
+          <p:style>
+            <a:lnRef idx="2">
+              <a:schemeClr val="accent5">
+                <a:shade val="50000"/>
+              </a:schemeClr>
+            </a:lnRef>
+            <a:fillRef idx="1">
+              <a:schemeClr val="accent5"/>
+            </a:fillRef>
+            <a:effectRef idx="0">
+              <a:schemeClr val="accent5"/>
+            </a:effectRef>
+            <a:fontRef idx="minor">
+              <a:schemeClr val="lt1"/>
+            </a:fontRef>
+          </p:style>
+          <p:txBody>
+            <a:bodyPr rtlCol="0" anchor="ctr"/>
+            <a:lstStyle/>
+            <a:p>
+              <a:pPr algn="ctr"/>
+              <a:endParaRPr lang="zh-TW" altLang="en-US" dirty="0">
+                <a:highlight>
+                  <a:srgbClr val="00FFFF"/>
+                </a:highlight>
+              </a:endParaRPr>
+            </a:p>
+          </p:txBody>
+        </p:sp>
+        <p:sp>
+          <p:nvSpPr>
+            <p:cNvPr id="8" name="文字方塊 7">
+              <a:extLst>
+                <a:ext uri="{FF2B5EF4-FFF2-40B4-BE49-F238E27FC236}">
+                  <a16:creationId xmlns:a16="http://schemas.microsoft.com/office/drawing/2014/main" id="{A617ED4E-876A-4C6A-B2FD-ABFA65439411}"/>
+                </a:ext>
+              </a:extLst>
+            </p:cNvPr>
+            <p:cNvSpPr txBox="1"/>
+            <p:nvPr/>
+          </p:nvSpPr>
+          <p:spPr>
+            <a:xfrm flipH="1">
+              <a:off x="3186974" y="6211669"/>
+              <a:ext cx="5818052" cy="646331"/>
+            </a:xfrm>
+            <a:prstGeom prst="rect">
+              <a:avLst/>
+            </a:prstGeom>
+            <a:noFill/>
+          </p:spPr>
+          <p:txBody>
+            <a:bodyPr wrap="square" rtlCol="0">
+              <a:spAutoFit/>
+            </a:bodyPr>
+            <a:lstStyle/>
+            <a:p>
+              <a:pPr algn="dist"/>
+              <a:r>
+                <a:rPr lang="zh-TW" altLang="en-US" sz="3600" dirty="0">
+                  <a:solidFill>
+                    <a:schemeClr val="bg1"/>
+                  </a:solidFill>
+                  <a:latin typeface="標楷體" panose="03000509000000000000" pitchFamily="65" charset="-120"/>
+                  <a:ea typeface="標楷體" panose="03000509000000000000" pitchFamily="65" charset="-120"/>
+                </a:rPr>
+                <a:t>電機事務所</a:t>
+              </a:r>
+            </a:p>
+          </p:txBody>
+        </p:sp>
+        <p:pic>
+          <p:nvPicPr>
+            <p:cNvPr id="9" name="圖片 8">
+              <a:extLst>
+                <a:ext uri="{FF2B5EF4-FFF2-40B4-BE49-F238E27FC236}">
+                  <a16:creationId xmlns:a16="http://schemas.microsoft.com/office/drawing/2014/main" id="{20FE69CC-E546-459D-9C4E-D47BE26B4B2E}"/>
+                </a:ext>
+              </a:extLst>
+            </p:cNvPr>
+            <p:cNvPicPr>
+              <a:picLocks noChangeAspect="1"/>
+            </p:cNvPicPr>
+            <p:nvPr/>
+          </p:nvPicPr>
+          <p:blipFill>
+            <a:blip r:embed="rId2">
+              <a:extLst>
+                <a:ext uri="{28A0092B-C50C-407E-A947-70E740481C1C}">
+                  <a14:useLocalDpi xmlns:a14="http://schemas.microsoft.com/office/drawing/2010/main" val="0"/>
+                </a:ext>
+              </a:extLst>
+            </a:blip>
+            <a:stretch>
+              <a:fillRect/>
+            </a:stretch>
+          </p:blipFill>
+          <p:spPr>
+            <a:xfrm>
+              <a:off x="10330269" y="6244819"/>
+              <a:ext cx="580027" cy="580027"/>
+            </a:xfrm>
+            <a:prstGeom prst="rect">
+              <a:avLst/>
+            </a:prstGeom>
+          </p:spPr>
+        </p:pic>
+        <p:pic>
+          <p:nvPicPr>
+            <p:cNvPr id="10" name="圖片 9">
+              <a:extLst>
+                <a:ext uri="{FF2B5EF4-FFF2-40B4-BE49-F238E27FC236}">
+                  <a16:creationId xmlns:a16="http://schemas.microsoft.com/office/drawing/2014/main" id="{05D3740C-3C2F-49BC-B8F4-176998CD17A5}"/>
                 </a:ext>
               </a:extLst>
             </p:cNvPr>
@@ -43434,42 +45518,6 @@
           </p:blipFill>
           <p:spPr>
             <a:xfrm>
-              <a:off x="10330269" y="6244819"/>
-              <a:ext cx="580027" cy="580027"/>
-            </a:xfrm>
-            <a:prstGeom prst="rect">
-              <a:avLst/>
-            </a:prstGeom>
-          </p:spPr>
-        </p:pic>
-        <p:pic>
-          <p:nvPicPr>
-            <p:cNvPr id="9" name="圖片 8">
-              <a:extLst>
-                <a:ext uri="{FF2B5EF4-FFF2-40B4-BE49-F238E27FC236}">
-                  <a16:creationId xmlns:a16="http://schemas.microsoft.com/office/drawing/2014/main" id="{5255F4DD-0635-4B14-A1FF-7BC0A0799ACF}"/>
-                </a:ext>
-              </a:extLst>
-            </p:cNvPr>
-            <p:cNvPicPr>
-              <a:picLocks noChangeAspect="1"/>
-            </p:cNvPicPr>
-            <p:nvPr/>
-          </p:nvPicPr>
-          <p:blipFill>
-            <a:blip r:embed="rId4">
-              <a:extLst>
-                <a:ext uri="{28A0092B-C50C-407E-A947-70E740481C1C}">
-                  <a14:useLocalDpi xmlns:a14="http://schemas.microsoft.com/office/drawing/2010/main" val="0"/>
-                </a:ext>
-              </a:extLst>
-            </a:blip>
-            <a:stretch>
-              <a:fillRect/>
-            </a:stretch>
-          </p:blipFill>
-          <p:spPr>
-            <a:xfrm>
               <a:off x="1343227" y="6192732"/>
               <a:ext cx="684203" cy="684203"/>
             </a:xfrm>
@@ -43479,10 +45527,70 @@
           </p:spPr>
         </p:pic>
       </p:grpSp>
+      <p:pic>
+        <p:nvPicPr>
+          <p:cNvPr id="14" name="圖片 13">
+            <a:extLst>
+              <a:ext uri="{FF2B5EF4-FFF2-40B4-BE49-F238E27FC236}">
+                <a16:creationId xmlns:a16="http://schemas.microsoft.com/office/drawing/2014/main" id="{83078AEF-8D89-4DC8-A7B8-53F08A10CD28}"/>
+              </a:ext>
+            </a:extLst>
+          </p:cNvPr>
+          <p:cNvPicPr>
+            <a:picLocks noChangeAspect="1"/>
+          </p:cNvPicPr>
+          <p:nvPr/>
+        </p:nvPicPr>
+        <p:blipFill>
+          <a:blip r:embed="rId4"/>
+          <a:stretch>
+            <a:fillRect/>
+          </a:stretch>
+        </p:blipFill>
+        <p:spPr>
+          <a:xfrm>
+            <a:off x="1343227" y="2349000"/>
+            <a:ext cx="4664682" cy="2327931"/>
+          </a:xfrm>
+          <a:prstGeom prst="rect">
+            <a:avLst/>
+          </a:prstGeom>
+        </p:spPr>
+      </p:pic>
+      <p:pic>
+        <p:nvPicPr>
+          <p:cNvPr id="21" name="圖片 20">
+            <a:extLst>
+              <a:ext uri="{FF2B5EF4-FFF2-40B4-BE49-F238E27FC236}">
+                <a16:creationId xmlns:a16="http://schemas.microsoft.com/office/drawing/2014/main" id="{5CF197D2-B5AE-48F8-80CE-2C71F9C66848}"/>
+              </a:ext>
+            </a:extLst>
+          </p:cNvPr>
+          <p:cNvPicPr>
+            <a:picLocks noChangeAspect="1"/>
+          </p:cNvPicPr>
+          <p:nvPr/>
+        </p:nvPicPr>
+        <p:blipFill>
+          <a:blip r:embed="rId5"/>
+          <a:stretch>
+            <a:fillRect/>
+          </a:stretch>
+        </p:blipFill>
+        <p:spPr>
+          <a:xfrm>
+            <a:off x="6184093" y="2349000"/>
+            <a:ext cx="4665361" cy="2327930"/>
+          </a:xfrm>
+          <a:prstGeom prst="rect">
+            <a:avLst/>
+          </a:prstGeom>
+        </p:spPr>
+      </p:pic>
     </p:spTree>
     <p:extLst>
       <p:ext uri="{BB962C8B-B14F-4D97-AF65-F5344CB8AC3E}">
-        <p14:creationId xmlns:p14="http://schemas.microsoft.com/office/powerpoint/2010/main" val="3666876543"/>
+        <p14:creationId xmlns:p14="http://schemas.microsoft.com/office/powerpoint/2010/main" val="1848676804"/>
       </p:ext>
     </p:extLst>
   </p:cSld>
@@ -43492,7 +45600,7 @@
 </p:sld>
 </file>
 
-<file path=ppt/slides/slide40.xml><?xml version="1.0" encoding="utf-8"?>
+<file path=ppt/slides/slide47.xml><?xml version="1.0" encoding="utf-8"?>
 <p:sld xmlns:a="http://schemas.openxmlformats.org/drawingml/2006/main" xmlns:r="http://schemas.openxmlformats.org/officeDocument/2006/relationships" xmlns:p="http://schemas.openxmlformats.org/presentationml/2006/main">
   <p:cSld>
     <p:spTree>
@@ -43790,7 +45898,7 @@
 </p:sld>
 </file>
 
-<file path=ppt/slides/slide41.xml><?xml version="1.0" encoding="utf-8"?>
+<file path=ppt/slides/slide48.xml><?xml version="1.0" encoding="utf-8"?>
 <p:sld xmlns:a="http://schemas.openxmlformats.org/drawingml/2006/main" xmlns:r="http://schemas.openxmlformats.org/officeDocument/2006/relationships" xmlns:p="http://schemas.openxmlformats.org/presentationml/2006/main">
   <p:cSld>
     <p:spTree>
@@ -43877,13 +45985,12 @@
             </a:endParaRPr>
           </a:p>
           <a:p>
-            <a:endParaRPr lang="en-US" altLang="zh-TW" sz="3600" dirty="0">
+            <a:endParaRPr lang="en-US" altLang="zh-TW" sz="3200" dirty="0">
               <a:latin typeface="微軟正黑體" panose="020B0604030504040204" pitchFamily="34" charset="-120"/>
               <a:ea typeface="微軟正黑體" panose="020B0604030504040204" pitchFamily="34" charset="-120"/>
             </a:endParaRPr>
           </a:p>
           <a:p>
-            <a:pPr lvl="1"/>
             <a:r>
               <a:rPr lang="en-US" altLang="zh-TW" sz="3200" dirty="0">
                 <a:latin typeface="微軟正黑體" panose="020B0604030504040204" pitchFamily="34" charset="-120"/>
@@ -43946,14 +46053,12 @@
             </a:endParaRPr>
           </a:p>
           <a:p>
-            <a:pPr lvl="1"/>
             <a:endParaRPr lang="en-US" altLang="zh-TW" sz="3200" dirty="0">
               <a:latin typeface="微軟正黑體" panose="020B0604030504040204" pitchFamily="34" charset="-120"/>
               <a:ea typeface="微軟正黑體" panose="020B0604030504040204" pitchFamily="34" charset="-120"/>
             </a:endParaRPr>
           </a:p>
           <a:p>
-            <a:pPr lvl="1"/>
             <a:r>
               <a:rPr lang="en-US" altLang="zh-TW" sz="3200" dirty="0">
                 <a:latin typeface="微軟正黑體" panose="020B0604030504040204" pitchFamily="34" charset="-120"/>
@@ -44193,7 +46298,7 @@
 </p:sld>
 </file>
 
-<file path=ppt/slides/slide42.xml><?xml version="1.0" encoding="utf-8"?>
+<file path=ppt/slides/slide49.xml><?xml version="1.0" encoding="utf-8"?>
 <p:sld xmlns:a="http://schemas.openxmlformats.org/drawingml/2006/main" xmlns:r="http://schemas.openxmlformats.org/officeDocument/2006/relationships" xmlns:p="http://schemas.openxmlformats.org/presentationml/2006/main">
   <p:cSld>
     <p:spTree>
@@ -44601,7 +46706,744 @@
 </p:sld>
 </file>
 
-<file path=ppt/slides/slide43.xml><?xml version="1.0" encoding="utf-8"?>
+<file path=ppt/slides/slide5.xml><?xml version="1.0" encoding="utf-8"?>
+<p:sld xmlns:a="http://schemas.openxmlformats.org/drawingml/2006/main" xmlns:r="http://schemas.openxmlformats.org/officeDocument/2006/relationships" xmlns:p="http://schemas.openxmlformats.org/presentationml/2006/main">
+  <p:cSld>
+    <p:spTree>
+      <p:nvGrpSpPr>
+        <p:cNvPr id="1" name=""/>
+        <p:cNvGrpSpPr/>
+        <p:nvPr/>
+      </p:nvGrpSpPr>
+      <p:grpSpPr>
+        <a:xfrm>
+          <a:off x="0" y="0"/>
+          <a:ext cx="0" cy="0"/>
+          <a:chOff x="0" y="0"/>
+          <a:chExt cx="0" cy="0"/>
+        </a:xfrm>
+      </p:grpSpPr>
+      <p:sp>
+        <p:nvSpPr>
+          <p:cNvPr id="4" name="標題 3">
+            <a:extLst>
+              <a:ext uri="{FF2B5EF4-FFF2-40B4-BE49-F238E27FC236}">
+                <a16:creationId xmlns:a16="http://schemas.microsoft.com/office/drawing/2014/main" id="{3C618BD0-7357-4F85-A56C-747DCD526A29}"/>
+              </a:ext>
+            </a:extLst>
+          </p:cNvPr>
+          <p:cNvSpPr>
+            <a:spLocks noGrp="1"/>
+          </p:cNvSpPr>
+          <p:nvPr>
+            <p:ph type="title"/>
+          </p:nvPr>
+        </p:nvSpPr>
+        <p:spPr>
+          <a:xfrm>
+            <a:off x="444500" y="542925"/>
+            <a:ext cx="11214100" cy="923330"/>
+          </a:xfrm>
+        </p:spPr>
+        <p:txBody>
+          <a:bodyPr/>
+          <a:lstStyle/>
+          <a:p>
+            <a:r>
+              <a:rPr lang="en-US" altLang="zh-TW" sz="6000" dirty="0"/>
+              <a:t>IDE </a:t>
+            </a:r>
+            <a:r>
+              <a:rPr lang="en-US" altLang="zh-TW" sz="6000" dirty="0" err="1"/>
+              <a:t>Funcitons</a:t>
+            </a:r>
+            <a:endParaRPr lang="zh-TW" altLang="en-US" sz="6000" dirty="0"/>
+          </a:p>
+        </p:txBody>
+      </p:sp>
+      <p:grpSp>
+        <p:nvGrpSpPr>
+          <p:cNvPr id="6" name="群組 5">
+            <a:extLst>
+              <a:ext uri="{FF2B5EF4-FFF2-40B4-BE49-F238E27FC236}">
+                <a16:creationId xmlns:a16="http://schemas.microsoft.com/office/drawing/2014/main" id="{1DB03A09-EFA9-446E-B14E-714605BE7F02}"/>
+              </a:ext>
+            </a:extLst>
+          </p:cNvPr>
+          <p:cNvGrpSpPr/>
+          <p:nvPr/>
+        </p:nvGrpSpPr>
+        <p:grpSpPr>
+          <a:xfrm>
+            <a:off x="0" y="6176963"/>
+            <a:ext cx="12192000" cy="703140"/>
+            <a:chOff x="0" y="6192732"/>
+            <a:chExt cx="12192000" cy="703140"/>
+          </a:xfrm>
+        </p:grpSpPr>
+        <p:sp>
+          <p:nvSpPr>
+            <p:cNvPr id="7" name="矩形 6">
+              <a:extLst>
+                <a:ext uri="{FF2B5EF4-FFF2-40B4-BE49-F238E27FC236}">
+                  <a16:creationId xmlns:a16="http://schemas.microsoft.com/office/drawing/2014/main" id="{30DA9C63-756D-4B37-9F80-D982634B6A42}"/>
+                </a:ext>
+              </a:extLst>
+            </p:cNvPr>
+            <p:cNvSpPr/>
+            <p:nvPr/>
+          </p:nvSpPr>
+          <p:spPr>
+            <a:xfrm>
+              <a:off x="0" y="6212114"/>
+              <a:ext cx="12192000" cy="683758"/>
+            </a:xfrm>
+            <a:prstGeom prst="rect">
+              <a:avLst/>
+            </a:prstGeom>
+            <a:solidFill>
+              <a:srgbClr val="0065A4"/>
+            </a:solidFill>
+            <a:ln>
+              <a:noFill/>
+            </a:ln>
+          </p:spPr>
+          <p:style>
+            <a:lnRef idx="2">
+              <a:schemeClr val="accent5">
+                <a:shade val="50000"/>
+              </a:schemeClr>
+            </a:lnRef>
+            <a:fillRef idx="1">
+              <a:schemeClr val="accent5"/>
+            </a:fillRef>
+            <a:effectRef idx="0">
+              <a:schemeClr val="accent5"/>
+            </a:effectRef>
+            <a:fontRef idx="minor">
+              <a:schemeClr val="lt1"/>
+            </a:fontRef>
+          </p:style>
+          <p:txBody>
+            <a:bodyPr rtlCol="0" anchor="ctr"/>
+            <a:lstStyle/>
+            <a:p>
+              <a:pPr algn="ctr"/>
+              <a:endParaRPr lang="zh-TW" altLang="en-US" dirty="0">
+                <a:highlight>
+                  <a:srgbClr val="00FFFF"/>
+                </a:highlight>
+              </a:endParaRPr>
+            </a:p>
+          </p:txBody>
+        </p:sp>
+        <p:sp>
+          <p:nvSpPr>
+            <p:cNvPr id="8" name="文字方塊 7">
+              <a:extLst>
+                <a:ext uri="{FF2B5EF4-FFF2-40B4-BE49-F238E27FC236}">
+                  <a16:creationId xmlns:a16="http://schemas.microsoft.com/office/drawing/2014/main" id="{A617ED4E-876A-4C6A-B2FD-ABFA65439411}"/>
+                </a:ext>
+              </a:extLst>
+            </p:cNvPr>
+            <p:cNvSpPr txBox="1"/>
+            <p:nvPr/>
+          </p:nvSpPr>
+          <p:spPr>
+            <a:xfrm flipH="1">
+              <a:off x="3186974" y="6211669"/>
+              <a:ext cx="5818052" cy="646331"/>
+            </a:xfrm>
+            <a:prstGeom prst="rect">
+              <a:avLst/>
+            </a:prstGeom>
+            <a:noFill/>
+          </p:spPr>
+          <p:txBody>
+            <a:bodyPr wrap="square" rtlCol="0">
+              <a:spAutoFit/>
+            </a:bodyPr>
+            <a:lstStyle/>
+            <a:p>
+              <a:pPr algn="dist"/>
+              <a:r>
+                <a:rPr lang="zh-TW" altLang="en-US" sz="3600" dirty="0">
+                  <a:solidFill>
+                    <a:schemeClr val="bg1"/>
+                  </a:solidFill>
+                  <a:latin typeface="標楷體" panose="03000509000000000000" pitchFamily="65" charset="-120"/>
+                  <a:ea typeface="標楷體" panose="03000509000000000000" pitchFamily="65" charset="-120"/>
+                </a:rPr>
+                <a:t>電機事務所</a:t>
+              </a:r>
+            </a:p>
+          </p:txBody>
+        </p:sp>
+        <p:pic>
+          <p:nvPicPr>
+            <p:cNvPr id="9" name="圖片 8">
+              <a:extLst>
+                <a:ext uri="{FF2B5EF4-FFF2-40B4-BE49-F238E27FC236}">
+                  <a16:creationId xmlns:a16="http://schemas.microsoft.com/office/drawing/2014/main" id="{20FE69CC-E546-459D-9C4E-D47BE26B4B2E}"/>
+                </a:ext>
+              </a:extLst>
+            </p:cNvPr>
+            <p:cNvPicPr>
+              <a:picLocks noChangeAspect="1"/>
+            </p:cNvPicPr>
+            <p:nvPr/>
+          </p:nvPicPr>
+          <p:blipFill>
+            <a:blip r:embed="rId3">
+              <a:extLst>
+                <a:ext uri="{28A0092B-C50C-407E-A947-70E740481C1C}">
+                  <a14:useLocalDpi xmlns:a14="http://schemas.microsoft.com/office/drawing/2010/main" val="0"/>
+                </a:ext>
+              </a:extLst>
+            </a:blip>
+            <a:stretch>
+              <a:fillRect/>
+            </a:stretch>
+          </p:blipFill>
+          <p:spPr>
+            <a:xfrm>
+              <a:off x="10330269" y="6244819"/>
+              <a:ext cx="580027" cy="580027"/>
+            </a:xfrm>
+            <a:prstGeom prst="rect">
+              <a:avLst/>
+            </a:prstGeom>
+          </p:spPr>
+        </p:pic>
+        <p:pic>
+          <p:nvPicPr>
+            <p:cNvPr id="10" name="圖片 9">
+              <a:extLst>
+                <a:ext uri="{FF2B5EF4-FFF2-40B4-BE49-F238E27FC236}">
+                  <a16:creationId xmlns:a16="http://schemas.microsoft.com/office/drawing/2014/main" id="{05D3740C-3C2F-49BC-B8F4-176998CD17A5}"/>
+                </a:ext>
+              </a:extLst>
+            </p:cNvPr>
+            <p:cNvPicPr>
+              <a:picLocks noChangeAspect="1"/>
+            </p:cNvPicPr>
+            <p:nvPr/>
+          </p:nvPicPr>
+          <p:blipFill>
+            <a:blip r:embed="rId4">
+              <a:extLst>
+                <a:ext uri="{28A0092B-C50C-407E-A947-70E740481C1C}">
+                  <a14:useLocalDpi xmlns:a14="http://schemas.microsoft.com/office/drawing/2010/main" val="0"/>
+                </a:ext>
+              </a:extLst>
+            </a:blip>
+            <a:stretch>
+              <a:fillRect/>
+            </a:stretch>
+          </p:blipFill>
+          <p:spPr>
+            <a:xfrm>
+              <a:off x="1343227" y="6192732"/>
+              <a:ext cx="684203" cy="684203"/>
+            </a:xfrm>
+            <a:prstGeom prst="rect">
+              <a:avLst/>
+            </a:prstGeom>
+          </p:spPr>
+        </p:pic>
+      </p:grpSp>
+      <p:pic>
+        <p:nvPicPr>
+          <p:cNvPr id="18" name="圖片 17">
+            <a:extLst>
+              <a:ext uri="{FF2B5EF4-FFF2-40B4-BE49-F238E27FC236}">
+                <a16:creationId xmlns:a16="http://schemas.microsoft.com/office/drawing/2014/main" id="{A703564D-1896-47EA-A4AB-9B9CD981D086}"/>
+              </a:ext>
+            </a:extLst>
+          </p:cNvPr>
+          <p:cNvPicPr>
+            <a:picLocks noChangeAspect="1"/>
+          </p:cNvPicPr>
+          <p:nvPr/>
+        </p:nvPicPr>
+        <p:blipFill rotWithShape="1">
+          <a:blip r:embed="rId5"/>
+          <a:srcRect l="476" t="10307" b="83500"/>
+          <a:stretch/>
+        </p:blipFill>
+        <p:spPr>
+          <a:xfrm>
+            <a:off x="1668335" y="1389052"/>
+            <a:ext cx="8766429" cy="723524"/>
+          </a:xfrm>
+          <a:prstGeom prst="rect">
+            <a:avLst/>
+          </a:prstGeom>
+        </p:spPr>
+      </p:pic>
+      <p:grpSp>
+        <p:nvGrpSpPr>
+          <p:cNvPr id="2" name="群組 1">
+            <a:extLst>
+              <a:ext uri="{FF2B5EF4-FFF2-40B4-BE49-F238E27FC236}">
+                <a16:creationId xmlns:a16="http://schemas.microsoft.com/office/drawing/2014/main" id="{515F5C59-D626-4DB3-B2AC-659D07022EA9}"/>
+              </a:ext>
+            </a:extLst>
+          </p:cNvPr>
+          <p:cNvGrpSpPr/>
+          <p:nvPr/>
+        </p:nvGrpSpPr>
+        <p:grpSpPr>
+          <a:xfrm>
+            <a:off x="1685328" y="2306487"/>
+            <a:ext cx="513336" cy="3676564"/>
+            <a:chOff x="1704942" y="2220708"/>
+            <a:chExt cx="513336" cy="3676564"/>
+          </a:xfrm>
+        </p:grpSpPr>
+        <p:pic>
+          <p:nvPicPr>
+            <p:cNvPr id="19" name="圖片 18">
+              <a:extLst>
+                <a:ext uri="{FF2B5EF4-FFF2-40B4-BE49-F238E27FC236}">
+                  <a16:creationId xmlns:a16="http://schemas.microsoft.com/office/drawing/2014/main" id="{551E483E-D72E-4C40-97E7-15A32B2A8FBE}"/>
+                </a:ext>
+              </a:extLst>
+            </p:cNvPr>
+            <p:cNvPicPr>
+              <a:picLocks noChangeAspect="1"/>
+            </p:cNvPicPr>
+            <p:nvPr/>
+          </p:nvPicPr>
+          <p:blipFill>
+            <a:blip r:embed="rId6"/>
+            <a:stretch>
+              <a:fillRect/>
+            </a:stretch>
+          </p:blipFill>
+          <p:spPr>
+            <a:xfrm>
+              <a:off x="1704943" y="2220708"/>
+              <a:ext cx="513335" cy="540000"/>
+            </a:xfrm>
+            <a:prstGeom prst="rect">
+              <a:avLst/>
+            </a:prstGeom>
+          </p:spPr>
+        </p:pic>
+        <p:pic>
+          <p:nvPicPr>
+            <p:cNvPr id="20" name="圖片 19">
+              <a:extLst>
+                <a:ext uri="{FF2B5EF4-FFF2-40B4-BE49-F238E27FC236}">
+                  <a16:creationId xmlns:a16="http://schemas.microsoft.com/office/drawing/2014/main" id="{41F78274-11A8-4B88-B214-5CB1F916A8C1}"/>
+                </a:ext>
+              </a:extLst>
+            </p:cNvPr>
+            <p:cNvPicPr>
+              <a:picLocks noChangeAspect="1"/>
+            </p:cNvPicPr>
+            <p:nvPr/>
+          </p:nvPicPr>
+          <p:blipFill rotWithShape="1">
+            <a:blip r:embed="rId7"/>
+            <a:srcRect l="5147" r="5147"/>
+            <a:stretch/>
+          </p:blipFill>
+          <p:spPr>
+            <a:xfrm>
+              <a:off x="1704942" y="3475334"/>
+              <a:ext cx="513336" cy="540000"/>
+            </a:xfrm>
+            <a:prstGeom prst="rect">
+              <a:avLst/>
+            </a:prstGeom>
+          </p:spPr>
+        </p:pic>
+        <p:pic>
+          <p:nvPicPr>
+            <p:cNvPr id="21" name="圖片 20">
+              <a:extLst>
+                <a:ext uri="{FF2B5EF4-FFF2-40B4-BE49-F238E27FC236}">
+                  <a16:creationId xmlns:a16="http://schemas.microsoft.com/office/drawing/2014/main" id="{B492D25A-9978-47A1-87E2-9BAC1C98D15B}"/>
+                </a:ext>
+              </a:extLst>
+            </p:cNvPr>
+            <p:cNvPicPr>
+              <a:picLocks noChangeAspect="1"/>
+            </p:cNvPicPr>
+            <p:nvPr/>
+          </p:nvPicPr>
+          <p:blipFill rotWithShape="1">
+            <a:blip r:embed="rId8"/>
+            <a:srcRect l="5185" t="16" r="5185" b="-16"/>
+            <a:stretch/>
+          </p:blipFill>
+          <p:spPr>
+            <a:xfrm>
+              <a:off x="1704942" y="4102647"/>
+              <a:ext cx="513336" cy="540000"/>
+            </a:xfrm>
+            <a:prstGeom prst="rect">
+              <a:avLst/>
+            </a:prstGeom>
+          </p:spPr>
+        </p:pic>
+        <p:pic>
+          <p:nvPicPr>
+            <p:cNvPr id="22" name="圖片 21">
+              <a:extLst>
+                <a:ext uri="{FF2B5EF4-FFF2-40B4-BE49-F238E27FC236}">
+                  <a16:creationId xmlns:a16="http://schemas.microsoft.com/office/drawing/2014/main" id="{9B35EB41-B952-4F91-9C17-361CA277E55D}"/>
+                </a:ext>
+              </a:extLst>
+            </p:cNvPr>
+            <p:cNvPicPr>
+              <a:picLocks noChangeAspect="1"/>
+            </p:cNvPicPr>
+            <p:nvPr/>
+          </p:nvPicPr>
+          <p:blipFill rotWithShape="1">
+            <a:blip r:embed="rId9"/>
+            <a:srcRect l="3178" r="3178"/>
+            <a:stretch/>
+          </p:blipFill>
+          <p:spPr>
+            <a:xfrm>
+              <a:off x="1704942" y="4729960"/>
+              <a:ext cx="513336" cy="540000"/>
+            </a:xfrm>
+            <a:prstGeom prst="rect">
+              <a:avLst/>
+            </a:prstGeom>
+          </p:spPr>
+        </p:pic>
+        <p:pic>
+          <p:nvPicPr>
+            <p:cNvPr id="23" name="圖片 22">
+              <a:extLst>
+                <a:ext uri="{FF2B5EF4-FFF2-40B4-BE49-F238E27FC236}">
+                  <a16:creationId xmlns:a16="http://schemas.microsoft.com/office/drawing/2014/main" id="{9F845B34-7E58-4A7C-B0AB-A215FE681705}"/>
+                </a:ext>
+              </a:extLst>
+            </p:cNvPr>
+            <p:cNvPicPr>
+              <a:picLocks noChangeAspect="1"/>
+            </p:cNvPicPr>
+            <p:nvPr/>
+          </p:nvPicPr>
+          <p:blipFill rotWithShape="1">
+            <a:blip r:embed="rId10"/>
+            <a:srcRect l="3827" t="-1917" r="3827" b="1917"/>
+            <a:stretch/>
+          </p:blipFill>
+          <p:spPr>
+            <a:xfrm>
+              <a:off x="1704942" y="5357272"/>
+              <a:ext cx="513336" cy="540000"/>
+            </a:xfrm>
+            <a:prstGeom prst="rect">
+              <a:avLst/>
+            </a:prstGeom>
+          </p:spPr>
+        </p:pic>
+        <p:pic>
+          <p:nvPicPr>
+            <p:cNvPr id="24" name="圖片 23">
+              <a:extLst>
+                <a:ext uri="{FF2B5EF4-FFF2-40B4-BE49-F238E27FC236}">
+                  <a16:creationId xmlns:a16="http://schemas.microsoft.com/office/drawing/2014/main" id="{EC2E03C3-4AB7-4F0F-89DE-9F7AD892FD8D}"/>
+                </a:ext>
+              </a:extLst>
+            </p:cNvPr>
+            <p:cNvPicPr>
+              <a:picLocks noChangeAspect="1"/>
+            </p:cNvPicPr>
+            <p:nvPr/>
+          </p:nvPicPr>
+          <p:blipFill rotWithShape="1">
+            <a:blip r:embed="rId11"/>
+            <a:srcRect l="3094" r="3094"/>
+            <a:stretch/>
+          </p:blipFill>
+          <p:spPr>
+            <a:xfrm>
+              <a:off x="1704942" y="2848021"/>
+              <a:ext cx="513336" cy="540000"/>
+            </a:xfrm>
+            <a:prstGeom prst="rect">
+              <a:avLst/>
+            </a:prstGeom>
+          </p:spPr>
+        </p:pic>
+      </p:grpSp>
+      <p:sp>
+        <p:nvSpPr>
+          <p:cNvPr id="16" name="文字方塊 15">
+            <a:extLst>
+              <a:ext uri="{FF2B5EF4-FFF2-40B4-BE49-F238E27FC236}">
+                <a16:creationId xmlns:a16="http://schemas.microsoft.com/office/drawing/2014/main" id="{9A2442F6-1119-4016-92E0-C3A478CD3C69}"/>
+              </a:ext>
+            </a:extLst>
+          </p:cNvPr>
+          <p:cNvSpPr txBox="1"/>
+          <p:nvPr/>
+        </p:nvSpPr>
+        <p:spPr>
+          <a:xfrm>
+            <a:off x="2284379" y="2302957"/>
+            <a:ext cx="9479450" cy="3539430"/>
+          </a:xfrm>
+          <a:prstGeom prst="rect">
+            <a:avLst/>
+          </a:prstGeom>
+          <a:noFill/>
+        </p:spPr>
+        <p:txBody>
+          <a:bodyPr wrap="square" rtlCol="0">
+            <a:spAutoFit/>
+          </a:bodyPr>
+          <a:lstStyle/>
+          <a:p>
+            <a:r>
+              <a:rPr lang="zh-TW" altLang="en-US" sz="3200" b="1" u="sng" dirty="0">
+                <a:solidFill>
+                  <a:schemeClr val="bg1"/>
+                </a:solidFill>
+                <a:latin typeface="標楷體" panose="03000509000000000000" pitchFamily="65" charset="-120"/>
+                <a:ea typeface="標楷體" panose="03000509000000000000" pitchFamily="65" charset="-120"/>
+              </a:rPr>
+              <a:t>偵錯</a:t>
+            </a:r>
+            <a:r>
+              <a:rPr lang="zh-TW" altLang="en-US" sz="3200" dirty="0">
+                <a:solidFill>
+                  <a:schemeClr val="bg1"/>
+                </a:solidFill>
+                <a:latin typeface="標楷體" panose="03000509000000000000" pitchFamily="65" charset="-120"/>
+                <a:ea typeface="標楷體" panose="03000509000000000000" pitchFamily="65" charset="-120"/>
+              </a:rPr>
+              <a:t>：檢查程式碼是否有錯誤，若錯誤便顯示出來。</a:t>
+            </a:r>
+            <a:endParaRPr lang="en-US" altLang="zh-TW" sz="3200" dirty="0">
+              <a:solidFill>
+                <a:schemeClr val="bg1"/>
+              </a:solidFill>
+              <a:latin typeface="標楷體" panose="03000509000000000000" pitchFamily="65" charset="-120"/>
+              <a:ea typeface="標楷體" panose="03000509000000000000" pitchFamily="65" charset="-120"/>
+            </a:endParaRPr>
+          </a:p>
+          <a:p>
+            <a:r>
+              <a:rPr lang="zh-TW" altLang="en-US" sz="3200" b="1" u="sng" dirty="0">
+                <a:solidFill>
+                  <a:schemeClr val="bg1"/>
+                </a:solidFill>
+                <a:latin typeface="標楷體" panose="03000509000000000000" pitchFamily="65" charset="-120"/>
+                <a:ea typeface="標楷體" panose="03000509000000000000" pitchFamily="65" charset="-120"/>
+              </a:rPr>
+              <a:t>上傳</a:t>
+            </a:r>
+            <a:r>
+              <a:rPr lang="zh-TW" altLang="en-US" sz="3200" dirty="0">
+                <a:solidFill>
+                  <a:schemeClr val="bg1"/>
+                </a:solidFill>
+                <a:latin typeface="標楷體" panose="03000509000000000000" pitchFamily="65" charset="-120"/>
+                <a:ea typeface="標楷體" panose="03000509000000000000" pitchFamily="65" charset="-120"/>
+              </a:rPr>
+              <a:t>：將程式載入到控制器，若程式錯誤或連接埠問題，便會無法載入且顯示錯誤訊息。</a:t>
+            </a:r>
+            <a:endParaRPr lang="en-US" altLang="zh-TW" sz="3200" dirty="0">
+              <a:solidFill>
+                <a:schemeClr val="bg1"/>
+              </a:solidFill>
+              <a:latin typeface="標楷體" panose="03000509000000000000" pitchFamily="65" charset="-120"/>
+              <a:ea typeface="標楷體" panose="03000509000000000000" pitchFamily="65" charset="-120"/>
+            </a:endParaRPr>
+          </a:p>
+          <a:p>
+            <a:r>
+              <a:rPr lang="zh-TW" altLang="en-US" sz="3200" b="1" u="sng" dirty="0">
+                <a:solidFill>
+                  <a:schemeClr val="bg1"/>
+                </a:solidFill>
+                <a:latin typeface="標楷體" panose="03000509000000000000" pitchFamily="65" charset="-120"/>
+                <a:ea typeface="標楷體" panose="03000509000000000000" pitchFamily="65" charset="-120"/>
+              </a:rPr>
+              <a:t>新增</a:t>
+            </a:r>
+            <a:r>
+              <a:rPr lang="zh-TW" altLang="en-US" sz="3200" dirty="0">
+                <a:solidFill>
+                  <a:schemeClr val="bg1"/>
+                </a:solidFill>
+                <a:latin typeface="標楷體" panose="03000509000000000000" pitchFamily="65" charset="-120"/>
+                <a:ea typeface="標楷體" panose="03000509000000000000" pitchFamily="65" charset="-120"/>
+              </a:rPr>
+              <a:t>：新增檔案。</a:t>
+            </a:r>
+            <a:endParaRPr lang="en-US" altLang="zh-TW" sz="3200" dirty="0">
+              <a:solidFill>
+                <a:schemeClr val="bg1"/>
+              </a:solidFill>
+              <a:latin typeface="標楷體" panose="03000509000000000000" pitchFamily="65" charset="-120"/>
+              <a:ea typeface="標楷體" panose="03000509000000000000" pitchFamily="65" charset="-120"/>
+            </a:endParaRPr>
+          </a:p>
+          <a:p>
+            <a:r>
+              <a:rPr lang="zh-TW" altLang="en-US" sz="3200" b="1" u="sng" dirty="0">
+                <a:solidFill>
+                  <a:schemeClr val="bg1"/>
+                </a:solidFill>
+                <a:latin typeface="標楷體" panose="03000509000000000000" pitchFamily="65" charset="-120"/>
+                <a:ea typeface="標楷體" panose="03000509000000000000" pitchFamily="65" charset="-120"/>
+              </a:rPr>
+              <a:t>開啟</a:t>
+            </a:r>
+            <a:r>
+              <a:rPr lang="zh-TW" altLang="en-US" sz="3200" dirty="0">
+                <a:solidFill>
+                  <a:schemeClr val="bg1"/>
+                </a:solidFill>
+                <a:latin typeface="標楷體" panose="03000509000000000000" pitchFamily="65" charset="-120"/>
+                <a:ea typeface="標楷體" panose="03000509000000000000" pitchFamily="65" charset="-120"/>
+              </a:rPr>
+              <a:t>：開啟檔案。</a:t>
+            </a:r>
+            <a:endParaRPr lang="en-US" altLang="zh-TW" sz="3200" dirty="0">
+              <a:solidFill>
+                <a:schemeClr val="bg1"/>
+              </a:solidFill>
+              <a:latin typeface="標楷體" panose="03000509000000000000" pitchFamily="65" charset="-120"/>
+              <a:ea typeface="標楷體" panose="03000509000000000000" pitchFamily="65" charset="-120"/>
+            </a:endParaRPr>
+          </a:p>
+          <a:p>
+            <a:r>
+              <a:rPr lang="zh-TW" altLang="en-US" sz="3200" b="1" u="sng" dirty="0">
+                <a:solidFill>
+                  <a:schemeClr val="bg1"/>
+                </a:solidFill>
+                <a:latin typeface="標楷體" panose="03000509000000000000" pitchFamily="65" charset="-120"/>
+                <a:ea typeface="標楷體" panose="03000509000000000000" pitchFamily="65" charset="-120"/>
+              </a:rPr>
+              <a:t>儲存</a:t>
+            </a:r>
+            <a:r>
+              <a:rPr lang="zh-TW" altLang="en-US" sz="3200" dirty="0">
+                <a:solidFill>
+                  <a:schemeClr val="bg1"/>
+                </a:solidFill>
+                <a:latin typeface="標楷體" panose="03000509000000000000" pitchFamily="65" charset="-120"/>
+                <a:ea typeface="標楷體" panose="03000509000000000000" pitchFamily="65" charset="-120"/>
+              </a:rPr>
+              <a:t>：儲存檔案。</a:t>
+            </a:r>
+            <a:endParaRPr lang="en-US" altLang="zh-TW" sz="3200" dirty="0">
+              <a:solidFill>
+                <a:schemeClr val="bg1"/>
+              </a:solidFill>
+              <a:latin typeface="標楷體" panose="03000509000000000000" pitchFamily="65" charset="-120"/>
+              <a:ea typeface="標楷體" panose="03000509000000000000" pitchFamily="65" charset="-120"/>
+            </a:endParaRPr>
+          </a:p>
+          <a:p>
+            <a:r>
+              <a:rPr lang="zh-TW" altLang="en-US" sz="3200" b="1" u="sng" dirty="0">
+                <a:solidFill>
+                  <a:schemeClr val="bg1"/>
+                </a:solidFill>
+                <a:latin typeface="標楷體" panose="03000509000000000000" pitchFamily="65" charset="-120"/>
+                <a:ea typeface="標楷體" panose="03000509000000000000" pitchFamily="65" charset="-120"/>
+              </a:rPr>
+              <a:t>序列埠監控視窗</a:t>
+            </a:r>
+            <a:r>
+              <a:rPr lang="zh-TW" altLang="en-US" sz="3200" dirty="0">
+                <a:solidFill>
+                  <a:schemeClr val="bg1"/>
+                </a:solidFill>
+                <a:latin typeface="標楷體" panose="03000509000000000000" pitchFamily="65" charset="-120"/>
+                <a:ea typeface="標楷體" panose="03000509000000000000" pitchFamily="65" charset="-120"/>
+              </a:rPr>
+              <a:t>：顯示由</a:t>
+            </a:r>
+            <a:r>
+              <a:rPr lang="en-US" altLang="zh-TW" sz="3200" dirty="0">
+                <a:solidFill>
+                  <a:schemeClr val="bg1"/>
+                </a:solidFill>
+                <a:latin typeface="標楷體" panose="03000509000000000000" pitchFamily="65" charset="-120"/>
+                <a:ea typeface="標楷體" panose="03000509000000000000" pitchFamily="65" charset="-120"/>
+              </a:rPr>
+              <a:t>PC</a:t>
+            </a:r>
+            <a:r>
+              <a:rPr lang="zh-TW" altLang="en-US" sz="3200" dirty="0">
+                <a:solidFill>
+                  <a:schemeClr val="bg1"/>
+                </a:solidFill>
+                <a:latin typeface="標楷體" panose="03000509000000000000" pitchFamily="65" charset="-120"/>
+                <a:ea typeface="標楷體" panose="03000509000000000000" pitchFamily="65" charset="-120"/>
+              </a:rPr>
+              <a:t>端傳來的串列埠訊息。</a:t>
+            </a:r>
+            <a:endParaRPr lang="en-US" altLang="zh-TW" sz="3200" dirty="0">
+              <a:solidFill>
+                <a:schemeClr val="bg1"/>
+              </a:solidFill>
+              <a:latin typeface="標楷體" panose="03000509000000000000" pitchFamily="65" charset="-120"/>
+              <a:ea typeface="標楷體" panose="03000509000000000000" pitchFamily="65" charset="-120"/>
+            </a:endParaRPr>
+          </a:p>
+        </p:txBody>
+      </p:sp>
+      <p:pic>
+        <p:nvPicPr>
+          <p:cNvPr id="5" name="圖片 4">
+            <a:extLst>
+              <a:ext uri="{FF2B5EF4-FFF2-40B4-BE49-F238E27FC236}">
+                <a16:creationId xmlns:a16="http://schemas.microsoft.com/office/drawing/2014/main" id="{9531105A-F64F-4F8E-9EDA-ED4918E12B2F}"/>
+              </a:ext>
+            </a:extLst>
+          </p:cNvPr>
+          <p:cNvPicPr>
+            <a:picLocks noChangeAspect="1"/>
+          </p:cNvPicPr>
+          <p:nvPr/>
+        </p:nvPicPr>
+        <p:blipFill>
+          <a:blip r:embed="rId12"/>
+          <a:stretch>
+            <a:fillRect/>
+          </a:stretch>
+        </p:blipFill>
+        <p:spPr>
+          <a:xfrm>
+            <a:off x="0" y="0"/>
+            <a:ext cx="12192000" cy="6858000"/>
+          </a:xfrm>
+          <a:prstGeom prst="rect">
+            <a:avLst/>
+          </a:prstGeom>
+        </p:spPr>
+      </p:pic>
+    </p:spTree>
+    <p:extLst>
+      <p:ext uri="{BB962C8B-B14F-4D97-AF65-F5344CB8AC3E}">
+        <p14:creationId xmlns:p14="http://schemas.microsoft.com/office/powerpoint/2010/main" val="1267984566"/>
+      </p:ext>
+    </p:extLst>
+  </p:cSld>
+  <p:clrMapOvr>
+    <a:masterClrMapping/>
+  </p:clrMapOvr>
+</p:sld>
+</file>
+
+<file path=ppt/slides/slide50.xml><?xml version="1.0" encoding="utf-8"?>
 <p:sld xmlns:a="http://schemas.openxmlformats.org/drawingml/2006/main" xmlns:r="http://schemas.openxmlformats.org/officeDocument/2006/relationships" xmlns:p="http://schemas.openxmlformats.org/presentationml/2006/main">
   <p:cSld>
     <p:spTree>
@@ -45460,7 +48302,7 @@
 </p:sld>
 </file>
 
-<file path=ppt/slides/slide44.xml><?xml version="1.0" encoding="utf-8"?>
+<file path=ppt/slides/slide51.xml><?xml version="1.0" encoding="utf-8"?>
 <p:sld xmlns:a="http://schemas.openxmlformats.org/drawingml/2006/main" xmlns:r="http://schemas.openxmlformats.org/officeDocument/2006/relationships" xmlns:p="http://schemas.openxmlformats.org/presentationml/2006/main">
   <p:cSld>
     <p:spTree>
@@ -46288,7 +49130,7 @@
 </p:sld>
 </file>
 
-<file path=ppt/slides/slide45.xml><?xml version="1.0" encoding="utf-8"?>
+<file path=ppt/slides/slide52.xml><?xml version="1.0" encoding="utf-8"?>
 <p:sld xmlns:a="http://schemas.openxmlformats.org/drawingml/2006/main" xmlns:r="http://schemas.openxmlformats.org/officeDocument/2006/relationships" xmlns:p="http://schemas.openxmlformats.org/presentationml/2006/main">
   <p:cSld>
     <p:spTree>
@@ -46645,7 +49487,7 @@
 </p:sld>
 </file>
 
-<file path=ppt/slides/slide46.xml><?xml version="1.0" encoding="utf-8"?>
+<file path=ppt/slides/slide53.xml><?xml version="1.0" encoding="utf-8"?>
 <p:sld xmlns:a="http://schemas.openxmlformats.org/drawingml/2006/main" xmlns:r="http://schemas.openxmlformats.org/officeDocument/2006/relationships" xmlns:p="http://schemas.openxmlformats.org/presentationml/2006/main">
   <p:cSld>
     <p:spTree>
@@ -47028,7 +49870,7 @@
 </p:sld>
 </file>
 
-<file path=ppt/slides/slide47.xml><?xml version="1.0" encoding="utf-8"?>
+<file path=ppt/slides/slide54.xml><?xml version="1.0" encoding="utf-8"?>
 <p:sld xmlns:a="http://schemas.openxmlformats.org/drawingml/2006/main" xmlns:r="http://schemas.openxmlformats.org/officeDocument/2006/relationships" xmlns:p="http://schemas.openxmlformats.org/presentationml/2006/main">
   <p:cSld>
     <p:spTree>
@@ -47346,7 +50188,7 @@
 </p:sld>
 </file>
 
-<file path=ppt/slides/slide48.xml><?xml version="1.0" encoding="utf-8"?>
+<file path=ppt/slides/slide55.xml><?xml version="1.0" encoding="utf-8"?>
 <p:sld xmlns:a="http://schemas.openxmlformats.org/drawingml/2006/main" xmlns:r="http://schemas.openxmlformats.org/officeDocument/2006/relationships" xmlns:p="http://schemas.openxmlformats.org/presentationml/2006/main">
   <p:cSld>
     <p:spTree>
@@ -47630,7 +50472,7 @@
 </p:sld>
 </file>
 
-<file path=ppt/slides/slide49.xml><?xml version="1.0" encoding="utf-8"?>
+<file path=ppt/slides/slide56.xml><?xml version="1.0" encoding="utf-8"?>
 <p:sld xmlns:a="http://schemas.openxmlformats.org/drawingml/2006/main" xmlns:r="http://schemas.openxmlformats.org/officeDocument/2006/relationships" xmlns:p="http://schemas.openxmlformats.org/presentationml/2006/main">
   <p:cSld>
     <p:spTree>
@@ -48365,744 +51207,7 @@
 </p:sld>
 </file>
 
-<file path=ppt/slides/slide5.xml><?xml version="1.0" encoding="utf-8"?>
-<p:sld xmlns:a="http://schemas.openxmlformats.org/drawingml/2006/main" xmlns:r="http://schemas.openxmlformats.org/officeDocument/2006/relationships" xmlns:p="http://schemas.openxmlformats.org/presentationml/2006/main">
-  <p:cSld>
-    <p:spTree>
-      <p:nvGrpSpPr>
-        <p:cNvPr id="1" name=""/>
-        <p:cNvGrpSpPr/>
-        <p:nvPr/>
-      </p:nvGrpSpPr>
-      <p:grpSpPr>
-        <a:xfrm>
-          <a:off x="0" y="0"/>
-          <a:ext cx="0" cy="0"/>
-          <a:chOff x="0" y="0"/>
-          <a:chExt cx="0" cy="0"/>
-        </a:xfrm>
-      </p:grpSpPr>
-      <p:sp>
-        <p:nvSpPr>
-          <p:cNvPr id="4" name="標題 3">
-            <a:extLst>
-              <a:ext uri="{FF2B5EF4-FFF2-40B4-BE49-F238E27FC236}">
-                <a16:creationId xmlns:a16="http://schemas.microsoft.com/office/drawing/2014/main" id="{3C618BD0-7357-4F85-A56C-747DCD526A29}"/>
-              </a:ext>
-            </a:extLst>
-          </p:cNvPr>
-          <p:cNvSpPr>
-            <a:spLocks noGrp="1"/>
-          </p:cNvSpPr>
-          <p:nvPr>
-            <p:ph type="title"/>
-          </p:nvPr>
-        </p:nvSpPr>
-        <p:spPr>
-          <a:xfrm>
-            <a:off x="444500" y="542925"/>
-            <a:ext cx="11214100" cy="923330"/>
-          </a:xfrm>
-        </p:spPr>
-        <p:txBody>
-          <a:bodyPr/>
-          <a:lstStyle/>
-          <a:p>
-            <a:r>
-              <a:rPr lang="en-US" altLang="zh-TW" sz="6000" dirty="0"/>
-              <a:t>IDE </a:t>
-            </a:r>
-            <a:r>
-              <a:rPr lang="en-US" altLang="zh-TW" sz="6000" dirty="0" err="1"/>
-              <a:t>Funcitons</a:t>
-            </a:r>
-            <a:endParaRPr lang="zh-TW" altLang="en-US" sz="6000" dirty="0"/>
-          </a:p>
-        </p:txBody>
-      </p:sp>
-      <p:grpSp>
-        <p:nvGrpSpPr>
-          <p:cNvPr id="6" name="群組 5">
-            <a:extLst>
-              <a:ext uri="{FF2B5EF4-FFF2-40B4-BE49-F238E27FC236}">
-                <a16:creationId xmlns:a16="http://schemas.microsoft.com/office/drawing/2014/main" id="{1DB03A09-EFA9-446E-B14E-714605BE7F02}"/>
-              </a:ext>
-            </a:extLst>
-          </p:cNvPr>
-          <p:cNvGrpSpPr/>
-          <p:nvPr/>
-        </p:nvGrpSpPr>
-        <p:grpSpPr>
-          <a:xfrm>
-            <a:off x="0" y="6176963"/>
-            <a:ext cx="12192000" cy="703140"/>
-            <a:chOff x="0" y="6192732"/>
-            <a:chExt cx="12192000" cy="703140"/>
-          </a:xfrm>
-        </p:grpSpPr>
-        <p:sp>
-          <p:nvSpPr>
-            <p:cNvPr id="7" name="矩形 6">
-              <a:extLst>
-                <a:ext uri="{FF2B5EF4-FFF2-40B4-BE49-F238E27FC236}">
-                  <a16:creationId xmlns:a16="http://schemas.microsoft.com/office/drawing/2014/main" id="{30DA9C63-756D-4B37-9F80-D982634B6A42}"/>
-                </a:ext>
-              </a:extLst>
-            </p:cNvPr>
-            <p:cNvSpPr/>
-            <p:nvPr/>
-          </p:nvSpPr>
-          <p:spPr>
-            <a:xfrm>
-              <a:off x="0" y="6212114"/>
-              <a:ext cx="12192000" cy="683758"/>
-            </a:xfrm>
-            <a:prstGeom prst="rect">
-              <a:avLst/>
-            </a:prstGeom>
-            <a:solidFill>
-              <a:srgbClr val="0065A4"/>
-            </a:solidFill>
-            <a:ln>
-              <a:noFill/>
-            </a:ln>
-          </p:spPr>
-          <p:style>
-            <a:lnRef idx="2">
-              <a:schemeClr val="accent5">
-                <a:shade val="50000"/>
-              </a:schemeClr>
-            </a:lnRef>
-            <a:fillRef idx="1">
-              <a:schemeClr val="accent5"/>
-            </a:fillRef>
-            <a:effectRef idx="0">
-              <a:schemeClr val="accent5"/>
-            </a:effectRef>
-            <a:fontRef idx="minor">
-              <a:schemeClr val="lt1"/>
-            </a:fontRef>
-          </p:style>
-          <p:txBody>
-            <a:bodyPr rtlCol="0" anchor="ctr"/>
-            <a:lstStyle/>
-            <a:p>
-              <a:pPr algn="ctr"/>
-              <a:endParaRPr lang="zh-TW" altLang="en-US" dirty="0">
-                <a:highlight>
-                  <a:srgbClr val="00FFFF"/>
-                </a:highlight>
-              </a:endParaRPr>
-            </a:p>
-          </p:txBody>
-        </p:sp>
-        <p:sp>
-          <p:nvSpPr>
-            <p:cNvPr id="8" name="文字方塊 7">
-              <a:extLst>
-                <a:ext uri="{FF2B5EF4-FFF2-40B4-BE49-F238E27FC236}">
-                  <a16:creationId xmlns:a16="http://schemas.microsoft.com/office/drawing/2014/main" id="{A617ED4E-876A-4C6A-B2FD-ABFA65439411}"/>
-                </a:ext>
-              </a:extLst>
-            </p:cNvPr>
-            <p:cNvSpPr txBox="1"/>
-            <p:nvPr/>
-          </p:nvSpPr>
-          <p:spPr>
-            <a:xfrm flipH="1">
-              <a:off x="3186974" y="6211669"/>
-              <a:ext cx="5818052" cy="646331"/>
-            </a:xfrm>
-            <a:prstGeom prst="rect">
-              <a:avLst/>
-            </a:prstGeom>
-            <a:noFill/>
-          </p:spPr>
-          <p:txBody>
-            <a:bodyPr wrap="square" rtlCol="0">
-              <a:spAutoFit/>
-            </a:bodyPr>
-            <a:lstStyle/>
-            <a:p>
-              <a:pPr algn="dist"/>
-              <a:r>
-                <a:rPr lang="zh-TW" altLang="en-US" sz="3600" dirty="0">
-                  <a:solidFill>
-                    <a:schemeClr val="bg1"/>
-                  </a:solidFill>
-                  <a:latin typeface="標楷體" panose="03000509000000000000" pitchFamily="65" charset="-120"/>
-                  <a:ea typeface="標楷體" panose="03000509000000000000" pitchFamily="65" charset="-120"/>
-                </a:rPr>
-                <a:t>電機事務所</a:t>
-              </a:r>
-            </a:p>
-          </p:txBody>
-        </p:sp>
-        <p:pic>
-          <p:nvPicPr>
-            <p:cNvPr id="9" name="圖片 8">
-              <a:extLst>
-                <a:ext uri="{FF2B5EF4-FFF2-40B4-BE49-F238E27FC236}">
-                  <a16:creationId xmlns:a16="http://schemas.microsoft.com/office/drawing/2014/main" id="{20FE69CC-E546-459D-9C4E-D47BE26B4B2E}"/>
-                </a:ext>
-              </a:extLst>
-            </p:cNvPr>
-            <p:cNvPicPr>
-              <a:picLocks noChangeAspect="1"/>
-            </p:cNvPicPr>
-            <p:nvPr/>
-          </p:nvPicPr>
-          <p:blipFill>
-            <a:blip r:embed="rId3">
-              <a:extLst>
-                <a:ext uri="{28A0092B-C50C-407E-A947-70E740481C1C}">
-                  <a14:useLocalDpi xmlns:a14="http://schemas.microsoft.com/office/drawing/2010/main" val="0"/>
-                </a:ext>
-              </a:extLst>
-            </a:blip>
-            <a:stretch>
-              <a:fillRect/>
-            </a:stretch>
-          </p:blipFill>
-          <p:spPr>
-            <a:xfrm>
-              <a:off x="10330269" y="6244819"/>
-              <a:ext cx="580027" cy="580027"/>
-            </a:xfrm>
-            <a:prstGeom prst="rect">
-              <a:avLst/>
-            </a:prstGeom>
-          </p:spPr>
-        </p:pic>
-        <p:pic>
-          <p:nvPicPr>
-            <p:cNvPr id="10" name="圖片 9">
-              <a:extLst>
-                <a:ext uri="{FF2B5EF4-FFF2-40B4-BE49-F238E27FC236}">
-                  <a16:creationId xmlns:a16="http://schemas.microsoft.com/office/drawing/2014/main" id="{05D3740C-3C2F-49BC-B8F4-176998CD17A5}"/>
-                </a:ext>
-              </a:extLst>
-            </p:cNvPr>
-            <p:cNvPicPr>
-              <a:picLocks noChangeAspect="1"/>
-            </p:cNvPicPr>
-            <p:nvPr/>
-          </p:nvPicPr>
-          <p:blipFill>
-            <a:blip r:embed="rId4">
-              <a:extLst>
-                <a:ext uri="{28A0092B-C50C-407E-A947-70E740481C1C}">
-                  <a14:useLocalDpi xmlns:a14="http://schemas.microsoft.com/office/drawing/2010/main" val="0"/>
-                </a:ext>
-              </a:extLst>
-            </a:blip>
-            <a:stretch>
-              <a:fillRect/>
-            </a:stretch>
-          </p:blipFill>
-          <p:spPr>
-            <a:xfrm>
-              <a:off x="1343227" y="6192732"/>
-              <a:ext cx="684203" cy="684203"/>
-            </a:xfrm>
-            <a:prstGeom prst="rect">
-              <a:avLst/>
-            </a:prstGeom>
-          </p:spPr>
-        </p:pic>
-      </p:grpSp>
-      <p:pic>
-        <p:nvPicPr>
-          <p:cNvPr id="18" name="圖片 17">
-            <a:extLst>
-              <a:ext uri="{FF2B5EF4-FFF2-40B4-BE49-F238E27FC236}">
-                <a16:creationId xmlns:a16="http://schemas.microsoft.com/office/drawing/2014/main" id="{A703564D-1896-47EA-A4AB-9B9CD981D086}"/>
-              </a:ext>
-            </a:extLst>
-          </p:cNvPr>
-          <p:cNvPicPr>
-            <a:picLocks noChangeAspect="1"/>
-          </p:cNvPicPr>
-          <p:nvPr/>
-        </p:nvPicPr>
-        <p:blipFill rotWithShape="1">
-          <a:blip r:embed="rId5"/>
-          <a:srcRect l="476" t="10307" b="83500"/>
-          <a:stretch/>
-        </p:blipFill>
-        <p:spPr>
-          <a:xfrm>
-            <a:off x="1668335" y="1389052"/>
-            <a:ext cx="8766429" cy="723524"/>
-          </a:xfrm>
-          <a:prstGeom prst="rect">
-            <a:avLst/>
-          </a:prstGeom>
-        </p:spPr>
-      </p:pic>
-      <p:grpSp>
-        <p:nvGrpSpPr>
-          <p:cNvPr id="2" name="群組 1">
-            <a:extLst>
-              <a:ext uri="{FF2B5EF4-FFF2-40B4-BE49-F238E27FC236}">
-                <a16:creationId xmlns:a16="http://schemas.microsoft.com/office/drawing/2014/main" id="{515F5C59-D626-4DB3-B2AC-659D07022EA9}"/>
-              </a:ext>
-            </a:extLst>
-          </p:cNvPr>
-          <p:cNvGrpSpPr/>
-          <p:nvPr/>
-        </p:nvGrpSpPr>
-        <p:grpSpPr>
-          <a:xfrm>
-            <a:off x="1685328" y="2306487"/>
-            <a:ext cx="513336" cy="3676564"/>
-            <a:chOff x="1704942" y="2220708"/>
-            <a:chExt cx="513336" cy="3676564"/>
-          </a:xfrm>
-        </p:grpSpPr>
-        <p:pic>
-          <p:nvPicPr>
-            <p:cNvPr id="19" name="圖片 18">
-              <a:extLst>
-                <a:ext uri="{FF2B5EF4-FFF2-40B4-BE49-F238E27FC236}">
-                  <a16:creationId xmlns:a16="http://schemas.microsoft.com/office/drawing/2014/main" id="{551E483E-D72E-4C40-97E7-15A32B2A8FBE}"/>
-                </a:ext>
-              </a:extLst>
-            </p:cNvPr>
-            <p:cNvPicPr>
-              <a:picLocks noChangeAspect="1"/>
-            </p:cNvPicPr>
-            <p:nvPr/>
-          </p:nvPicPr>
-          <p:blipFill>
-            <a:blip r:embed="rId6"/>
-            <a:stretch>
-              <a:fillRect/>
-            </a:stretch>
-          </p:blipFill>
-          <p:spPr>
-            <a:xfrm>
-              <a:off x="1704943" y="2220708"/>
-              <a:ext cx="513335" cy="540000"/>
-            </a:xfrm>
-            <a:prstGeom prst="rect">
-              <a:avLst/>
-            </a:prstGeom>
-          </p:spPr>
-        </p:pic>
-        <p:pic>
-          <p:nvPicPr>
-            <p:cNvPr id="20" name="圖片 19">
-              <a:extLst>
-                <a:ext uri="{FF2B5EF4-FFF2-40B4-BE49-F238E27FC236}">
-                  <a16:creationId xmlns:a16="http://schemas.microsoft.com/office/drawing/2014/main" id="{41F78274-11A8-4B88-B214-5CB1F916A8C1}"/>
-                </a:ext>
-              </a:extLst>
-            </p:cNvPr>
-            <p:cNvPicPr>
-              <a:picLocks noChangeAspect="1"/>
-            </p:cNvPicPr>
-            <p:nvPr/>
-          </p:nvPicPr>
-          <p:blipFill rotWithShape="1">
-            <a:blip r:embed="rId7"/>
-            <a:srcRect l="5147" r="5147"/>
-            <a:stretch/>
-          </p:blipFill>
-          <p:spPr>
-            <a:xfrm>
-              <a:off x="1704942" y="3475334"/>
-              <a:ext cx="513336" cy="540000"/>
-            </a:xfrm>
-            <a:prstGeom prst="rect">
-              <a:avLst/>
-            </a:prstGeom>
-          </p:spPr>
-        </p:pic>
-        <p:pic>
-          <p:nvPicPr>
-            <p:cNvPr id="21" name="圖片 20">
-              <a:extLst>
-                <a:ext uri="{FF2B5EF4-FFF2-40B4-BE49-F238E27FC236}">
-                  <a16:creationId xmlns:a16="http://schemas.microsoft.com/office/drawing/2014/main" id="{B492D25A-9978-47A1-87E2-9BAC1C98D15B}"/>
-                </a:ext>
-              </a:extLst>
-            </p:cNvPr>
-            <p:cNvPicPr>
-              <a:picLocks noChangeAspect="1"/>
-            </p:cNvPicPr>
-            <p:nvPr/>
-          </p:nvPicPr>
-          <p:blipFill rotWithShape="1">
-            <a:blip r:embed="rId8"/>
-            <a:srcRect l="5185" t="16" r="5185" b="-16"/>
-            <a:stretch/>
-          </p:blipFill>
-          <p:spPr>
-            <a:xfrm>
-              <a:off x="1704942" y="4102647"/>
-              <a:ext cx="513336" cy="540000"/>
-            </a:xfrm>
-            <a:prstGeom prst="rect">
-              <a:avLst/>
-            </a:prstGeom>
-          </p:spPr>
-        </p:pic>
-        <p:pic>
-          <p:nvPicPr>
-            <p:cNvPr id="22" name="圖片 21">
-              <a:extLst>
-                <a:ext uri="{FF2B5EF4-FFF2-40B4-BE49-F238E27FC236}">
-                  <a16:creationId xmlns:a16="http://schemas.microsoft.com/office/drawing/2014/main" id="{9B35EB41-B952-4F91-9C17-361CA277E55D}"/>
-                </a:ext>
-              </a:extLst>
-            </p:cNvPr>
-            <p:cNvPicPr>
-              <a:picLocks noChangeAspect="1"/>
-            </p:cNvPicPr>
-            <p:nvPr/>
-          </p:nvPicPr>
-          <p:blipFill rotWithShape="1">
-            <a:blip r:embed="rId9"/>
-            <a:srcRect l="3178" r="3178"/>
-            <a:stretch/>
-          </p:blipFill>
-          <p:spPr>
-            <a:xfrm>
-              <a:off x="1704942" y="4729960"/>
-              <a:ext cx="513336" cy="540000"/>
-            </a:xfrm>
-            <a:prstGeom prst="rect">
-              <a:avLst/>
-            </a:prstGeom>
-          </p:spPr>
-        </p:pic>
-        <p:pic>
-          <p:nvPicPr>
-            <p:cNvPr id="23" name="圖片 22">
-              <a:extLst>
-                <a:ext uri="{FF2B5EF4-FFF2-40B4-BE49-F238E27FC236}">
-                  <a16:creationId xmlns:a16="http://schemas.microsoft.com/office/drawing/2014/main" id="{9F845B34-7E58-4A7C-B0AB-A215FE681705}"/>
-                </a:ext>
-              </a:extLst>
-            </p:cNvPr>
-            <p:cNvPicPr>
-              <a:picLocks noChangeAspect="1"/>
-            </p:cNvPicPr>
-            <p:nvPr/>
-          </p:nvPicPr>
-          <p:blipFill rotWithShape="1">
-            <a:blip r:embed="rId10"/>
-            <a:srcRect l="3827" t="-1917" r="3827" b="1917"/>
-            <a:stretch/>
-          </p:blipFill>
-          <p:spPr>
-            <a:xfrm>
-              <a:off x="1704942" y="5357272"/>
-              <a:ext cx="513336" cy="540000"/>
-            </a:xfrm>
-            <a:prstGeom prst="rect">
-              <a:avLst/>
-            </a:prstGeom>
-          </p:spPr>
-        </p:pic>
-        <p:pic>
-          <p:nvPicPr>
-            <p:cNvPr id="24" name="圖片 23">
-              <a:extLst>
-                <a:ext uri="{FF2B5EF4-FFF2-40B4-BE49-F238E27FC236}">
-                  <a16:creationId xmlns:a16="http://schemas.microsoft.com/office/drawing/2014/main" id="{EC2E03C3-4AB7-4F0F-89DE-9F7AD892FD8D}"/>
-                </a:ext>
-              </a:extLst>
-            </p:cNvPr>
-            <p:cNvPicPr>
-              <a:picLocks noChangeAspect="1"/>
-            </p:cNvPicPr>
-            <p:nvPr/>
-          </p:nvPicPr>
-          <p:blipFill rotWithShape="1">
-            <a:blip r:embed="rId11"/>
-            <a:srcRect l="3094" r="3094"/>
-            <a:stretch/>
-          </p:blipFill>
-          <p:spPr>
-            <a:xfrm>
-              <a:off x="1704942" y="2848021"/>
-              <a:ext cx="513336" cy="540000"/>
-            </a:xfrm>
-            <a:prstGeom prst="rect">
-              <a:avLst/>
-            </a:prstGeom>
-          </p:spPr>
-        </p:pic>
-      </p:grpSp>
-      <p:sp>
-        <p:nvSpPr>
-          <p:cNvPr id="16" name="文字方塊 15">
-            <a:extLst>
-              <a:ext uri="{FF2B5EF4-FFF2-40B4-BE49-F238E27FC236}">
-                <a16:creationId xmlns:a16="http://schemas.microsoft.com/office/drawing/2014/main" id="{9A2442F6-1119-4016-92E0-C3A478CD3C69}"/>
-              </a:ext>
-            </a:extLst>
-          </p:cNvPr>
-          <p:cNvSpPr txBox="1"/>
-          <p:nvPr/>
-        </p:nvSpPr>
-        <p:spPr>
-          <a:xfrm>
-            <a:off x="2284379" y="2302957"/>
-            <a:ext cx="9479450" cy="3539430"/>
-          </a:xfrm>
-          <a:prstGeom prst="rect">
-            <a:avLst/>
-          </a:prstGeom>
-          <a:noFill/>
-        </p:spPr>
-        <p:txBody>
-          <a:bodyPr wrap="square" rtlCol="0">
-            <a:spAutoFit/>
-          </a:bodyPr>
-          <a:lstStyle/>
-          <a:p>
-            <a:r>
-              <a:rPr lang="zh-TW" altLang="en-US" sz="3200" b="1" u="sng" dirty="0">
-                <a:solidFill>
-                  <a:schemeClr val="bg1"/>
-                </a:solidFill>
-                <a:latin typeface="標楷體" panose="03000509000000000000" pitchFamily="65" charset="-120"/>
-                <a:ea typeface="標楷體" panose="03000509000000000000" pitchFamily="65" charset="-120"/>
-              </a:rPr>
-              <a:t>偵錯</a:t>
-            </a:r>
-            <a:r>
-              <a:rPr lang="zh-TW" altLang="en-US" sz="3200" dirty="0">
-                <a:solidFill>
-                  <a:schemeClr val="bg1"/>
-                </a:solidFill>
-                <a:latin typeface="標楷體" panose="03000509000000000000" pitchFamily="65" charset="-120"/>
-                <a:ea typeface="標楷體" panose="03000509000000000000" pitchFamily="65" charset="-120"/>
-              </a:rPr>
-              <a:t>：檢查程式碼是否有錯誤，若錯誤便顯示出來。</a:t>
-            </a:r>
-            <a:endParaRPr lang="en-US" altLang="zh-TW" sz="3200" dirty="0">
-              <a:solidFill>
-                <a:schemeClr val="bg1"/>
-              </a:solidFill>
-              <a:latin typeface="標楷體" panose="03000509000000000000" pitchFamily="65" charset="-120"/>
-              <a:ea typeface="標楷體" panose="03000509000000000000" pitchFamily="65" charset="-120"/>
-            </a:endParaRPr>
-          </a:p>
-          <a:p>
-            <a:r>
-              <a:rPr lang="zh-TW" altLang="en-US" sz="3200" b="1" u="sng" dirty="0">
-                <a:solidFill>
-                  <a:schemeClr val="bg1"/>
-                </a:solidFill>
-                <a:latin typeface="標楷體" panose="03000509000000000000" pitchFamily="65" charset="-120"/>
-                <a:ea typeface="標楷體" panose="03000509000000000000" pitchFamily="65" charset="-120"/>
-              </a:rPr>
-              <a:t>上傳</a:t>
-            </a:r>
-            <a:r>
-              <a:rPr lang="zh-TW" altLang="en-US" sz="3200" dirty="0">
-                <a:solidFill>
-                  <a:schemeClr val="bg1"/>
-                </a:solidFill>
-                <a:latin typeface="標楷體" panose="03000509000000000000" pitchFamily="65" charset="-120"/>
-                <a:ea typeface="標楷體" panose="03000509000000000000" pitchFamily="65" charset="-120"/>
-              </a:rPr>
-              <a:t>：將程式載入到控制器，若程式錯誤或連接埠問題，便會無法載入且顯示錯誤訊息。</a:t>
-            </a:r>
-            <a:endParaRPr lang="en-US" altLang="zh-TW" sz="3200" dirty="0">
-              <a:solidFill>
-                <a:schemeClr val="bg1"/>
-              </a:solidFill>
-              <a:latin typeface="標楷體" panose="03000509000000000000" pitchFamily="65" charset="-120"/>
-              <a:ea typeface="標楷體" panose="03000509000000000000" pitchFamily="65" charset="-120"/>
-            </a:endParaRPr>
-          </a:p>
-          <a:p>
-            <a:r>
-              <a:rPr lang="zh-TW" altLang="en-US" sz="3200" b="1" u="sng" dirty="0">
-                <a:solidFill>
-                  <a:schemeClr val="bg1"/>
-                </a:solidFill>
-                <a:latin typeface="標楷體" panose="03000509000000000000" pitchFamily="65" charset="-120"/>
-                <a:ea typeface="標楷體" panose="03000509000000000000" pitchFamily="65" charset="-120"/>
-              </a:rPr>
-              <a:t>新增</a:t>
-            </a:r>
-            <a:r>
-              <a:rPr lang="zh-TW" altLang="en-US" sz="3200" dirty="0">
-                <a:solidFill>
-                  <a:schemeClr val="bg1"/>
-                </a:solidFill>
-                <a:latin typeface="標楷體" panose="03000509000000000000" pitchFamily="65" charset="-120"/>
-                <a:ea typeface="標楷體" panose="03000509000000000000" pitchFamily="65" charset="-120"/>
-              </a:rPr>
-              <a:t>：新增檔案。</a:t>
-            </a:r>
-            <a:endParaRPr lang="en-US" altLang="zh-TW" sz="3200" dirty="0">
-              <a:solidFill>
-                <a:schemeClr val="bg1"/>
-              </a:solidFill>
-              <a:latin typeface="標楷體" panose="03000509000000000000" pitchFamily="65" charset="-120"/>
-              <a:ea typeface="標楷體" panose="03000509000000000000" pitchFamily="65" charset="-120"/>
-            </a:endParaRPr>
-          </a:p>
-          <a:p>
-            <a:r>
-              <a:rPr lang="zh-TW" altLang="en-US" sz="3200" b="1" u="sng" dirty="0">
-                <a:solidFill>
-                  <a:schemeClr val="bg1"/>
-                </a:solidFill>
-                <a:latin typeface="標楷體" panose="03000509000000000000" pitchFamily="65" charset="-120"/>
-                <a:ea typeface="標楷體" panose="03000509000000000000" pitchFamily="65" charset="-120"/>
-              </a:rPr>
-              <a:t>開啟</a:t>
-            </a:r>
-            <a:r>
-              <a:rPr lang="zh-TW" altLang="en-US" sz="3200" dirty="0">
-                <a:solidFill>
-                  <a:schemeClr val="bg1"/>
-                </a:solidFill>
-                <a:latin typeface="標楷體" panose="03000509000000000000" pitchFamily="65" charset="-120"/>
-                <a:ea typeface="標楷體" panose="03000509000000000000" pitchFamily="65" charset="-120"/>
-              </a:rPr>
-              <a:t>：開啟檔案。</a:t>
-            </a:r>
-            <a:endParaRPr lang="en-US" altLang="zh-TW" sz="3200" dirty="0">
-              <a:solidFill>
-                <a:schemeClr val="bg1"/>
-              </a:solidFill>
-              <a:latin typeface="標楷體" panose="03000509000000000000" pitchFamily="65" charset="-120"/>
-              <a:ea typeface="標楷體" panose="03000509000000000000" pitchFamily="65" charset="-120"/>
-            </a:endParaRPr>
-          </a:p>
-          <a:p>
-            <a:r>
-              <a:rPr lang="zh-TW" altLang="en-US" sz="3200" b="1" u="sng" dirty="0">
-                <a:solidFill>
-                  <a:schemeClr val="bg1"/>
-                </a:solidFill>
-                <a:latin typeface="標楷體" panose="03000509000000000000" pitchFamily="65" charset="-120"/>
-                <a:ea typeface="標楷體" panose="03000509000000000000" pitchFamily="65" charset="-120"/>
-              </a:rPr>
-              <a:t>儲存</a:t>
-            </a:r>
-            <a:r>
-              <a:rPr lang="zh-TW" altLang="en-US" sz="3200" dirty="0">
-                <a:solidFill>
-                  <a:schemeClr val="bg1"/>
-                </a:solidFill>
-                <a:latin typeface="標楷體" panose="03000509000000000000" pitchFamily="65" charset="-120"/>
-                <a:ea typeface="標楷體" panose="03000509000000000000" pitchFamily="65" charset="-120"/>
-              </a:rPr>
-              <a:t>：儲存檔案。</a:t>
-            </a:r>
-            <a:endParaRPr lang="en-US" altLang="zh-TW" sz="3200" dirty="0">
-              <a:solidFill>
-                <a:schemeClr val="bg1"/>
-              </a:solidFill>
-              <a:latin typeface="標楷體" panose="03000509000000000000" pitchFamily="65" charset="-120"/>
-              <a:ea typeface="標楷體" panose="03000509000000000000" pitchFamily="65" charset="-120"/>
-            </a:endParaRPr>
-          </a:p>
-          <a:p>
-            <a:r>
-              <a:rPr lang="zh-TW" altLang="en-US" sz="3200" b="1" u="sng" dirty="0">
-                <a:solidFill>
-                  <a:schemeClr val="bg1"/>
-                </a:solidFill>
-                <a:latin typeface="標楷體" panose="03000509000000000000" pitchFamily="65" charset="-120"/>
-                <a:ea typeface="標楷體" panose="03000509000000000000" pitchFamily="65" charset="-120"/>
-              </a:rPr>
-              <a:t>序列埠監控視窗</a:t>
-            </a:r>
-            <a:r>
-              <a:rPr lang="zh-TW" altLang="en-US" sz="3200" dirty="0">
-                <a:solidFill>
-                  <a:schemeClr val="bg1"/>
-                </a:solidFill>
-                <a:latin typeface="標楷體" panose="03000509000000000000" pitchFamily="65" charset="-120"/>
-                <a:ea typeface="標楷體" panose="03000509000000000000" pitchFamily="65" charset="-120"/>
-              </a:rPr>
-              <a:t>：顯示由</a:t>
-            </a:r>
-            <a:r>
-              <a:rPr lang="en-US" altLang="zh-TW" sz="3200" dirty="0">
-                <a:solidFill>
-                  <a:schemeClr val="bg1"/>
-                </a:solidFill>
-                <a:latin typeface="標楷體" panose="03000509000000000000" pitchFamily="65" charset="-120"/>
-                <a:ea typeface="標楷體" panose="03000509000000000000" pitchFamily="65" charset="-120"/>
-              </a:rPr>
-              <a:t>PC</a:t>
-            </a:r>
-            <a:r>
-              <a:rPr lang="zh-TW" altLang="en-US" sz="3200" dirty="0">
-                <a:solidFill>
-                  <a:schemeClr val="bg1"/>
-                </a:solidFill>
-                <a:latin typeface="標楷體" panose="03000509000000000000" pitchFamily="65" charset="-120"/>
-                <a:ea typeface="標楷體" panose="03000509000000000000" pitchFamily="65" charset="-120"/>
-              </a:rPr>
-              <a:t>端傳來的串列埠訊息。</a:t>
-            </a:r>
-            <a:endParaRPr lang="en-US" altLang="zh-TW" sz="3200" dirty="0">
-              <a:solidFill>
-                <a:schemeClr val="bg1"/>
-              </a:solidFill>
-              <a:latin typeface="標楷體" panose="03000509000000000000" pitchFamily="65" charset="-120"/>
-              <a:ea typeface="標楷體" panose="03000509000000000000" pitchFamily="65" charset="-120"/>
-            </a:endParaRPr>
-          </a:p>
-        </p:txBody>
-      </p:sp>
-      <p:pic>
-        <p:nvPicPr>
-          <p:cNvPr id="5" name="圖片 4">
-            <a:extLst>
-              <a:ext uri="{FF2B5EF4-FFF2-40B4-BE49-F238E27FC236}">
-                <a16:creationId xmlns:a16="http://schemas.microsoft.com/office/drawing/2014/main" id="{9531105A-F64F-4F8E-9EDA-ED4918E12B2F}"/>
-              </a:ext>
-            </a:extLst>
-          </p:cNvPr>
-          <p:cNvPicPr>
-            <a:picLocks noChangeAspect="1"/>
-          </p:cNvPicPr>
-          <p:nvPr/>
-        </p:nvPicPr>
-        <p:blipFill>
-          <a:blip r:embed="rId12"/>
-          <a:stretch>
-            <a:fillRect/>
-          </a:stretch>
-        </p:blipFill>
-        <p:spPr>
-          <a:xfrm>
-            <a:off x="0" y="0"/>
-            <a:ext cx="12192000" cy="6858000"/>
-          </a:xfrm>
-          <a:prstGeom prst="rect">
-            <a:avLst/>
-          </a:prstGeom>
-        </p:spPr>
-      </p:pic>
-    </p:spTree>
-    <p:extLst>
-      <p:ext uri="{BB962C8B-B14F-4D97-AF65-F5344CB8AC3E}">
-        <p14:creationId xmlns:p14="http://schemas.microsoft.com/office/powerpoint/2010/main" val="1267984566"/>
-      </p:ext>
-    </p:extLst>
-  </p:cSld>
-  <p:clrMapOvr>
-    <a:masterClrMapping/>
-  </p:clrMapOvr>
-</p:sld>
-</file>
-
-<file path=ppt/slides/slide50.xml><?xml version="1.0" encoding="utf-8"?>
+<file path=ppt/slides/slide57.xml><?xml version="1.0" encoding="utf-8"?>
 <p:sld xmlns:a="http://schemas.openxmlformats.org/drawingml/2006/main" xmlns:r="http://schemas.openxmlformats.org/officeDocument/2006/relationships" xmlns:p="http://schemas.openxmlformats.org/presentationml/2006/main">
   <p:cSld>
     <p:spTree>
@@ -49516,7 +51621,7 @@
 </p:sld>
 </file>
 
-<file path=ppt/slides/slide51.xml><?xml version="1.0" encoding="utf-8"?>
+<file path=ppt/slides/slide58.xml><?xml version="1.0" encoding="utf-8"?>
 <p:sld xmlns:a="http://schemas.openxmlformats.org/drawingml/2006/main" xmlns:r="http://schemas.openxmlformats.org/officeDocument/2006/relationships" xmlns:p="http://schemas.openxmlformats.org/presentationml/2006/main">
   <p:cSld>
     <p:spTree>
@@ -49625,11 +51730,7 @@
           <a:p>
             <a:r>
               <a:rPr lang="en-US" altLang="zh-TW" sz="6000" dirty="0"/>
-              <a:t>IDE </a:t>
-            </a:r>
-            <a:r>
-              <a:rPr lang="en-US" altLang="zh-TW" sz="6000" dirty="0" err="1"/>
-              <a:t>Funcitons</a:t>
+              <a:t>IDE Functions</a:t>
             </a:r>
             <a:endParaRPr lang="zh-TW" altLang="en-US" sz="6000" dirty="0"/>
           </a:p>
@@ -50287,7 +52388,7 @@
     </p:spTree>
     <p:extLst>
       <p:ext uri="{BB962C8B-B14F-4D97-AF65-F5344CB8AC3E}">
-        <p14:creationId xmlns:p14="http://schemas.microsoft.com/office/powerpoint/2010/main" val="412246880"/>
+        <p14:creationId xmlns:p14="http://schemas.microsoft.com/office/powerpoint/2010/main" val="4106017668"/>
       </p:ext>
     </p:extLst>
   </p:cSld>
